--- a/PHOTO DEDUPLICATOR Updated.pptx
+++ b/PHOTO DEDUPLICATOR Updated.pptx
@@ -5,10 +5,10 @@
     <p:sldMasterId id="2147483658" r:id="rId4"/>
   </p:sldMasterIdLst>
   <p:notesMasterIdLst>
-    <p:notesMasterId r:id="rId29"/>
+    <p:notesMasterId r:id="rId31"/>
   </p:notesMasterIdLst>
   <p:handoutMasterIdLst>
-    <p:handoutMasterId r:id="rId30"/>
+    <p:handoutMasterId r:id="rId32"/>
   </p:handoutMasterIdLst>
   <p:sldIdLst>
     <p:sldId id="350" r:id="rId5"/>
@@ -22,19 +22,21 @@
     <p:sldId id="371" r:id="rId13"/>
     <p:sldId id="372" r:id="rId14"/>
     <p:sldId id="381" r:id="rId15"/>
-    <p:sldId id="362" r:id="rId16"/>
-    <p:sldId id="382" r:id="rId17"/>
-    <p:sldId id="378" r:id="rId18"/>
-    <p:sldId id="379" r:id="rId19"/>
-    <p:sldId id="380" r:id="rId20"/>
-    <p:sldId id="354" r:id="rId21"/>
-    <p:sldId id="373" r:id="rId22"/>
-    <p:sldId id="374" r:id="rId23"/>
-    <p:sldId id="376" r:id="rId24"/>
-    <p:sldId id="375" r:id="rId25"/>
-    <p:sldId id="377" r:id="rId26"/>
-    <p:sldId id="369" r:id="rId27"/>
-    <p:sldId id="343" r:id="rId28"/>
+    <p:sldId id="384" r:id="rId16"/>
+    <p:sldId id="362" r:id="rId17"/>
+    <p:sldId id="383" r:id="rId18"/>
+    <p:sldId id="382" r:id="rId19"/>
+    <p:sldId id="378" r:id="rId20"/>
+    <p:sldId id="385" r:id="rId21"/>
+    <p:sldId id="380" r:id="rId22"/>
+    <p:sldId id="377" r:id="rId23"/>
+    <p:sldId id="354" r:id="rId24"/>
+    <p:sldId id="373" r:id="rId25"/>
+    <p:sldId id="374" r:id="rId26"/>
+    <p:sldId id="376" r:id="rId27"/>
+    <p:sldId id="375" r:id="rId28"/>
+    <p:sldId id="369" r:id="rId29"/>
+    <p:sldId id="343" r:id="rId30"/>
   </p:sldIdLst>
   <p:sldSz cx="12192000" cy="6858000"/>
   <p:notesSz cx="6858000" cy="9144000"/>
@@ -164,88 +166,9 @@
 <file path=ppt/revisionInfo.xml><?xml version="1.0" encoding="utf-8"?>
 <p1510:revInfo xmlns:a="http://schemas.openxmlformats.org/drawingml/2006/main" xmlns:r="http://schemas.openxmlformats.org/officeDocument/2006/relationships" xmlns:p1510="http://schemas.microsoft.com/office/powerpoint/2015/10/main">
   <p1510:revLst>
-    <p1510:client id="{835C2FB1-A1A3-DAC9-DD08-178FAE740046}" v="559" dt="2024-06-18T20:00:14.712"/>
     <p1510:client id="{EB07B262-0889-87B5-5E2F-6179A3D81090}" v="299" dt="2024-06-19T15:33:03.081"/>
   </p1510:revLst>
 </p1510:revInfo>
-</file>
-
-<file path=ppt/changesInfos/changesInfo1.xml><?xml version="1.0" encoding="utf-8"?>
-<pc:chgInfo xmlns:a="http://schemas.openxmlformats.org/drawingml/2006/main" xmlns:r="http://schemas.openxmlformats.org/officeDocument/2006/relationships" xmlns:ac="http://schemas.microsoft.com/office/drawing/2013/main/command" xmlns:pc="http://schemas.microsoft.com/office/powerpoint/2013/main/command">
-  <pc:docChgLst>
-    <pc:chgData name="Žymantė: Iv" userId="5e243cd2a6c3a98d" providerId="LiveId" clId="{CDAFF666-79A2-40DE-8358-F9AF4E8D953D}"/>
-    <pc:docChg chg="undo custSel addSld delSld modSld">
-      <pc:chgData name="Žymantė: Iv" userId="5e243cd2a6c3a98d" providerId="LiveId" clId="{CDAFF666-79A2-40DE-8358-F9AF4E8D953D}" dt="2024-06-19T19:41:29.222" v="1295" actId="20577"/>
-      <pc:docMkLst>
-        <pc:docMk/>
-      </pc:docMkLst>
-      <pc:sldChg chg="modSp mod">
-        <pc:chgData name="Žymantė: Iv" userId="5e243cd2a6c3a98d" providerId="LiveId" clId="{CDAFF666-79A2-40DE-8358-F9AF4E8D953D}" dt="2024-06-19T19:41:29.222" v="1295" actId="20577"/>
-        <pc:sldMkLst>
-          <pc:docMk/>
-          <pc:sldMk cId="2336677316" sldId="343"/>
-        </pc:sldMkLst>
-        <pc:spChg chg="mod">
-          <ac:chgData name="Žymantė: Iv" userId="5e243cd2a6c3a98d" providerId="LiveId" clId="{CDAFF666-79A2-40DE-8358-F9AF4E8D953D}" dt="2024-06-19T19:41:29.222" v="1295" actId="20577"/>
-          <ac:spMkLst>
-            <pc:docMk/>
-            <pc:sldMk cId="2336677316" sldId="343"/>
-            <ac:spMk id="11" creationId="{F0F25866-5DB1-334A-8037-692579FBDE39}"/>
-          </ac:spMkLst>
-        </pc:spChg>
-      </pc:sldChg>
-      <pc:sldChg chg="del">
-        <pc:chgData name="Žymantė: Iv" userId="5e243cd2a6c3a98d" providerId="LiveId" clId="{CDAFF666-79A2-40DE-8358-F9AF4E8D953D}" dt="2024-06-19T19:37:14.294" v="1228" actId="2696"/>
-        <pc:sldMkLst>
-          <pc:docMk/>
-          <pc:sldMk cId="2521537536" sldId="353"/>
-        </pc:sldMkLst>
-      </pc:sldChg>
-      <pc:sldChg chg="del">
-        <pc:chgData name="Žymantė: Iv" userId="5e243cd2a6c3a98d" providerId="LiveId" clId="{CDAFF666-79A2-40DE-8358-F9AF4E8D953D}" dt="2024-06-19T19:36:21.760" v="1223" actId="47"/>
-        <pc:sldMkLst>
-          <pc:docMk/>
-          <pc:sldMk cId="3701692538" sldId="368"/>
-        </pc:sldMkLst>
-      </pc:sldChg>
-      <pc:sldChg chg="add">
-        <pc:chgData name="Žymantė: Iv" userId="5e243cd2a6c3a98d" providerId="LiveId" clId="{CDAFF666-79A2-40DE-8358-F9AF4E8D953D}" dt="2024-06-19T19:36:41.132" v="1225"/>
-        <pc:sldMkLst>
-          <pc:docMk/>
-          <pc:sldMk cId="3791266093" sldId="378"/>
-        </pc:sldMkLst>
-      </pc:sldChg>
-      <pc:sldChg chg="add">
-        <pc:chgData name="Žymantė: Iv" userId="5e243cd2a6c3a98d" providerId="LiveId" clId="{CDAFF666-79A2-40DE-8358-F9AF4E8D953D}" dt="2024-06-19T19:36:47.621" v="1226"/>
-        <pc:sldMkLst>
-          <pc:docMk/>
-          <pc:sldMk cId="4201964446" sldId="379"/>
-        </pc:sldMkLst>
-      </pc:sldChg>
-      <pc:sldChg chg="add">
-        <pc:chgData name="Žymantė: Iv" userId="5e243cd2a6c3a98d" providerId="LiveId" clId="{CDAFF666-79A2-40DE-8358-F9AF4E8D953D}" dt="2024-06-19T19:36:53.965" v="1227"/>
-        <pc:sldMkLst>
-          <pc:docMk/>
-          <pc:sldMk cId="637094747" sldId="380"/>
-        </pc:sldMkLst>
-      </pc:sldChg>
-      <pc:sldChg chg="add">
-        <pc:chgData name="Žymantė: Iv" userId="5e243cd2a6c3a98d" providerId="LiveId" clId="{CDAFF666-79A2-40DE-8358-F9AF4E8D953D}" dt="2024-06-19T19:36:19.643" v="1222"/>
-        <pc:sldMkLst>
-          <pc:docMk/>
-          <pc:sldMk cId="4119532590" sldId="381"/>
-        </pc:sldMkLst>
-      </pc:sldChg>
-      <pc:sldChg chg="add">
-        <pc:chgData name="Žymantė: Iv" userId="5e243cd2a6c3a98d" providerId="LiveId" clId="{CDAFF666-79A2-40DE-8358-F9AF4E8D953D}" dt="2024-06-19T19:36:33.282" v="1224"/>
-        <pc:sldMkLst>
-          <pc:docMk/>
-          <pc:sldMk cId="2218118352" sldId="382"/>
-        </pc:sldMkLst>
-      </pc:sldChg>
-    </pc:docChg>
-  </pc:docChgLst>
-</pc:chgInfo>
 </file>
 
 <file path=ppt/handoutMasters/handoutMaster1.xml><?xml version="1.0" encoding="utf-8"?>
@@ -515,7 +438,7 @@
             <a:fld id="{E1CA15AE-E040-4F31-96C6-FD066D034FFB}" type="datetime1">
               <a:rPr lang="en-GB" smtClean="0"/>
               <a:pPr/>
-              <a:t>19/06/2024</a:t>
+              <a:t>20/06/2024</a:t>
             </a:fld>
             <a:endParaRPr lang="en-GB" dirty="0"/>
           </a:p>
@@ -1115,7 +1038,7 @@
     </p:spTree>
     <p:extLst>
       <p:ext uri="{BB962C8B-B14F-4D97-AF65-F5344CB8AC3E}">
-        <p14:creationId xmlns:p14="http://schemas.microsoft.com/office/powerpoint/2010/main" val="2900154350"/>
+        <p14:creationId xmlns:p14="http://schemas.microsoft.com/office/powerpoint/2010/main" val="170627095"/>
       </p:ext>
     </p:extLst>
   </p:cSld>
@@ -1200,7 +1123,7 @@
     </p:spTree>
     <p:extLst>
       <p:ext uri="{BB962C8B-B14F-4D97-AF65-F5344CB8AC3E}">
-        <p14:creationId xmlns:p14="http://schemas.microsoft.com/office/powerpoint/2010/main" val="4096229462"/>
+        <p14:creationId xmlns:p14="http://schemas.microsoft.com/office/powerpoint/2010/main" val="2900154350"/>
       </p:ext>
     </p:extLst>
   </p:cSld>
@@ -1276,7 +1199,7 @@
             <a:pPr rtl="0"/>
             <a:fld id="{A89C7E07-3C67-C64C-8DA0-0404F6303970}" type="slidenum">
               <a:rPr lang="en-GB" smtClean="0"/>
-              <a:t>17</a:t>
+              <a:t>15</a:t>
             </a:fld>
             <a:endParaRPr lang="en-GB"/>
           </a:p>
@@ -1285,7 +1208,7 @@
     </p:spTree>
     <p:extLst>
       <p:ext uri="{BB962C8B-B14F-4D97-AF65-F5344CB8AC3E}">
-        <p14:creationId xmlns:p14="http://schemas.microsoft.com/office/powerpoint/2010/main" val="2361705444"/>
+        <p14:creationId xmlns:p14="http://schemas.microsoft.com/office/powerpoint/2010/main" val="4096229462"/>
       </p:ext>
     </p:extLst>
   </p:cSld>
@@ -1361,7 +1284,7 @@
             <a:pPr rtl="0"/>
             <a:fld id="{A89C7E07-3C67-C64C-8DA0-0404F6303970}" type="slidenum">
               <a:rPr lang="en-GB" smtClean="0"/>
-              <a:t>18</a:t>
+              <a:t>20</a:t>
             </a:fld>
             <a:endParaRPr lang="en-GB"/>
           </a:p>
@@ -1370,7 +1293,7 @@
     </p:spTree>
     <p:extLst>
       <p:ext uri="{BB962C8B-B14F-4D97-AF65-F5344CB8AC3E}">
-        <p14:creationId xmlns:p14="http://schemas.microsoft.com/office/powerpoint/2010/main" val="164044588"/>
+        <p14:creationId xmlns:p14="http://schemas.microsoft.com/office/powerpoint/2010/main" val="2361705444"/>
       </p:ext>
     </p:extLst>
   </p:cSld>
@@ -1446,7 +1369,7 @@
             <a:pPr rtl="0"/>
             <a:fld id="{A89C7E07-3C67-C64C-8DA0-0404F6303970}" type="slidenum">
               <a:rPr lang="en-GB" smtClean="0"/>
-              <a:t>19</a:t>
+              <a:t>21</a:t>
             </a:fld>
             <a:endParaRPr lang="en-GB"/>
           </a:p>
@@ -1455,7 +1378,7 @@
     </p:spTree>
     <p:extLst>
       <p:ext uri="{BB962C8B-B14F-4D97-AF65-F5344CB8AC3E}">
-        <p14:creationId xmlns:p14="http://schemas.microsoft.com/office/powerpoint/2010/main" val="1646782597"/>
+        <p14:creationId xmlns:p14="http://schemas.microsoft.com/office/powerpoint/2010/main" val="164044588"/>
       </p:ext>
     </p:extLst>
   </p:cSld>
@@ -1531,7 +1454,7 @@
             <a:pPr rtl="0"/>
             <a:fld id="{A89C7E07-3C67-C64C-8DA0-0404F6303970}" type="slidenum">
               <a:rPr lang="en-GB" smtClean="0"/>
-              <a:t>20</a:t>
+              <a:t>22</a:t>
             </a:fld>
             <a:endParaRPr lang="en-GB"/>
           </a:p>
@@ -1540,7 +1463,7 @@
     </p:spTree>
     <p:extLst>
       <p:ext uri="{BB962C8B-B14F-4D97-AF65-F5344CB8AC3E}">
-        <p14:creationId xmlns:p14="http://schemas.microsoft.com/office/powerpoint/2010/main" val="1625725710"/>
+        <p14:creationId xmlns:p14="http://schemas.microsoft.com/office/powerpoint/2010/main" val="1646782597"/>
       </p:ext>
     </p:extLst>
   </p:cSld>
@@ -1616,7 +1539,7 @@
             <a:pPr rtl="0"/>
             <a:fld id="{A89C7E07-3C67-C64C-8DA0-0404F6303970}" type="slidenum">
               <a:rPr lang="en-GB" smtClean="0"/>
-              <a:t>21</a:t>
+              <a:t>23</a:t>
             </a:fld>
             <a:endParaRPr lang="en-GB"/>
           </a:p>
@@ -1625,7 +1548,7 @@
     </p:spTree>
     <p:extLst>
       <p:ext uri="{BB962C8B-B14F-4D97-AF65-F5344CB8AC3E}">
-        <p14:creationId xmlns:p14="http://schemas.microsoft.com/office/powerpoint/2010/main" val="3877418421"/>
+        <p14:creationId xmlns:p14="http://schemas.microsoft.com/office/powerpoint/2010/main" val="1625725710"/>
       </p:ext>
     </p:extLst>
   </p:cSld>
@@ -1701,7 +1624,7 @@
             <a:pPr rtl="0"/>
             <a:fld id="{A89C7E07-3C67-C64C-8DA0-0404F6303970}" type="slidenum">
               <a:rPr lang="en-GB" smtClean="0"/>
-              <a:t>23</a:t>
+              <a:t>24</a:t>
             </a:fld>
             <a:endParaRPr lang="en-GB"/>
           </a:p>
@@ -1710,7 +1633,7 @@
     </p:spTree>
     <p:extLst>
       <p:ext uri="{BB962C8B-B14F-4D97-AF65-F5344CB8AC3E}">
-        <p14:creationId xmlns:p14="http://schemas.microsoft.com/office/powerpoint/2010/main" val="2848441857"/>
+        <p14:creationId xmlns:p14="http://schemas.microsoft.com/office/powerpoint/2010/main" val="3877418421"/>
       </p:ext>
     </p:extLst>
   </p:cSld>
@@ -1846,10 +1769,9 @@
         </p:nvSpPr>
         <p:spPr/>
         <p:txBody>
-          <a:bodyPr rtlCol="0"/>
+          <a:bodyPr/>
           <a:lstStyle/>
           <a:p>
-            <a:pPr rtl="0"/>
             <a:endParaRPr lang="en-GB"/>
           </a:p>
         </p:txBody>
@@ -1866,13 +1788,99 @@
         </p:nvSpPr>
         <p:spPr/>
         <p:txBody>
-          <a:bodyPr rtlCol="0"/>
+          <a:bodyPr/>
           <a:lstStyle/>
           <a:p>
             <a:pPr rtl="0"/>
             <a:fld id="{A89C7E07-3C67-C64C-8DA0-0404F6303970}" type="slidenum">
               <a:rPr lang="en-GB" smtClean="0"/>
-              <a:t>24</a:t>
+              <a:t>25</a:t>
+            </a:fld>
+            <a:endParaRPr lang="en-GB"/>
+          </a:p>
+        </p:txBody>
+      </p:sp>
+    </p:spTree>
+    <p:extLst>
+      <p:ext uri="{BB962C8B-B14F-4D97-AF65-F5344CB8AC3E}">
+        <p14:creationId xmlns:p14="http://schemas.microsoft.com/office/powerpoint/2010/main" val="2848441857"/>
+      </p:ext>
+    </p:extLst>
+  </p:cSld>
+  <p:clrMapOvr>
+    <a:masterClrMapping/>
+  </p:clrMapOvr>
+</p:notes>
+</file>
+
+<file path=ppt/notesSlides/notesSlide21.xml><?xml version="1.0" encoding="utf-8"?>
+<p:notes xmlns:a="http://schemas.openxmlformats.org/drawingml/2006/main" xmlns:r="http://schemas.openxmlformats.org/officeDocument/2006/relationships" xmlns:p="http://schemas.openxmlformats.org/presentationml/2006/main">
+  <p:cSld>
+    <p:spTree>
+      <p:nvGrpSpPr>
+        <p:cNvPr id="1" name=""/>
+        <p:cNvGrpSpPr/>
+        <p:nvPr/>
+      </p:nvGrpSpPr>
+      <p:grpSpPr>
+        <a:xfrm>
+          <a:off x="0" y="0"/>
+          <a:ext cx="0" cy="0"/>
+          <a:chOff x="0" y="0"/>
+          <a:chExt cx="0" cy="0"/>
+        </a:xfrm>
+      </p:grpSpPr>
+      <p:sp>
+        <p:nvSpPr>
+          <p:cNvPr id="2" name="Slide Image Placeholder 1"/>
+          <p:cNvSpPr>
+            <a:spLocks noGrp="1" noRot="1" noChangeAspect="1"/>
+          </p:cNvSpPr>
+          <p:nvPr>
+            <p:ph type="sldImg"/>
+          </p:nvPr>
+        </p:nvSpPr>
+        <p:spPr/>
+      </p:sp>
+      <p:sp>
+        <p:nvSpPr>
+          <p:cNvPr id="3" name="Notes Placeholder 2"/>
+          <p:cNvSpPr>
+            <a:spLocks noGrp="1"/>
+          </p:cNvSpPr>
+          <p:nvPr>
+            <p:ph type="body" idx="1"/>
+          </p:nvPr>
+        </p:nvSpPr>
+        <p:spPr/>
+        <p:txBody>
+          <a:bodyPr rtlCol="0"/>
+          <a:lstStyle/>
+          <a:p>
+            <a:pPr rtl="0"/>
+            <a:endParaRPr lang="en-GB"/>
+          </a:p>
+        </p:txBody>
+      </p:sp>
+      <p:sp>
+        <p:nvSpPr>
+          <p:cNvPr id="4" name="Slide Number Placeholder 3"/>
+          <p:cNvSpPr>
+            <a:spLocks noGrp="1"/>
+          </p:cNvSpPr>
+          <p:nvPr>
+            <p:ph type="sldNum" sz="quarter" idx="5"/>
+          </p:nvPr>
+        </p:nvSpPr>
+        <p:spPr/>
+        <p:txBody>
+          <a:bodyPr rtlCol="0"/>
+          <a:lstStyle/>
+          <a:p>
+            <a:pPr rtl="0"/>
+            <a:fld id="{A89C7E07-3C67-C64C-8DA0-0404F6303970}" type="slidenum">
+              <a:rPr lang="en-GB" smtClean="0"/>
+              <a:t>26</a:t>
             </a:fld>
             <a:endParaRPr lang="en-GB"/>
           </a:p>
@@ -3807,7 +3815,7 @@
               <a:rPr lang="en-GB" noProof="0" smtClean="0">
                 <a:latin typeface="+mn-lt"/>
               </a:rPr>
-              <a:t>19 June, 2024</a:t>
+              <a:t>20 June, 2024</a:t>
             </a:fld>
             <a:endParaRPr lang="en-GB" noProof="0" dirty="0">
               <a:latin typeface="+mn-lt"/>
@@ -4943,7 +4951,7 @@
               <a:rPr lang="en-GB" noProof="0" smtClean="0">
                 <a:latin typeface="+mn-lt"/>
               </a:rPr>
-              <a:t>19 June, 2024</a:t>
+              <a:t>20 June, 2024</a:t>
             </a:fld>
             <a:endParaRPr lang="en-GB" noProof="0" dirty="0">
               <a:latin typeface="+mn-lt"/>
@@ -6078,7 +6086,7 @@
               <a:rPr lang="en-GB" noProof="0" smtClean="0">
                 <a:latin typeface="+mn-lt"/>
               </a:rPr>
-              <a:t>19 June, 2024</a:t>
+              <a:t>20 June, 2024</a:t>
             </a:fld>
             <a:endParaRPr lang="en-GB" noProof="0" dirty="0">
               <a:latin typeface="+mn-lt"/>
@@ -8390,7 +8398,7 @@
               <a:rPr lang="en-GB" noProof="0" smtClean="0">
                 <a:latin typeface="+mn-lt"/>
               </a:rPr>
-              <a:t>19 June, 2024</a:t>
+              <a:t>20 June, 2024</a:t>
             </a:fld>
             <a:endParaRPr lang="en-GB" noProof="0" dirty="0">
               <a:latin typeface="+mn-lt"/>
@@ -9032,7 +9040,7 @@
               <a:rPr lang="en-GB" noProof="0" smtClean="0">
                 <a:latin typeface="+mn-lt"/>
               </a:rPr>
-              <a:t>19 June, 2024</a:t>
+              <a:t>20 June, 2024</a:t>
             </a:fld>
             <a:endParaRPr lang="en-GB" noProof="0" dirty="0">
               <a:latin typeface="+mn-lt"/>
@@ -9811,7 +9819,7 @@
               <a:rPr lang="en-GB" noProof="0" smtClean="0">
                 <a:latin typeface="+mn-lt"/>
               </a:rPr>
-              <a:t>19 June, 2024</a:t>
+              <a:t>20 June, 2024</a:t>
             </a:fld>
             <a:endParaRPr lang="en-GB" noProof="0">
               <a:latin typeface="+mn-lt"/>
@@ -10081,7 +10089,7 @@
               <a:rPr lang="en-GB" noProof="0" smtClean="0">
                 <a:latin typeface="+mn-lt"/>
               </a:rPr>
-              <a:t>19 June, 2024</a:t>
+              <a:t>20 June, 2024</a:t>
             </a:fld>
             <a:endParaRPr lang="en-GB" noProof="0">
               <a:latin typeface="+mn-lt"/>
@@ -13031,7 +13039,7 @@
               <a:rPr lang="en-GB" noProof="0" smtClean="0">
                 <a:latin typeface="+mn-lt"/>
               </a:rPr>
-              <a:t>19 June, 2024</a:t>
+              <a:t>20 June, 2024</a:t>
             </a:fld>
             <a:endParaRPr lang="en-GB" noProof="0" dirty="0">
               <a:latin typeface="+mn-lt"/>
@@ -14209,7 +14217,7 @@
               <a:rPr lang="en-GB" noProof="0" smtClean="0">
                 <a:latin typeface="+mn-lt"/>
               </a:rPr>
-              <a:t>19 June, 2024</a:t>
+              <a:t>20 June, 2024</a:t>
             </a:fld>
             <a:endParaRPr lang="en-GB" noProof="0">
               <a:latin typeface="+mn-lt"/>
@@ -14529,7 +14537,7 @@
               <a:rPr lang="en-GB" noProof="0" smtClean="0">
                 <a:latin typeface="+mn-lt"/>
               </a:rPr>
-              <a:t>19 June, 2024</a:t>
+              <a:t>20 June, 2024</a:t>
             </a:fld>
             <a:endParaRPr lang="en-GB" noProof="0">
               <a:latin typeface="+mn-lt"/>
@@ -15391,7 +15399,7 @@
             <a:pPr rtl="0"/>
             <a:fld id="{84E8D500-77B0-4D94-A214-E28C82D4040E}" type="datetime3">
               <a:rPr lang="en-GB" smtClean="0"/>
-              <a:t>19 June, 2024</a:t>
+              <a:t>20 June, 2024</a:t>
             </a:fld>
             <a:endParaRPr lang="en-GB"/>
           </a:p>
@@ -15903,7 +15911,12 @@
             <p:ph type="dt" sz="half" idx="11"/>
           </p:nvPr>
         </p:nvSpPr>
-        <p:spPr/>
+        <p:spPr>
+          <a:xfrm>
+            <a:off x="2063552" y="6456045"/>
+            <a:ext cx="1313180" cy="247651"/>
+          </a:xfrm>
+        </p:spPr>
         <p:txBody>
           <a:bodyPr rtlCol="0"/>
           <a:lstStyle/>
@@ -15911,9 +15924,9 @@
             <a:pPr rtl="0"/>
             <a:fld id="{84E8D500-77B0-4D94-A214-E28C82D4040E}" type="datetime3">
               <a:rPr lang="en-GB" smtClean="0"/>
-              <a:t>19 June, 2024</a:t>
+              <a:t>20 June, 2024</a:t>
             </a:fld>
-            <a:endParaRPr lang="en-GB"/>
+            <a:endParaRPr lang="en-GB" dirty="0"/>
           </a:p>
         </p:txBody>
       </p:sp>
@@ -15933,7 +15946,12 @@
             <p:ph type="ftr" sz="quarter" idx="12"/>
           </p:nvPr>
         </p:nvSpPr>
-        <p:spPr/>
+        <p:spPr>
+          <a:xfrm>
+            <a:off x="625540" y="6456045"/>
+            <a:ext cx="1497330" cy="247651"/>
+          </a:xfrm>
+        </p:spPr>
         <p:txBody>
           <a:bodyPr rtlCol="0"/>
           <a:lstStyle/>
@@ -15962,7 +15980,12 @@
             <p:ph type="sldNum" sz="quarter" idx="13"/>
           </p:nvPr>
         </p:nvSpPr>
-        <p:spPr/>
+        <p:spPr>
+          <a:xfrm>
+            <a:off x="335360" y="6456045"/>
+            <a:ext cx="523240" cy="247651"/>
+          </a:xfrm>
+        </p:spPr>
         <p:txBody>
           <a:bodyPr rtlCol="0"/>
           <a:lstStyle/>
@@ -15973,7 +15996,7 @@
               <a:pPr rtl="0"/>
               <a:t>11</a:t>
             </a:fld>
-            <a:endParaRPr lang="en-GB"/>
+            <a:endParaRPr lang="en-GB" dirty="0"/>
           </a:p>
         </p:txBody>
       </p:sp>
@@ -15991,7 +16014,7 @@
         </p:nvSpPr>
         <p:spPr>
           <a:xfrm>
-            <a:off x="335360" y="116632"/>
+            <a:off x="119336" y="83477"/>
             <a:ext cx="6097554" cy="584775"/>
           </a:xfrm>
           <a:prstGeom prst="rect">
@@ -16037,11 +16060,16 @@
           </p:cNvGraphicFramePr>
           <p:nvPr>
             <p:ph type="tbl" sz="quarter" idx="10"/>
+            <p:extLst>
+              <p:ext uri="{D42A27DB-BD31-4B8C-83A1-F6EECF244321}">
+                <p14:modId xmlns:p14="http://schemas.microsoft.com/office/powerpoint/2010/main" val="4190584392"/>
+              </p:ext>
+            </p:extLst>
           </p:nvPr>
         </p:nvGraphicFramePr>
         <p:xfrm>
-          <a:off x="119336" y="668252"/>
-          <a:ext cx="11953327" cy="5976551"/>
+          <a:off x="110401" y="718405"/>
+          <a:ext cx="11953327" cy="5663968"/>
         </p:xfrm>
         <a:graphic>
           <a:graphicData uri="http://schemas.openxmlformats.org/drawingml/2006/table">
@@ -16086,6 +16114,1157 @@
                   </a:extLst>
                 </a:gridCol>
                 <a:gridCol w="2166539">
+                  <a:extLst>
+                    <a:ext uri="{9D8B030D-6E8A-4147-A177-3AD203B41FA5}">
+                      <a16:colId xmlns:a16="http://schemas.microsoft.com/office/drawing/2014/main" val="2107784647"/>
+                    </a:ext>
+                  </a:extLst>
+                </a:gridCol>
+              </a:tblGrid>
+              <a:tr h="459547">
+                <a:tc gridSpan="6">
+                  <a:txBody>
+                    <a:bodyPr/>
+                    <a:lstStyle/>
+                    <a:p>
+                      <a:pPr algn="ctr"/>
+                      <a:r>
+                        <a:rPr lang="en-US" dirty="0"/>
+                        <a:t>DEVELOPMENT STAGES </a:t>
+                      </a:r>
+                      <a:endParaRPr lang="en-GB" dirty="0"/>
+                    </a:p>
+                  </a:txBody>
+                  <a:tcPr>
+                    <a:solidFill>
+                      <a:schemeClr val="accent1">
+                        <a:lumMod val="75000"/>
+                      </a:schemeClr>
+                    </a:solidFill>
+                  </a:tcPr>
+                </a:tc>
+                <a:tc hMerge="1">
+                  <a:txBody>
+                    <a:bodyPr/>
+                    <a:lstStyle/>
+                    <a:p>
+                      <a:r>
+                        <a:rPr lang="en-US" dirty="0"/>
+                        <a:t>DEVELOPMENT STAGES </a:t>
+                      </a:r>
+                      <a:endParaRPr lang="en-GB" dirty="0"/>
+                    </a:p>
+                  </a:txBody>
+                  <a:tcPr/>
+                </a:tc>
+                <a:tc hMerge="1">
+                  <a:txBody>
+                    <a:bodyPr/>
+                    <a:lstStyle/>
+                    <a:p>
+                      <a:endParaRPr lang="en-GB" dirty="0"/>
+                    </a:p>
+                  </a:txBody>
+                  <a:tcPr/>
+                </a:tc>
+                <a:tc hMerge="1">
+                  <a:txBody>
+                    <a:bodyPr/>
+                    <a:lstStyle/>
+                    <a:p>
+                      <a:endParaRPr lang="en-GB" dirty="0"/>
+                    </a:p>
+                  </a:txBody>
+                  <a:tcPr/>
+                </a:tc>
+                <a:tc hMerge="1">
+                  <a:txBody>
+                    <a:bodyPr/>
+                    <a:lstStyle/>
+                    <a:p>
+                      <a:endParaRPr lang="en-GB" dirty="0"/>
+                    </a:p>
+                  </a:txBody>
+                  <a:tcPr/>
+                </a:tc>
+                <a:tc hMerge="1">
+                  <a:txBody>
+                    <a:bodyPr/>
+                    <a:lstStyle/>
+                    <a:p>
+                      <a:pPr algn="ctr"/>
+                      <a:endParaRPr lang="en-GB" dirty="0"/>
+                    </a:p>
+                  </a:txBody>
+                  <a:tcPr/>
+                </a:tc>
+                <a:extLst>
+                  <a:ext uri="{0D108BD9-81ED-4DB2-BD59-A6C34878D82A}">
+                    <a16:rowId xmlns:a16="http://schemas.microsoft.com/office/drawing/2014/main" val="41347145"/>
+                  </a:ext>
+                </a:extLst>
+              </a:tr>
+              <a:tr h="615980">
+                <a:tc>
+                  <a:txBody>
+                    <a:bodyPr/>
+                    <a:lstStyle/>
+                    <a:p>
+                      <a:r>
+                        <a:rPr lang="en-US" sz="1600" dirty="0">
+                          <a:solidFill>
+                            <a:schemeClr val="tx1"/>
+                          </a:solidFill>
+                        </a:rPr>
+                        <a:t>ROLE </a:t>
+                      </a:r>
+                      <a:endParaRPr lang="en-GB" sz="1600" dirty="0">
+                        <a:solidFill>
+                          <a:schemeClr val="tx1"/>
+                        </a:solidFill>
+                      </a:endParaRPr>
+                    </a:p>
+                  </a:txBody>
+                  <a:tcPr>
+                    <a:solidFill>
+                      <a:schemeClr val="accent3">
+                        <a:lumMod val="60000"/>
+                        <a:lumOff val="40000"/>
+                      </a:schemeClr>
+                    </a:solidFill>
+                  </a:tcPr>
+                </a:tc>
+                <a:tc>
+                  <a:txBody>
+                    <a:bodyPr/>
+                    <a:lstStyle/>
+                    <a:p>
+                      <a:r>
+                        <a:rPr lang="en-US" sz="1600" dirty="0">
+                          <a:solidFill>
+                            <a:schemeClr val="tx1"/>
+                          </a:solidFill>
+                        </a:rPr>
+                        <a:t>PLANNING </a:t>
+                      </a:r>
+                      <a:endParaRPr lang="en-GB" sz="1600" dirty="0">
+                        <a:solidFill>
+                          <a:schemeClr val="tx1"/>
+                        </a:solidFill>
+                      </a:endParaRPr>
+                    </a:p>
+                  </a:txBody>
+                  <a:tcPr>
+                    <a:solidFill>
+                      <a:schemeClr val="accent3">
+                        <a:lumMod val="60000"/>
+                        <a:lumOff val="40000"/>
+                      </a:schemeClr>
+                    </a:solidFill>
+                  </a:tcPr>
+                </a:tc>
+                <a:tc>
+                  <a:txBody>
+                    <a:bodyPr/>
+                    <a:lstStyle/>
+                    <a:p>
+                      <a:r>
+                        <a:rPr lang="en-US" sz="1600" dirty="0">
+                          <a:solidFill>
+                            <a:schemeClr val="tx1"/>
+                          </a:solidFill>
+                        </a:rPr>
+                        <a:t>DESIGN AND DEVELOPMENT </a:t>
+                      </a:r>
+                      <a:endParaRPr lang="en-GB" sz="1600" dirty="0">
+                        <a:solidFill>
+                          <a:schemeClr val="tx1"/>
+                        </a:solidFill>
+                      </a:endParaRPr>
+                    </a:p>
+                  </a:txBody>
+                  <a:tcPr>
+                    <a:solidFill>
+                      <a:schemeClr val="accent3">
+                        <a:lumMod val="60000"/>
+                        <a:lumOff val="40000"/>
+                      </a:schemeClr>
+                    </a:solidFill>
+                  </a:tcPr>
+                </a:tc>
+                <a:tc>
+                  <a:txBody>
+                    <a:bodyPr/>
+                    <a:lstStyle/>
+                    <a:p>
+                      <a:r>
+                        <a:rPr lang="en-US" sz="1600" dirty="0">
+                          <a:solidFill>
+                            <a:schemeClr val="tx1"/>
+                          </a:solidFill>
+                        </a:rPr>
+                        <a:t>TESTING AND IMPLEMENTATION</a:t>
+                      </a:r>
+                      <a:endParaRPr lang="en-GB" sz="1600" dirty="0">
+                        <a:solidFill>
+                          <a:schemeClr val="tx1"/>
+                        </a:solidFill>
+                      </a:endParaRPr>
+                    </a:p>
+                  </a:txBody>
+                  <a:tcPr>
+                    <a:solidFill>
+                      <a:schemeClr val="accent3">
+                        <a:lumMod val="60000"/>
+                        <a:lumOff val="40000"/>
+                      </a:schemeClr>
+                    </a:solidFill>
+                  </a:tcPr>
+                </a:tc>
+                <a:tc>
+                  <a:txBody>
+                    <a:bodyPr/>
+                    <a:lstStyle/>
+                    <a:p>
+                      <a:r>
+                        <a:rPr lang="en-US" sz="1600" dirty="0">
+                          <a:solidFill>
+                            <a:schemeClr val="tx1"/>
+                          </a:solidFill>
+                        </a:rPr>
+                        <a:t>DEPLOYMENT</a:t>
+                      </a:r>
+                      <a:endParaRPr lang="en-GB" sz="1600" dirty="0">
+                        <a:solidFill>
+                          <a:schemeClr val="tx1"/>
+                        </a:solidFill>
+                      </a:endParaRPr>
+                    </a:p>
+                  </a:txBody>
+                  <a:tcPr>
+                    <a:solidFill>
+                      <a:schemeClr val="accent3">
+                        <a:lumMod val="60000"/>
+                        <a:lumOff val="40000"/>
+                      </a:schemeClr>
+                    </a:solidFill>
+                  </a:tcPr>
+                </a:tc>
+                <a:tc>
+                  <a:txBody>
+                    <a:bodyPr/>
+                    <a:lstStyle/>
+                    <a:p>
+                      <a:r>
+                        <a:rPr lang="en-US" sz="1600" dirty="0">
+                          <a:solidFill>
+                            <a:schemeClr val="tx1"/>
+                          </a:solidFill>
+                        </a:rPr>
+                        <a:t>MONITORING AND UPDATE RELEASES </a:t>
+                      </a:r>
+                      <a:endParaRPr lang="en-GB" sz="1600" dirty="0">
+                        <a:solidFill>
+                          <a:schemeClr val="tx1"/>
+                        </a:solidFill>
+                      </a:endParaRPr>
+                    </a:p>
+                  </a:txBody>
+                  <a:tcPr>
+                    <a:solidFill>
+                      <a:schemeClr val="accent3">
+                        <a:lumMod val="60000"/>
+                        <a:lumOff val="40000"/>
+                      </a:schemeClr>
+                    </a:solidFill>
+                  </a:tcPr>
+                </a:tc>
+                <a:extLst>
+                  <a:ext uri="{0D108BD9-81ED-4DB2-BD59-A6C34878D82A}">
+                    <a16:rowId xmlns:a16="http://schemas.microsoft.com/office/drawing/2014/main" val="2894269740"/>
+                  </a:ext>
+                </a:extLst>
+              </a:tr>
+              <a:tr h="1702049">
+                <a:tc>
+                  <a:txBody>
+                    <a:bodyPr/>
+                    <a:lstStyle/>
+                    <a:p>
+                      <a:r>
+                        <a:rPr lang="en-US" dirty="0"/>
+                        <a:t>PROJECT MANAGER</a:t>
+                      </a:r>
+                      <a:endParaRPr lang="en-GB" dirty="0"/>
+                    </a:p>
+                  </a:txBody>
+                  <a:tcPr/>
+                </a:tc>
+                <a:tc>
+                  <a:txBody>
+                    <a:bodyPr/>
+                    <a:lstStyle/>
+                    <a:p>
+                      <a:r>
+                        <a:rPr lang="en-US" sz="1100" dirty="0"/>
+                        <a:t>Provide detailed instructions for the planning, organizing, controlling, managing and reporting the project resources</a:t>
+                      </a:r>
+                      <a:endParaRPr lang="en-GB" sz="1100" dirty="0"/>
+                    </a:p>
+                  </a:txBody>
+                  <a:tcPr/>
+                </a:tc>
+                <a:tc>
+                  <a:txBody>
+                    <a:bodyPr/>
+                    <a:lstStyle/>
+                    <a:p>
+                      <a:r>
+                        <a:rPr lang="en-GB" sz="1100" dirty="0"/>
+                        <a:t>Plan sprints, versions, and releases according to the Photo </a:t>
+                      </a:r>
+                      <a:r>
+                        <a:rPr lang="en-GB" sz="1100" dirty="0" err="1"/>
+                        <a:t>DeDuplicator</a:t>
+                      </a:r>
+                      <a:r>
+                        <a:rPr lang="en-GB" sz="1100" dirty="0"/>
+                        <a:t> project roadmap. </a:t>
+                      </a:r>
+                      <a:br>
+                        <a:rPr lang="en-GB" sz="1100" dirty="0"/>
+                      </a:br>
+                      <a:br>
+                        <a:rPr lang="en-GB" sz="1100" dirty="0"/>
+                      </a:br>
+                      <a:r>
+                        <a:rPr lang="en-GB" sz="1100" dirty="0"/>
+                        <a:t>Manage development iterations, organise the development events</a:t>
+                      </a:r>
+                    </a:p>
+                    <a:p>
+                      <a:endParaRPr lang="en-GB" dirty="0"/>
+                    </a:p>
+                  </a:txBody>
+                  <a:tcPr/>
+                </a:tc>
+                <a:tc>
+                  <a:txBody>
+                    <a:bodyPr/>
+                    <a:lstStyle/>
+                    <a:p>
+                      <a:pPr marL="0" marR="0" lvl="0" indent="0" algn="l" defTabSz="914400" rtl="0" eaLnBrk="1" fontAlgn="auto" latinLnBrk="0" hangingPunct="1">
+                        <a:lnSpc>
+                          <a:spcPct val="100000"/>
+                        </a:lnSpc>
+                        <a:spcBef>
+                          <a:spcPts val="0"/>
+                        </a:spcBef>
+                        <a:spcAft>
+                          <a:spcPts val="0"/>
+                        </a:spcAft>
+                        <a:buClrTx/>
+                        <a:buSzTx/>
+                        <a:buFontTx/>
+                        <a:buNone/>
+                        <a:tabLst/>
+                        <a:defRPr/>
+                      </a:pPr>
+                      <a:r>
+                        <a:rPr lang="en-GB" sz="1100" dirty="0">
+                          <a:effectLst/>
+                          <a:latin typeface="Franklin Gothic Book" panose="020B0503020102020204" pitchFamily="34" charset="0"/>
+                          <a:ea typeface="Calibri" panose="020F0502020204030204" pitchFamily="34" charset="0"/>
+                          <a:cs typeface="Calibri" panose="020F0502020204030204" pitchFamily="34" charset="0"/>
+                        </a:rPr>
+                        <a:t>Work with the development team, plan sprint increments</a:t>
+                      </a:r>
+                    </a:p>
+                    <a:p>
+                      <a:endParaRPr lang="en-GB" sz="1100" dirty="0">
+                        <a:latin typeface="Franklin Gothic Book" panose="020B0503020102020204" pitchFamily="34" charset="0"/>
+                      </a:endParaRPr>
+                    </a:p>
+                  </a:txBody>
+                  <a:tcPr/>
+                </a:tc>
+                <a:tc>
+                  <a:txBody>
+                    <a:bodyPr/>
+                    <a:lstStyle/>
+                    <a:p>
+                      <a:pPr marL="0" marR="0" lvl="0" indent="0" algn="l" defTabSz="914400" rtl="0" eaLnBrk="1" fontAlgn="auto" latinLnBrk="0" hangingPunct="1">
+                        <a:lnSpc>
+                          <a:spcPct val="100000"/>
+                        </a:lnSpc>
+                        <a:spcBef>
+                          <a:spcPts val="0"/>
+                        </a:spcBef>
+                        <a:spcAft>
+                          <a:spcPts val="0"/>
+                        </a:spcAft>
+                        <a:buClrTx/>
+                        <a:buSzTx/>
+                        <a:buFontTx/>
+                        <a:buNone/>
+                        <a:tabLst/>
+                        <a:defRPr/>
+                      </a:pPr>
+                      <a:r>
+                        <a:rPr lang="en-GB" sz="1100" dirty="0">
+                          <a:effectLst/>
+                          <a:latin typeface="Franklin Gothic Book" panose="020B0503020102020204" pitchFamily="34" charset="0"/>
+                          <a:ea typeface="Calibri" panose="020F0502020204030204" pitchFamily="34" charset="0"/>
+                          <a:cs typeface="Calibri" panose="020F0502020204030204" pitchFamily="34" charset="0"/>
+                        </a:rPr>
+                        <a:t>Coach the whole team, report on time/efforts and delivered features, remove obstructions for the team.</a:t>
+                      </a:r>
+                    </a:p>
+                    <a:p>
+                      <a:endParaRPr lang="en-GB" sz="1100" dirty="0">
+                        <a:latin typeface="Franklin Gothic Book" panose="020B0503020102020204" pitchFamily="34" charset="0"/>
+                      </a:endParaRPr>
+                    </a:p>
+                  </a:txBody>
+                  <a:tcPr/>
+                </a:tc>
+                <a:tc>
+                  <a:txBody>
+                    <a:bodyPr/>
+                    <a:lstStyle/>
+                    <a:p>
+                      <a:pPr marL="0" marR="0" lvl="0" indent="0" algn="l" defTabSz="914400" rtl="0" eaLnBrk="1" fontAlgn="auto" latinLnBrk="0" hangingPunct="1">
+                        <a:lnSpc>
+                          <a:spcPct val="100000"/>
+                        </a:lnSpc>
+                        <a:spcBef>
+                          <a:spcPts val="0"/>
+                        </a:spcBef>
+                        <a:spcAft>
+                          <a:spcPts val="0"/>
+                        </a:spcAft>
+                        <a:buClrTx/>
+                        <a:buSzTx/>
+                        <a:buFontTx/>
+                        <a:buNone/>
+                        <a:tabLst/>
+                        <a:defRPr/>
+                      </a:pPr>
+                      <a:r>
+                        <a:rPr lang="en-GB" sz="1100" dirty="0">
+                          <a:effectLst/>
+                          <a:latin typeface="Franklin Gothic Book" panose="020B0503020102020204" pitchFamily="34" charset="0"/>
+                          <a:ea typeface="Calibri" panose="020F0502020204030204" pitchFamily="34" charset="0"/>
+                          <a:cs typeface="Calibri" panose="020F0502020204030204" pitchFamily="34" charset="0"/>
+                        </a:rPr>
+                        <a:t>Ensure efficient communication between the Product Owner and the other members of the team.</a:t>
+                      </a:r>
+                      <a:br>
+                        <a:rPr lang="en-GB" sz="1100" dirty="0">
+                          <a:effectLst/>
+                          <a:latin typeface="Franklin Gothic Book" panose="020B0503020102020204" pitchFamily="34" charset="0"/>
+                          <a:ea typeface="Calibri" panose="020F0502020204030204" pitchFamily="34" charset="0"/>
+                          <a:cs typeface="Calibri" panose="020F0502020204030204" pitchFamily="34" charset="0"/>
+                        </a:rPr>
+                      </a:br>
+                      <a:br>
+                        <a:rPr lang="en-GB" sz="1100" dirty="0">
+                          <a:effectLst/>
+                          <a:latin typeface="Franklin Gothic Book" panose="020B0503020102020204" pitchFamily="34" charset="0"/>
+                          <a:ea typeface="Calibri" panose="020F0502020204030204" pitchFamily="34" charset="0"/>
+                          <a:cs typeface="Calibri" panose="020F0502020204030204" pitchFamily="34" charset="0"/>
+                        </a:rPr>
+                      </a:br>
+                      <a:r>
+                        <a:rPr lang="en-GB" sz="1100" dirty="0">
+                          <a:effectLst/>
+                          <a:latin typeface="Franklin Gothic Book" panose="020B0503020102020204" pitchFamily="34" charset="0"/>
+                          <a:ea typeface="Calibri" panose="020F0502020204030204" pitchFamily="34" charset="0"/>
+                          <a:cs typeface="Calibri" panose="020F0502020204030204" pitchFamily="34" charset="0"/>
+                        </a:rPr>
+                        <a:t>Tasks would end when project goals and objectives are successfully completed, product is delivered</a:t>
+                      </a:r>
+                    </a:p>
+                    <a:p>
+                      <a:endParaRPr lang="en-GB" sz="1100" dirty="0">
+                        <a:latin typeface="Franklin Gothic Book" panose="020B0503020102020204" pitchFamily="34" charset="0"/>
+                      </a:endParaRPr>
+                    </a:p>
+                  </a:txBody>
+                  <a:tcPr/>
+                </a:tc>
+                <a:extLst>
+                  <a:ext uri="{0D108BD9-81ED-4DB2-BD59-A6C34878D82A}">
+                    <a16:rowId xmlns:a16="http://schemas.microsoft.com/office/drawing/2014/main" val="1314090139"/>
+                  </a:ext>
+                </a:extLst>
+              </a:tr>
+              <a:tr h="1719273">
+                <a:tc>
+                  <a:txBody>
+                    <a:bodyPr/>
+                    <a:lstStyle/>
+                    <a:p>
+                      <a:r>
+                        <a:rPr lang="en-US" dirty="0"/>
+                        <a:t>BUSINESS ANALYST </a:t>
+                      </a:r>
+                      <a:endParaRPr lang="en-GB" dirty="0"/>
+                    </a:p>
+                  </a:txBody>
+                  <a:tcPr/>
+                </a:tc>
+                <a:tc>
+                  <a:txBody>
+                    <a:bodyPr/>
+                    <a:lstStyle/>
+                    <a:p>
+                      <a:r>
+                        <a:rPr lang="en-US" sz="1100" dirty="0" err="1"/>
+                        <a:t>Analyse</a:t>
+                      </a:r>
+                      <a:r>
+                        <a:rPr lang="en-US" sz="1100" dirty="0"/>
+                        <a:t>, communicate and document the requirements, business needs and goals for the Photo </a:t>
+                      </a:r>
+                      <a:r>
+                        <a:rPr lang="en-US" sz="1100" dirty="0" err="1"/>
+                        <a:t>DeDuplicator</a:t>
+                      </a:r>
+                      <a:r>
+                        <a:rPr lang="en-US" sz="1100" dirty="0"/>
+                        <a:t> with stakeholders, developers and other participants</a:t>
+                      </a:r>
+                      <a:endParaRPr lang="en-GB" sz="1100" dirty="0"/>
+                    </a:p>
+                  </a:txBody>
+                  <a:tcPr/>
+                </a:tc>
+                <a:tc>
+                  <a:txBody>
+                    <a:bodyPr/>
+                    <a:lstStyle/>
+                    <a:p>
+                      <a:pPr>
+                        <a:lnSpc>
+                          <a:spcPct val="107000"/>
+                        </a:lnSpc>
+                        <a:spcAft>
+                          <a:spcPts val="800"/>
+                        </a:spcAft>
+                      </a:pPr>
+                      <a:r>
+                        <a:rPr lang="en-GB" sz="1100" dirty="0">
+                          <a:effectLst/>
+                          <a:latin typeface="+mn-lt"/>
+                          <a:ea typeface="Calibri" panose="020F0502020204030204" pitchFamily="34" charset="0"/>
+                          <a:cs typeface="Calibri" panose="020F0502020204030204" pitchFamily="34" charset="0"/>
+                        </a:rPr>
+                        <a:t>Analyse and validate the detailed requirements of the project, creating and maintaining design artefacts (such as prototypes) and specifications. </a:t>
+                      </a:r>
+                      <a:br>
+                        <a:rPr lang="en-GB" sz="1100" dirty="0">
+                          <a:effectLst/>
+                          <a:latin typeface="+mn-lt"/>
+                          <a:ea typeface="Calibri" panose="020F0502020204030204" pitchFamily="34" charset="0"/>
+                          <a:cs typeface="Calibri" panose="020F0502020204030204" pitchFamily="34" charset="0"/>
+                        </a:rPr>
+                      </a:br>
+                      <a:br>
+                        <a:rPr lang="en-GB" sz="1100" dirty="0">
+                          <a:effectLst/>
+                          <a:latin typeface="+mn-lt"/>
+                          <a:ea typeface="Calibri" panose="020F0502020204030204" pitchFamily="34" charset="0"/>
+                          <a:cs typeface="Calibri" panose="020F0502020204030204" pitchFamily="34" charset="0"/>
+                        </a:rPr>
+                      </a:br>
+                      <a:r>
+                        <a:rPr lang="en-GB" sz="1100" dirty="0">
+                          <a:effectLst/>
+                          <a:latin typeface="+mn-lt"/>
+                          <a:ea typeface="Calibri" panose="020F0502020204030204" pitchFamily="34" charset="0"/>
+                          <a:cs typeface="Calibri" panose="020F0502020204030204" pitchFamily="34" charset="0"/>
+                        </a:rPr>
+                        <a:t>Oversee the changes and issued that arise during design.</a:t>
+                      </a:r>
+                    </a:p>
+                    <a:p>
+                      <a:endParaRPr lang="en-GB" sz="1100" dirty="0"/>
+                    </a:p>
+                  </a:txBody>
+                  <a:tcPr/>
+                </a:tc>
+                <a:tc>
+                  <a:txBody>
+                    <a:bodyPr/>
+                    <a:lstStyle/>
+                    <a:p>
+                      <a:pPr>
+                        <a:lnSpc>
+                          <a:spcPct val="107000"/>
+                        </a:lnSpc>
+                        <a:spcAft>
+                          <a:spcPts val="800"/>
+                        </a:spcAft>
+                      </a:pPr>
+                      <a:r>
+                        <a:rPr lang="en-GB" sz="1100" dirty="0">
+                          <a:effectLst/>
+                          <a:latin typeface="+mn-lt"/>
+                          <a:ea typeface="Calibri" panose="020F0502020204030204" pitchFamily="34" charset="0"/>
+                          <a:cs typeface="Calibri" panose="020F0502020204030204" pitchFamily="34" charset="0"/>
+                        </a:rPr>
+                        <a:t>Ensure that the final product meets the business requirements. </a:t>
+                      </a:r>
+                    </a:p>
+                    <a:p>
+                      <a:pPr>
+                        <a:lnSpc>
+                          <a:spcPct val="107000"/>
+                        </a:lnSpc>
+                        <a:spcAft>
+                          <a:spcPts val="800"/>
+                        </a:spcAft>
+                      </a:pPr>
+                      <a:r>
+                        <a:rPr lang="en-GB" sz="1100" dirty="0">
+                          <a:effectLst/>
+                          <a:latin typeface="+mn-lt"/>
+                          <a:ea typeface="Calibri" panose="020F0502020204030204" pitchFamily="34" charset="0"/>
+                          <a:cs typeface="Calibri" panose="020F0502020204030204" pitchFamily="34" charset="0"/>
+                        </a:rPr>
+                        <a:t>Help the technical team to resolve requirement related roadblocks </a:t>
+                      </a:r>
+                    </a:p>
+                    <a:p>
+                      <a:endParaRPr lang="en-GB" dirty="0"/>
+                    </a:p>
+                  </a:txBody>
+                  <a:tcPr/>
+                </a:tc>
+                <a:tc>
+                  <a:txBody>
+                    <a:bodyPr/>
+                    <a:lstStyle/>
+                    <a:p>
+                      <a:pPr marL="0" marR="0" lvl="0" indent="0" algn="l" defTabSz="914400" rtl="0" eaLnBrk="1" fontAlgn="auto" latinLnBrk="0" hangingPunct="1">
+                        <a:lnSpc>
+                          <a:spcPct val="100000"/>
+                        </a:lnSpc>
+                        <a:spcBef>
+                          <a:spcPts val="0"/>
+                        </a:spcBef>
+                        <a:spcAft>
+                          <a:spcPts val="0"/>
+                        </a:spcAft>
+                        <a:buClrTx/>
+                        <a:buSzTx/>
+                        <a:buFontTx/>
+                        <a:buNone/>
+                        <a:tabLst/>
+                        <a:defRPr/>
+                      </a:pPr>
+                      <a:r>
+                        <a:rPr lang="en-GB" sz="1100" dirty="0">
+                          <a:effectLst/>
+                          <a:latin typeface="+mn-lt"/>
+                          <a:ea typeface="Calibri" panose="020F0502020204030204" pitchFamily="34" charset="0"/>
+                          <a:cs typeface="Calibri" panose="020F0502020204030204" pitchFamily="34" charset="0"/>
+                        </a:rPr>
+                        <a:t>Serve as the first point of contact for users when they face issues and provide feedback.</a:t>
+                      </a:r>
+                    </a:p>
+                    <a:p>
+                      <a:endParaRPr lang="en-GB" dirty="0"/>
+                    </a:p>
+                  </a:txBody>
+                  <a:tcPr/>
+                </a:tc>
+                <a:tc>
+                  <a:txBody>
+                    <a:bodyPr/>
+                    <a:lstStyle/>
+                    <a:p>
+                      <a:pPr marL="0" marR="0" lvl="0" indent="0" algn="l" defTabSz="914400" rtl="0" eaLnBrk="1" fontAlgn="auto" latinLnBrk="0" hangingPunct="1">
+                        <a:lnSpc>
+                          <a:spcPct val="100000"/>
+                        </a:lnSpc>
+                        <a:spcBef>
+                          <a:spcPts val="0"/>
+                        </a:spcBef>
+                        <a:spcAft>
+                          <a:spcPts val="0"/>
+                        </a:spcAft>
+                        <a:buClrTx/>
+                        <a:buSzTx/>
+                        <a:buFontTx/>
+                        <a:buNone/>
+                        <a:tabLst/>
+                        <a:defRPr/>
+                      </a:pPr>
+                      <a:r>
+                        <a:rPr lang="en-GB" sz="1100" dirty="0">
+                          <a:effectLst/>
+                          <a:latin typeface="+mn-lt"/>
+                          <a:ea typeface="Calibri" panose="020F0502020204030204" pitchFamily="34" charset="0"/>
+                          <a:cs typeface="Calibri" panose="020F0502020204030204" pitchFamily="34" charset="0"/>
+                        </a:rPr>
+                        <a:t>Coordinate the development team, organise future updates in the software or implements the required fixes.</a:t>
+                      </a:r>
+                    </a:p>
+                    <a:p>
+                      <a:endParaRPr lang="en-GB" dirty="0"/>
+                    </a:p>
+                  </a:txBody>
+                  <a:tcPr/>
+                </a:tc>
+                <a:extLst>
+                  <a:ext uri="{0D108BD9-81ED-4DB2-BD59-A6C34878D82A}">
+                    <a16:rowId xmlns:a16="http://schemas.microsoft.com/office/drawing/2014/main" val="3263281080"/>
+                  </a:ext>
+                </a:extLst>
+              </a:tr>
+              <a:tr h="1167119">
+                <a:tc>
+                  <a:txBody>
+                    <a:bodyPr/>
+                    <a:lstStyle/>
+                    <a:p>
+                      <a:r>
+                        <a:rPr lang="en-US" dirty="0"/>
+                        <a:t>SOLUTIONS ARCHITECT </a:t>
+                      </a:r>
+                      <a:endParaRPr lang="en-GB" dirty="0"/>
+                    </a:p>
+                  </a:txBody>
+                  <a:tcPr/>
+                </a:tc>
+                <a:tc>
+                  <a:txBody>
+                    <a:bodyPr/>
+                    <a:lstStyle/>
+                    <a:p>
+                      <a:r>
+                        <a:rPr lang="en-US" sz="1100" dirty="0"/>
+                        <a:t>Try to understand constraints of the project.</a:t>
+                      </a:r>
+                      <a:br>
+                        <a:rPr lang="en-US" sz="1100" dirty="0"/>
+                      </a:br>
+                      <a:br>
+                        <a:rPr lang="en-US" sz="1100" dirty="0"/>
+                      </a:br>
+                      <a:r>
+                        <a:rPr lang="en-US" sz="1100" dirty="0"/>
+                        <a:t>Considers technical and business factors which align with the project goal</a:t>
+                      </a:r>
+                      <a:endParaRPr lang="en-GB" sz="1100" dirty="0"/>
+                    </a:p>
+                  </a:txBody>
+                  <a:tcPr/>
+                </a:tc>
+                <a:tc>
+                  <a:txBody>
+                    <a:bodyPr/>
+                    <a:lstStyle/>
+                    <a:p>
+                      <a:r>
+                        <a:rPr lang="en-GB" sz="1100" dirty="0">
+                          <a:latin typeface="+mn-lt"/>
+                        </a:rPr>
+                        <a:t>Ensure all requirements are met during development and examine the limitations of the project to optimize alternatives, and reduce risks</a:t>
+                      </a:r>
+                    </a:p>
+                    <a:p>
+                      <a:endParaRPr lang="en-GB" sz="1100" dirty="0">
+                        <a:latin typeface="+mn-lt"/>
+                      </a:endParaRPr>
+                    </a:p>
+                  </a:txBody>
+                  <a:tcPr/>
+                </a:tc>
+                <a:tc>
+                  <a:txBody>
+                    <a:bodyPr/>
+                    <a:lstStyle/>
+                    <a:p>
+                      <a:pPr marL="0" marR="0" lvl="0" indent="0" algn="l" defTabSz="914400" rtl="0" eaLnBrk="1" fontAlgn="auto" latinLnBrk="0" hangingPunct="1">
+                        <a:lnSpc>
+                          <a:spcPct val="100000"/>
+                        </a:lnSpc>
+                        <a:spcBef>
+                          <a:spcPts val="0"/>
+                        </a:spcBef>
+                        <a:spcAft>
+                          <a:spcPts val="0"/>
+                        </a:spcAft>
+                        <a:buClrTx/>
+                        <a:buSzTx/>
+                        <a:buFontTx/>
+                        <a:buNone/>
+                        <a:tabLst/>
+                        <a:defRPr/>
+                      </a:pPr>
+                      <a:r>
+                        <a:rPr lang="en-GB" sz="1100" dirty="0">
+                          <a:effectLst/>
+                          <a:latin typeface="+mn-lt"/>
+                          <a:ea typeface="Calibri" panose="020F0502020204030204" pitchFamily="34" charset="0"/>
+                          <a:cs typeface="Calibri" panose="020F0502020204030204" pitchFamily="34" charset="0"/>
+                        </a:rPr>
+                        <a:t>Make crucial technical decisions which impact project’s ultimate results (such as technology stack and integration with third-party systems)</a:t>
+                      </a:r>
+                    </a:p>
+                    <a:p>
+                      <a:endParaRPr lang="en-GB" sz="1100" dirty="0">
+                        <a:latin typeface="+mn-lt"/>
+                      </a:endParaRPr>
+                    </a:p>
+                  </a:txBody>
+                  <a:tcPr/>
+                </a:tc>
+                <a:tc>
+                  <a:txBody>
+                    <a:bodyPr/>
+                    <a:lstStyle/>
+                    <a:p>
+                      <a:pPr marL="0" marR="0" lvl="0" indent="0" algn="l" defTabSz="914400" rtl="0" eaLnBrk="1" fontAlgn="auto" latinLnBrk="0" hangingPunct="1">
+                        <a:lnSpc>
+                          <a:spcPct val="100000"/>
+                        </a:lnSpc>
+                        <a:spcBef>
+                          <a:spcPts val="0"/>
+                        </a:spcBef>
+                        <a:spcAft>
+                          <a:spcPts val="0"/>
+                        </a:spcAft>
+                        <a:buClrTx/>
+                        <a:buSzTx/>
+                        <a:buFontTx/>
+                        <a:buNone/>
+                        <a:tabLst/>
+                        <a:defRPr/>
+                      </a:pPr>
+                      <a:r>
+                        <a:rPr lang="en-GB" sz="1100" dirty="0">
+                          <a:effectLst/>
+                          <a:latin typeface="+mn-lt"/>
+                          <a:ea typeface="Calibri" panose="020F0502020204030204" pitchFamily="34" charset="0"/>
+                          <a:cs typeface="Calibri" panose="020F0502020204030204" pitchFamily="34" charset="0"/>
+                        </a:rPr>
+                        <a:t>Act as the link between the technical team and the project manager</a:t>
+                      </a:r>
+                    </a:p>
+                    <a:p>
+                      <a:endParaRPr lang="en-GB" sz="1100" dirty="0">
+                        <a:latin typeface="+mn-lt"/>
+                      </a:endParaRPr>
+                    </a:p>
+                  </a:txBody>
+                  <a:tcPr/>
+                </a:tc>
+                <a:tc>
+                  <a:txBody>
+                    <a:bodyPr/>
+                    <a:lstStyle/>
+                    <a:p>
+                      <a:pPr marL="0" marR="0" lvl="0" indent="0" algn="l" defTabSz="914400" rtl="0" eaLnBrk="1" fontAlgn="auto" latinLnBrk="0" hangingPunct="1">
+                        <a:lnSpc>
+                          <a:spcPct val="100000"/>
+                        </a:lnSpc>
+                        <a:spcBef>
+                          <a:spcPts val="0"/>
+                        </a:spcBef>
+                        <a:spcAft>
+                          <a:spcPts val="0"/>
+                        </a:spcAft>
+                        <a:buClrTx/>
+                        <a:buSzTx/>
+                        <a:buFontTx/>
+                        <a:buNone/>
+                        <a:tabLst/>
+                        <a:defRPr/>
+                      </a:pPr>
+                      <a:r>
+                        <a:rPr lang="en-GB" sz="1100" dirty="0">
+                          <a:effectLst/>
+                          <a:latin typeface="+mn-lt"/>
+                          <a:ea typeface="Calibri" panose="020F0502020204030204" pitchFamily="34" charset="0"/>
+                          <a:cs typeface="Calibri" panose="020F0502020204030204" pitchFamily="34" charset="0"/>
+                        </a:rPr>
+                        <a:t>Ensure continuous maintenance of the product </a:t>
+                      </a:r>
+                      <a:r>
+                        <a:rPr lang="en-GB" sz="1100">
+                          <a:effectLst/>
+                          <a:latin typeface="+mn-lt"/>
+                          <a:ea typeface="Calibri" panose="020F0502020204030204" pitchFamily="34" charset="0"/>
+                          <a:cs typeface="Calibri" panose="020F0502020204030204" pitchFamily="34" charset="0"/>
+                        </a:rPr>
+                        <a:t>developed so  </a:t>
+                      </a:r>
+                      <a:r>
+                        <a:rPr lang="en-GB" sz="1100" dirty="0">
+                          <a:effectLst/>
+                          <a:latin typeface="+mn-lt"/>
+                          <a:ea typeface="Calibri" panose="020F0502020204030204" pitchFamily="34" charset="0"/>
+                          <a:cs typeface="Calibri" panose="020F0502020204030204" pitchFamily="34" charset="0"/>
+                        </a:rPr>
+                        <a:t>it works properly.</a:t>
+                      </a:r>
+                    </a:p>
+                    <a:p>
+                      <a:endParaRPr lang="en-GB" sz="1100" dirty="0">
+                        <a:latin typeface="+mn-lt"/>
+                      </a:endParaRPr>
+                    </a:p>
+                  </a:txBody>
+                  <a:tcPr/>
+                </a:tc>
+                <a:extLst>
+                  <a:ext uri="{0D108BD9-81ED-4DB2-BD59-A6C34878D82A}">
+                    <a16:rowId xmlns:a16="http://schemas.microsoft.com/office/drawing/2014/main" val="5827277"/>
+                  </a:ext>
+                </a:extLst>
+              </a:tr>
+            </a:tbl>
+          </a:graphicData>
+        </a:graphic>
+      </p:graphicFrame>
+    </p:spTree>
+    <p:extLst>
+      <p:ext uri="{BB962C8B-B14F-4D97-AF65-F5344CB8AC3E}">
+        <p14:creationId xmlns:p14="http://schemas.microsoft.com/office/powerpoint/2010/main" val="4119532590"/>
+      </p:ext>
+    </p:extLst>
+  </p:cSld>
+  <p:clrMapOvr>
+    <a:masterClrMapping/>
+  </p:clrMapOvr>
+</p:sld>
+</file>
+
+<file path=ppt/slides/slide12.xml><?xml version="1.0" encoding="utf-8"?>
+<p:sld xmlns:a="http://schemas.openxmlformats.org/drawingml/2006/main" xmlns:r="http://schemas.openxmlformats.org/officeDocument/2006/relationships" xmlns:p="http://schemas.openxmlformats.org/presentationml/2006/main">
+  <p:cSld>
+    <p:spTree>
+      <p:nvGrpSpPr>
+        <p:cNvPr id="1" name=""/>
+        <p:cNvGrpSpPr/>
+        <p:nvPr/>
+      </p:nvGrpSpPr>
+      <p:grpSpPr>
+        <a:xfrm>
+          <a:off x="0" y="0"/>
+          <a:ext cx="0" cy="0"/>
+          <a:chOff x="0" y="0"/>
+          <a:chExt cx="0" cy="0"/>
+        </a:xfrm>
+      </p:grpSpPr>
+      <p:sp>
+        <p:nvSpPr>
+          <p:cNvPr id="15" name="Date Placeholder 14">
+            <a:extLst>
+              <a:ext uri="{FF2B5EF4-FFF2-40B4-BE49-F238E27FC236}">
+                <a16:creationId xmlns:a16="http://schemas.microsoft.com/office/drawing/2014/main" id="{B160BE06-EC01-1145-BF3B-C02AC24955C4}"/>
+              </a:ext>
+            </a:extLst>
+          </p:cNvPr>
+          <p:cNvSpPr>
+            <a:spLocks noGrp="1"/>
+          </p:cNvSpPr>
+          <p:nvPr>
+            <p:ph type="dt" sz="half" idx="11"/>
+          </p:nvPr>
+        </p:nvSpPr>
+        <p:spPr/>
+        <p:txBody>
+          <a:bodyPr rtlCol="0"/>
+          <a:lstStyle/>
+          <a:p>
+            <a:pPr rtl="0"/>
+            <a:fld id="{84E8D500-77B0-4D94-A214-E28C82D4040E}" type="datetime3">
+              <a:rPr lang="en-GB" smtClean="0"/>
+              <a:t>20 June, 2024</a:t>
+            </a:fld>
+            <a:endParaRPr lang="en-GB"/>
+          </a:p>
+        </p:txBody>
+      </p:sp>
+      <p:sp>
+        <p:nvSpPr>
+          <p:cNvPr id="16" name="Footer Placeholder 15">
+            <a:extLst>
+              <a:ext uri="{FF2B5EF4-FFF2-40B4-BE49-F238E27FC236}">
+                <a16:creationId xmlns:a16="http://schemas.microsoft.com/office/drawing/2014/main" id="{1EAEE347-BDD8-5349-BB37-C8938BFCFF4C}"/>
+              </a:ext>
+            </a:extLst>
+          </p:cNvPr>
+          <p:cNvSpPr>
+            <a:spLocks noGrp="1"/>
+          </p:cNvSpPr>
+          <p:nvPr>
+            <p:ph type="ftr" sz="quarter" idx="12"/>
+          </p:nvPr>
+        </p:nvSpPr>
+        <p:spPr/>
+        <p:txBody>
+          <a:bodyPr rtlCol="0"/>
+          <a:lstStyle/>
+          <a:p>
+            <a:pPr rtl="0"/>
+            <a:r>
+              <a:rPr lang="en-GB" dirty="0"/>
+              <a:t>Photo De-duplicator</a:t>
+            </a:r>
+          </a:p>
+        </p:txBody>
+      </p:sp>
+      <p:sp>
+        <p:nvSpPr>
+          <p:cNvPr id="17" name="Slide Number Placeholder 16">
+            <a:extLst>
+              <a:ext uri="{FF2B5EF4-FFF2-40B4-BE49-F238E27FC236}">
+                <a16:creationId xmlns:a16="http://schemas.microsoft.com/office/drawing/2014/main" id="{32DA2B67-BDBB-C945-988B-6C0D86F697CE}"/>
+              </a:ext>
+            </a:extLst>
+          </p:cNvPr>
+          <p:cNvSpPr>
+            <a:spLocks noGrp="1"/>
+          </p:cNvSpPr>
+          <p:nvPr>
+            <p:ph type="sldNum" sz="quarter" idx="13"/>
+          </p:nvPr>
+        </p:nvSpPr>
+        <p:spPr/>
+        <p:txBody>
+          <a:bodyPr rtlCol="0"/>
+          <a:lstStyle/>
+          <a:p>
+            <a:pPr rtl="0"/>
+            <a:fld id="{294A09A9-5501-47C1-A89A-A340965A2BE2}" type="slidenum">
+              <a:rPr lang="en-GB" smtClean="0"/>
+              <a:pPr rtl="0"/>
+              <a:t>12</a:t>
+            </a:fld>
+            <a:endParaRPr lang="en-GB"/>
+          </a:p>
+        </p:txBody>
+      </p:sp>
+      <p:sp>
+        <p:nvSpPr>
+          <p:cNvPr id="3" name="TextBox 2">
+            <a:extLst>
+              <a:ext uri="{FF2B5EF4-FFF2-40B4-BE49-F238E27FC236}">
+                <a16:creationId xmlns:a16="http://schemas.microsoft.com/office/drawing/2014/main" id="{91DBE9DD-2EC5-6AB2-0162-553BA49333AB}"/>
+              </a:ext>
+            </a:extLst>
+          </p:cNvPr>
+          <p:cNvSpPr txBox="1"/>
+          <p:nvPr/>
+        </p:nvSpPr>
+        <p:spPr>
+          <a:xfrm>
+            <a:off x="119336" y="83477"/>
+            <a:ext cx="6097554" cy="584775"/>
+          </a:xfrm>
+          <a:prstGeom prst="rect">
+            <a:avLst/>
+          </a:prstGeom>
+          <a:noFill/>
+        </p:spPr>
+        <p:txBody>
+          <a:bodyPr wrap="square">
+            <a:spAutoFit/>
+          </a:bodyPr>
+          <a:lstStyle/>
+          <a:p>
+            <a:r>
+              <a:rPr lang="en-US" sz="3200" b="1" dirty="0">
+                <a:solidFill>
+                  <a:schemeClr val="bg1"/>
+                </a:solidFill>
+                <a:latin typeface="Franklin Gothic Demi (Headings)"/>
+              </a:rPr>
+              <a:t>DEVELOPMENT STAGES </a:t>
+            </a:r>
+            <a:endParaRPr lang="en-GB" sz="3200" b="1" dirty="0">
+              <a:solidFill>
+                <a:schemeClr val="bg1"/>
+              </a:solidFill>
+              <a:latin typeface="Franklin Gothic Demi (Headings)"/>
+            </a:endParaRPr>
+          </a:p>
+        </p:txBody>
+      </p:sp>
+      <p:graphicFrame>
+        <p:nvGraphicFramePr>
+          <p:cNvPr id="7" name="Table 7">
+            <a:extLst>
+              <a:ext uri="{FF2B5EF4-FFF2-40B4-BE49-F238E27FC236}">
+                <a16:creationId xmlns:a16="http://schemas.microsoft.com/office/drawing/2014/main" id="{CB63406C-AF4F-537B-F741-6F47168CA934}"/>
+              </a:ext>
+            </a:extLst>
+          </p:cNvPr>
+          <p:cNvGraphicFramePr>
+            <a:graphicFrameLocks noGrp="1"/>
+          </p:cNvGraphicFramePr>
+          <p:nvPr>
+            <p:ph type="tbl" sz="quarter" idx="10"/>
+            <p:extLst>
+              <p:ext uri="{D42A27DB-BD31-4B8C-83A1-F6EECF244321}">
+                <p14:modId xmlns:p14="http://schemas.microsoft.com/office/powerpoint/2010/main" val="1065771705"/>
+              </p:ext>
+            </p:extLst>
+          </p:nvPr>
+        </p:nvGraphicFramePr>
+        <p:xfrm>
+          <a:off x="0" y="668252"/>
+          <a:ext cx="11953328" cy="5552688"/>
+        </p:xfrm>
+        <a:graphic>
+          <a:graphicData uri="http://schemas.openxmlformats.org/drawingml/2006/table">
+            <a:tbl>
+              <a:tblPr firstRow="1" bandRow="1">
+                <a:tableStyleId>{5C22544A-7EE6-4342-B048-85BDC9FD1C3A}</a:tableStyleId>
+              </a:tblPr>
+              <a:tblGrid>
+                <a:gridCol w="1466666">
+                  <a:extLst>
+                    <a:ext uri="{9D8B030D-6E8A-4147-A177-3AD203B41FA5}">
+                      <a16:colId xmlns:a16="http://schemas.microsoft.com/office/drawing/2014/main" val="3506827461"/>
+                    </a:ext>
+                  </a:extLst>
+                </a:gridCol>
+                <a:gridCol w="1880999">
+                  <a:extLst>
+                    <a:ext uri="{9D8B030D-6E8A-4147-A177-3AD203B41FA5}">
+                      <a16:colId xmlns:a16="http://schemas.microsoft.com/office/drawing/2014/main" val="289244665"/>
+                    </a:ext>
+                  </a:extLst>
+                </a:gridCol>
+                <a:gridCol w="2738998">
+                  <a:extLst>
+                    <a:ext uri="{9D8B030D-6E8A-4147-A177-3AD203B41FA5}">
+                      <a16:colId xmlns:a16="http://schemas.microsoft.com/office/drawing/2014/main" val="906767173"/>
+                    </a:ext>
+                  </a:extLst>
+                </a:gridCol>
+                <a:gridCol w="2346667">
+                  <a:extLst>
+                    <a:ext uri="{9D8B030D-6E8A-4147-A177-3AD203B41FA5}">
+                      <a16:colId xmlns:a16="http://schemas.microsoft.com/office/drawing/2014/main" val="1414843549"/>
+                    </a:ext>
+                  </a:extLst>
+                </a:gridCol>
+                <a:gridCol w="1533583">
+                  <a:extLst>
+                    <a:ext uri="{9D8B030D-6E8A-4147-A177-3AD203B41FA5}">
+                      <a16:colId xmlns:a16="http://schemas.microsoft.com/office/drawing/2014/main" val="1955876352"/>
+                    </a:ext>
+                  </a:extLst>
+                </a:gridCol>
+                <a:gridCol w="1986415">
                   <a:extLst>
                     <a:ext uri="{9D8B030D-6E8A-4147-A177-3AD203B41FA5}">
                       <a16:colId xmlns:a16="http://schemas.microsoft.com/office/drawing/2014/main" val="2107784647"/>
@@ -16365,7 +17544,7 @@
                     <a:p>
                       <a:r>
                         <a:rPr lang="en-US" dirty="0"/>
-                        <a:t>PROJECT MANAGER</a:t>
+                        <a:t>LEAD DEVELOPER </a:t>
                       </a:r>
                       <a:endParaRPr lang="en-GB" dirty="0"/>
                     </a:p>
@@ -16379,7 +17558,7 @@
                     <a:p>
                       <a:r>
                         <a:rPr lang="en-US" sz="1100" dirty="0"/>
-                        <a:t>Project Manager would provide detailed instructions for the planning, organizing, controlling, managing and reporting the project resources</a:t>
+                        <a:t>Work closely with the Project Manager, Business Analyst, and other stakeholders to understand requirements and translate them into technical specifications</a:t>
                       </a:r>
                       <a:endParaRPr lang="en-GB" sz="1100" dirty="0"/>
                     </a:p>
@@ -16392,20 +17571,28 @@
                     <a:lstStyle/>
                     <a:p>
                       <a:r>
-                        <a:rPr lang="en-GB" sz="1100" dirty="0"/>
-                        <a:t>PM would plan sprints, versions, and releases according to the Photo </a:t>
+                        <a:rPr lang="en-US" sz="1100" dirty="0"/>
+                        <a:t>Provide technical direction and execution of the Photo </a:t>
                       </a:r>
                       <a:r>
-                        <a:rPr lang="en-GB" sz="1100" dirty="0" err="1"/>
+                        <a:rPr lang="en-US" sz="1100" dirty="0" err="1"/>
                         <a:t>DeDuplicator</a:t>
                       </a:r>
                       <a:r>
-                        <a:rPr lang="en-GB" sz="1100" dirty="0"/>
-                        <a:t> project roadmap. PM would manage development iterations, organise the development events</a:t>
+                        <a:rPr lang="en-US" sz="1100" dirty="0"/>
+                        <a:t> project. </a:t>
                       </a:r>
-                    </a:p>
-                    <a:p>
-                      <a:endParaRPr lang="en-GB" dirty="0"/>
+                      <a:br>
+                        <a:rPr lang="en-US" sz="1100" dirty="0"/>
+                      </a:br>
+                      <a:br>
+                        <a:rPr lang="en-US" sz="1100" dirty="0"/>
+                      </a:br>
+                      <a:r>
+                        <a:rPr lang="en-US" sz="1100" dirty="0"/>
+                        <a:t>Oversee the entire development process, from design, coding, testing, and deployment</a:t>
+                      </a:r>
+                      <a:endParaRPr lang="en-GB" sz="1100" dirty="0"/>
                     </a:p>
                   </a:txBody>
                   <a:tcPr/>
@@ -16433,16 +17620,19 @@
                         <a:defRPr/>
                       </a:pPr>
                       <a:r>
-                        <a:rPr lang="en-GB" sz="1100" dirty="0">
-                          <a:effectLst/>
-                          <a:latin typeface="Franklin Gothic Book" panose="020B0503020102020204" pitchFamily="34" charset="0"/>
-                          <a:ea typeface="Calibri" panose="020F0502020204030204" pitchFamily="34" charset="0"/>
-                          <a:cs typeface="Calibri" panose="020F0502020204030204" pitchFamily="34" charset="0"/>
-                        </a:rPr>
-                        <a:t>PM would sync-up the development team, plan sprint increments</a:t>
+                        <a:rPr lang="en-US" sz="1100" dirty="0"/>
+                        <a:t>Manage the development team, assigns tasks, conduct code reviews, and ensure adherence to coding standards and best practices.</a:t>
                       </a:r>
-                    </a:p>
-                    <a:p>
+                      <a:br>
+                        <a:rPr lang="en-US" sz="1100" dirty="0"/>
+                      </a:br>
+                      <a:br>
+                        <a:rPr lang="en-US" sz="1100" dirty="0"/>
+                      </a:br>
+                      <a:r>
+                        <a:rPr lang="en-US" sz="1100" dirty="0"/>
+                        <a:t> Also guide the development team, create a  collaborative environment, and promote continuous learning and improvement. </a:t>
+                      </a:r>
                       <a:endParaRPr lang="en-GB" sz="1100" dirty="0">
                         <a:latin typeface="Franklin Gothic Book" panose="020B0503020102020204" pitchFamily="34" charset="0"/>
                       </a:endParaRPr>
@@ -16455,34 +17645,10 @@
                     <a:bodyPr/>
                     <a:lstStyle/>
                     <a:p>
-                      <a:pPr marL="0" marR="0" lvl="0" indent="0" algn="l" defTabSz="914400" rtl="0" eaLnBrk="1" fontAlgn="auto" latinLnBrk="0" hangingPunct="1">
-                        <a:lnSpc>
-                          <a:spcPct val="100000"/>
-                        </a:lnSpc>
-                        <a:spcBef>
-                          <a:spcPts val="0"/>
-                        </a:spcBef>
-                        <a:spcAft>
-                          <a:spcPts val="0"/>
-                        </a:spcAft>
-                        <a:buClrTx/>
-                        <a:buSzTx/>
-                        <a:buFontTx/>
-                        <a:buNone/>
-                        <a:tabLst/>
-                        <a:defRPr/>
-                      </a:pPr>
                       <a:r>
-                        <a:rPr lang="en-GB" sz="1100" dirty="0">
-                          <a:effectLst/>
-                          <a:latin typeface="Franklin Gothic Book" panose="020B0503020102020204" pitchFamily="34" charset="0"/>
-                          <a:ea typeface="Calibri" panose="020F0502020204030204" pitchFamily="34" charset="0"/>
-                          <a:cs typeface="Calibri" panose="020F0502020204030204" pitchFamily="34" charset="0"/>
-                        </a:rPr>
-                        <a:t>PM would coach the whole team, report on time/efforts and delivered features, remove obstructions for the team</a:t>
+                        <a:rPr lang="en-US" sz="1100" dirty="0"/>
+                        <a:t>Oversee deployment process and ensure a smooth release</a:t>
                       </a:r>
-                    </a:p>
-                    <a:p>
                       <a:endParaRPr lang="en-GB" sz="1100" dirty="0">
                         <a:latin typeface="Franklin Gothic Book" panose="020B0503020102020204" pitchFamily="34" charset="0"/>
                       </a:endParaRPr>
@@ -16495,34 +17661,10 @@
                     <a:bodyPr/>
                     <a:lstStyle/>
                     <a:p>
-                      <a:pPr marL="0" marR="0" lvl="0" indent="0" algn="l" defTabSz="914400" rtl="0" eaLnBrk="1" fontAlgn="auto" latinLnBrk="0" hangingPunct="1">
-                        <a:lnSpc>
-                          <a:spcPct val="100000"/>
-                        </a:lnSpc>
-                        <a:spcBef>
-                          <a:spcPts val="0"/>
-                        </a:spcBef>
-                        <a:spcAft>
-                          <a:spcPts val="0"/>
-                        </a:spcAft>
-                        <a:buClrTx/>
-                        <a:buSzTx/>
-                        <a:buFontTx/>
-                        <a:buNone/>
-                        <a:tabLst/>
-                        <a:defRPr/>
-                      </a:pPr>
                       <a:r>
-                        <a:rPr lang="en-GB" sz="1100" dirty="0">
-                          <a:effectLst/>
-                          <a:latin typeface="Franklin Gothic Book" panose="020B0503020102020204" pitchFamily="34" charset="0"/>
-                          <a:ea typeface="Calibri" panose="020F0502020204030204" pitchFamily="34" charset="0"/>
-                          <a:cs typeface="Calibri" panose="020F0502020204030204" pitchFamily="34" charset="0"/>
-                        </a:rPr>
-                        <a:t>The PM ensures efficient communication between the Product Owner and the other members of the team. Tasks would end when project goals and objectives are successfully completed, product is delivered</a:t>
+                        <a:rPr lang="en-US" sz="1100" dirty="0"/>
+                        <a:t>Stay up-to-date with the latest technologies, tools, and industry trends, and recommend appropriate updates and improvements for the project</a:t>
                       </a:r>
-                    </a:p>
-                    <a:p>
                       <a:endParaRPr lang="en-GB" sz="1100" dirty="0">
                         <a:latin typeface="Franklin Gothic Book" panose="020B0503020102020204" pitchFamily="34" charset="0"/>
                       </a:endParaRPr>
@@ -16544,7 +17686,7 @@
                     <a:p>
                       <a:r>
                         <a:rPr lang="en-US" dirty="0"/>
-                        <a:t>BUSINESS ANALYST </a:t>
+                        <a:t>QA ENGINEER</a:t>
                       </a:r>
                       <a:endParaRPr lang="en-GB" dirty="0"/>
                     </a:p>
@@ -16558,222 +17700,7 @@
                     <a:p>
                       <a:r>
                         <a:rPr lang="en-US" sz="1100" dirty="0"/>
-                        <a:t>Analyses, communicates and documents the requirements, business needs and goals for the Photo </a:t>
-                      </a:r>
-                      <a:r>
-                        <a:rPr lang="en-US" sz="1100" dirty="0" err="1"/>
-                        <a:t>DeDuplicator</a:t>
-                      </a:r>
-                      <a:r>
-                        <a:rPr lang="en-US" sz="1100" dirty="0"/>
-                        <a:t> with stakeholders, developers and other participants</a:t>
-                      </a:r>
-                      <a:endParaRPr lang="en-GB" sz="1100" dirty="0"/>
-                    </a:p>
-                  </a:txBody>
-                  <a:tcPr/>
-                </a:tc>
-                <a:tc>
-                  <a:txBody>
-                    <a:bodyPr/>
-                    <a:lstStyle/>
-                    <a:p>
-                      <a:pPr>
-                        <a:lnSpc>
-                          <a:spcPct val="107000"/>
-                        </a:lnSpc>
-                        <a:spcAft>
-                          <a:spcPts val="800"/>
-                        </a:spcAft>
-                      </a:pPr>
-                      <a:r>
-                        <a:rPr lang="en-GB" sz="1100" dirty="0">
-                          <a:effectLst/>
-                          <a:latin typeface="+mn-lt"/>
-                          <a:ea typeface="Calibri" panose="020F0502020204030204" pitchFamily="34" charset="0"/>
-                          <a:cs typeface="Calibri" panose="020F0502020204030204" pitchFamily="34" charset="0"/>
-                        </a:rPr>
-                        <a:t>In design stage, BA’s tasks include eliciting, analysing and validating the detailed requirements of the project, creating and maintaining design artefacts (such as prototypes) and specifications. BA oversees the changes and hurdles that arise during design.</a:t>
-                      </a:r>
-                    </a:p>
-                    <a:p>
-                      <a:pPr>
-                        <a:lnSpc>
-                          <a:spcPct val="107000"/>
-                        </a:lnSpc>
-                        <a:spcAft>
-                          <a:spcPts val="800"/>
-                        </a:spcAft>
-                      </a:pPr>
-                      <a:r>
-                        <a:rPr lang="en-GB" sz="1100" dirty="0">
-                          <a:effectLst/>
-                          <a:latin typeface="+mn-lt"/>
-                          <a:ea typeface="Calibri" panose="020F0502020204030204" pitchFamily="34" charset="0"/>
-                          <a:cs typeface="Calibri" panose="020F0502020204030204" pitchFamily="34" charset="0"/>
-                        </a:rPr>
-                        <a:t>In development phase, development process relates to the requirements created by the BA. BA would also monitor the progresses made </a:t>
-                      </a:r>
-                    </a:p>
-                    <a:p>
-                      <a:endParaRPr lang="en-GB" sz="1100" dirty="0"/>
-                    </a:p>
-                  </a:txBody>
-                  <a:tcPr/>
-                </a:tc>
-                <a:tc>
-                  <a:txBody>
-                    <a:bodyPr/>
-                    <a:lstStyle/>
-                    <a:p>
-                      <a:pPr>
-                        <a:lnSpc>
-                          <a:spcPct val="107000"/>
-                        </a:lnSpc>
-                        <a:spcAft>
-                          <a:spcPts val="800"/>
-                        </a:spcAft>
-                      </a:pPr>
-                      <a:r>
-                        <a:rPr lang="en-GB" sz="1100" dirty="0">
-                          <a:effectLst/>
-                          <a:latin typeface="+mn-lt"/>
-                          <a:ea typeface="Calibri" panose="020F0502020204030204" pitchFamily="34" charset="0"/>
-                          <a:cs typeface="Calibri" panose="020F0502020204030204" pitchFamily="34" charset="0"/>
-                        </a:rPr>
-                        <a:t>In testing, BA ensures that the final product meets the business requirements. </a:t>
-                      </a:r>
-                    </a:p>
-                    <a:p>
-                      <a:pPr>
-                        <a:lnSpc>
-                          <a:spcPct val="107000"/>
-                        </a:lnSpc>
-                        <a:spcAft>
-                          <a:spcPts val="800"/>
-                        </a:spcAft>
-                      </a:pPr>
-                      <a:r>
-                        <a:rPr lang="en-GB" sz="1100" dirty="0">
-                          <a:effectLst/>
-                          <a:latin typeface="+mn-lt"/>
-                          <a:ea typeface="Calibri" panose="020F0502020204030204" pitchFamily="34" charset="0"/>
-                          <a:cs typeface="Calibri" panose="020F0502020204030204" pitchFamily="34" charset="0"/>
-                        </a:rPr>
-                        <a:t>In implementation phase, BA helps the technical team to resolve requirement related roadblocks </a:t>
-                      </a:r>
-                    </a:p>
-                    <a:p>
-                      <a:endParaRPr lang="en-GB" dirty="0"/>
-                    </a:p>
-                  </a:txBody>
-                  <a:tcPr/>
-                </a:tc>
-                <a:tc>
-                  <a:txBody>
-                    <a:bodyPr/>
-                    <a:lstStyle/>
-                    <a:p>
-                      <a:pPr marL="0" marR="0" lvl="0" indent="0" algn="l" defTabSz="914400" rtl="0" eaLnBrk="1" fontAlgn="auto" latinLnBrk="0" hangingPunct="1">
-                        <a:lnSpc>
-                          <a:spcPct val="100000"/>
-                        </a:lnSpc>
-                        <a:spcBef>
-                          <a:spcPts val="0"/>
-                        </a:spcBef>
-                        <a:spcAft>
-                          <a:spcPts val="0"/>
-                        </a:spcAft>
-                        <a:buClrTx/>
-                        <a:buSzTx/>
-                        <a:buFontTx/>
-                        <a:buNone/>
-                        <a:tabLst/>
-                        <a:defRPr/>
-                      </a:pPr>
-                      <a:r>
-                        <a:rPr lang="en-GB" sz="1100" dirty="0">
-                          <a:effectLst/>
-                          <a:latin typeface="+mn-lt"/>
-                          <a:ea typeface="Calibri" panose="020F0502020204030204" pitchFamily="34" charset="0"/>
-                          <a:cs typeface="Calibri" panose="020F0502020204030204" pitchFamily="34" charset="0"/>
-                        </a:rPr>
-                        <a:t>BA serves as the first point of contact for users when they face issues and provide feedbacks</a:t>
-                      </a:r>
-                    </a:p>
-                    <a:p>
-                      <a:endParaRPr lang="en-GB" dirty="0"/>
-                    </a:p>
-                  </a:txBody>
-                  <a:tcPr/>
-                </a:tc>
-                <a:tc>
-                  <a:txBody>
-                    <a:bodyPr/>
-                    <a:lstStyle/>
-                    <a:p>
-                      <a:pPr marL="0" marR="0" lvl="0" indent="0" algn="l" defTabSz="914400" rtl="0" eaLnBrk="1" fontAlgn="auto" latinLnBrk="0" hangingPunct="1">
-                        <a:lnSpc>
-                          <a:spcPct val="100000"/>
-                        </a:lnSpc>
-                        <a:spcBef>
-                          <a:spcPts val="0"/>
-                        </a:spcBef>
-                        <a:spcAft>
-                          <a:spcPts val="0"/>
-                        </a:spcAft>
-                        <a:buClrTx/>
-                        <a:buSzTx/>
-                        <a:buFontTx/>
-                        <a:buNone/>
-                        <a:tabLst/>
-                        <a:defRPr/>
-                      </a:pPr>
-                      <a:r>
-                        <a:rPr lang="en-GB" sz="1100" dirty="0">
-                          <a:effectLst/>
-                          <a:latin typeface="+mn-lt"/>
-                          <a:ea typeface="Calibri" panose="020F0502020204030204" pitchFamily="34" charset="0"/>
-                          <a:cs typeface="Calibri" panose="020F0502020204030204" pitchFamily="34" charset="0"/>
-                        </a:rPr>
-                        <a:t>BA coordinates the development team, organises future updates in the software or implements the required fixes</a:t>
-                      </a:r>
-                    </a:p>
-                    <a:p>
-                      <a:endParaRPr lang="en-GB" dirty="0"/>
-                    </a:p>
-                  </a:txBody>
-                  <a:tcPr/>
-                </a:tc>
-                <a:extLst>
-                  <a:ext uri="{0D108BD9-81ED-4DB2-BD59-A6C34878D82A}">
-                    <a16:rowId xmlns:a16="http://schemas.microsoft.com/office/drawing/2014/main" val="3263281080"/>
-                  </a:ext>
-                </a:extLst>
-              </a:tr>
-              <a:tr h="623468">
-                <a:tc>
-                  <a:txBody>
-                    <a:bodyPr/>
-                    <a:lstStyle/>
-                    <a:p>
-                      <a:r>
-                        <a:rPr lang="en-US" dirty="0"/>
-                        <a:t>SOLUTIONS ARCHITECT </a:t>
-                      </a:r>
-                      <a:endParaRPr lang="en-GB" dirty="0"/>
-                    </a:p>
-                  </a:txBody>
-                  <a:tcPr/>
-                </a:tc>
-                <a:tc>
-                  <a:txBody>
-                    <a:bodyPr/>
-                    <a:lstStyle/>
-                    <a:p>
-                      <a:r>
-                        <a:rPr lang="en-US" sz="1100" dirty="0"/>
-                        <a:t>Tries to understand constraints of the project. Considers technical and business factors which align with the project goal</a:t>
+                        <a:t>Collaborate with the Business Analyst and stakeholders to understand the requirements</a:t>
                       </a:r>
                       <a:endParaRPr lang="en-GB" sz="1100" dirty="0"/>
                     </a:p>
@@ -16786,16 +17713,20 @@
                     <a:lstStyle/>
                     <a:p>
                       <a:r>
-                        <a:rPr lang="en-GB" sz="1100" dirty="0">
-                          <a:latin typeface="+mn-lt"/>
-                        </a:rPr>
-                        <a:t>SA is responsible for ensuring all requirements are met during development and examine the limitations of the project to optimize alternatives, reduce risks</a:t>
+                        <a:rPr lang="en-US" sz="1100" dirty="0"/>
+                        <a:t>Review the design documents and provide feedback from a testing perspective.</a:t>
                       </a:r>
-                    </a:p>
-                    <a:p>
-                      <a:endParaRPr lang="en-GB" sz="1100" dirty="0">
-                        <a:latin typeface="+mn-lt"/>
-                      </a:endParaRPr>
+                      <a:br>
+                        <a:rPr lang="en-US" sz="1100" dirty="0"/>
+                      </a:br>
+                      <a:br>
+                        <a:rPr lang="en-US" sz="1100" dirty="0"/>
+                      </a:br>
+                      <a:r>
+                        <a:rPr lang="en-US" sz="1100" dirty="0"/>
+                        <a:t>Participate in code reviews and provide feedback on code quality, testability, and maintainability</a:t>
+                      </a:r>
+                      <a:endParaRPr lang="en-GB" sz="1100" dirty="0"/>
                     </a:p>
                   </a:txBody>
                   <a:tcPr/>
@@ -16805,37 +17736,30 @@
                     <a:bodyPr/>
                     <a:lstStyle/>
                     <a:p>
-                      <a:pPr marL="0" marR="0" lvl="0" indent="0" algn="l" defTabSz="914400" rtl="0" eaLnBrk="1" fontAlgn="auto" latinLnBrk="0" hangingPunct="1">
-                        <a:lnSpc>
-                          <a:spcPct val="100000"/>
-                        </a:lnSpc>
-                        <a:spcBef>
-                          <a:spcPts val="0"/>
-                        </a:spcBef>
-                        <a:spcAft>
-                          <a:spcPts val="0"/>
-                        </a:spcAft>
-                        <a:buClrTx/>
-                        <a:buSzTx/>
-                        <a:buFontTx/>
-                        <a:buNone/>
-                        <a:tabLst/>
-                        <a:defRPr/>
-                      </a:pPr>
                       <a:r>
-                        <a:rPr lang="en-GB" sz="1100" dirty="0">
-                          <a:effectLst/>
-                          <a:latin typeface="+mn-lt"/>
-                          <a:ea typeface="Calibri" panose="020F0502020204030204" pitchFamily="34" charset="0"/>
-                          <a:cs typeface="Calibri" panose="020F0502020204030204" pitchFamily="34" charset="0"/>
-                        </a:rPr>
-                        <a:t>SA participates in making crucial technical decisions which impact project’s ultimate results (such as technology stack and integration with third-party systems)</a:t>
+                        <a:rPr lang="en-US" sz="1100" dirty="0"/>
+                        <a:t>Develop and execute comprehensive test plans, test cases, and test scripts to validate the functionality, usability, and performance of the application.</a:t>
+                      </a:r>
+                      <a:br>
+                        <a:rPr lang="en-US" sz="1100" dirty="0"/>
+                      </a:br>
+                      <a:br>
+                        <a:rPr lang="en-US" sz="1100" dirty="0"/>
+                      </a:br>
+                      <a:r>
+                        <a:rPr lang="en-US" sz="1100" dirty="0"/>
+                        <a:t>Identify and report defects, prioritize them based on severity and impact, and track them through resolution </a:t>
                       </a:r>
                     </a:p>
                     <a:p>
-                      <a:endParaRPr lang="en-GB" sz="1100" dirty="0">
-                        <a:latin typeface="+mn-lt"/>
-                      </a:endParaRPr>
+                      <a:br>
+                        <a:rPr lang="en-US" sz="1100" dirty="0"/>
+                      </a:br>
+                      <a:r>
+                        <a:rPr lang="en-US" sz="1100" dirty="0"/>
+                        <a:t>Develop and maintain test automation frameworks and scripts to streamline the testing process and improve test coverage.</a:t>
+                      </a:r>
+                      <a:endParaRPr lang="en-GB" sz="1100" dirty="0"/>
                     </a:p>
                   </a:txBody>
                   <a:tcPr/>
@@ -16845,37 +17769,31 @@
                     <a:bodyPr/>
                     <a:lstStyle/>
                     <a:p>
-                      <a:pPr marL="0" marR="0" lvl="0" indent="0" algn="l" defTabSz="914400" rtl="0" eaLnBrk="1" fontAlgn="auto" latinLnBrk="0" hangingPunct="1">
-                        <a:lnSpc>
-                          <a:spcPct val="100000"/>
-                        </a:lnSpc>
-                        <a:spcBef>
-                          <a:spcPts val="0"/>
-                        </a:spcBef>
-                        <a:spcAft>
-                          <a:spcPts val="0"/>
-                        </a:spcAft>
-                        <a:buClrTx/>
-                        <a:buSzTx/>
-                        <a:buFontTx/>
-                        <a:buNone/>
-                        <a:tabLst/>
-                        <a:defRPr/>
-                      </a:pPr>
                       <a:r>
-                        <a:rPr lang="en-GB" sz="1100" dirty="0">
-                          <a:effectLst/>
-                          <a:latin typeface="+mn-lt"/>
-                          <a:ea typeface="Calibri" panose="020F0502020204030204" pitchFamily="34" charset="0"/>
-                          <a:cs typeface="Calibri" panose="020F0502020204030204" pitchFamily="34" charset="0"/>
-                        </a:rPr>
-                        <a:t>Acts as the link between the technical team and the project manager</a:t>
+                        <a:rPr lang="en-US" sz="1100" dirty="0"/>
+                        <a:t>Collaborate with cross-functional teams to ensure a smooth delivery and deployment process.</a:t>
                       </a:r>
-                    </a:p>
-                    <a:p>
-                      <a:endParaRPr lang="en-GB" sz="1100" dirty="0">
-                        <a:latin typeface="+mn-lt"/>
-                      </a:endParaRPr>
+                      <a:br>
+                        <a:rPr lang="en-US" sz="1100" dirty="0"/>
+                      </a:br>
+                      <a:br>
+                        <a:rPr lang="en-US" sz="1100" dirty="0"/>
+                      </a:br>
+                      <a:r>
+                        <a:rPr lang="en-US" sz="1100" dirty="0"/>
+                        <a:t>Ensure compliance with industry standards, best practices, and quality assurance methodologies.</a:t>
+                      </a:r>
+                      <a:br>
+                        <a:rPr lang="en-US" sz="1100" dirty="0"/>
+                      </a:br>
+                      <a:br>
+                        <a:rPr lang="en-US" sz="1100" dirty="0"/>
+                      </a:br>
+                      <a:r>
+                        <a:rPr lang="en-US" sz="1100" dirty="0"/>
+                        <a:t>Perform final testing and validation before release</a:t>
+                      </a:r>
+                      <a:endParaRPr lang="en-GB" sz="1100" dirty="0"/>
                     </a:p>
                   </a:txBody>
                   <a:tcPr/>
@@ -16885,44 +17803,28 @@
                     <a:bodyPr/>
                     <a:lstStyle/>
                     <a:p>
-                      <a:pPr marL="0" marR="0" lvl="0" indent="0" algn="l" defTabSz="914400" rtl="0" eaLnBrk="1" fontAlgn="auto" latinLnBrk="0" hangingPunct="1">
-                        <a:lnSpc>
-                          <a:spcPct val="100000"/>
-                        </a:lnSpc>
-                        <a:spcBef>
-                          <a:spcPts val="0"/>
-                        </a:spcBef>
-                        <a:spcAft>
-                          <a:spcPts val="0"/>
-                        </a:spcAft>
-                        <a:buClrTx/>
-                        <a:buSzTx/>
-                        <a:buFontTx/>
-                        <a:buNone/>
-                        <a:tabLst/>
-                        <a:defRPr/>
-                      </a:pPr>
                       <a:r>
-                        <a:rPr lang="en-GB" sz="1100" dirty="0">
-                          <a:effectLst/>
-                          <a:latin typeface="+mn-lt"/>
-                          <a:ea typeface="Calibri" panose="020F0502020204030204" pitchFamily="34" charset="0"/>
-                          <a:cs typeface="Calibri" panose="020F0502020204030204" pitchFamily="34" charset="0"/>
-                        </a:rPr>
-                        <a:t>SA is responsible for the continuous maintenance of the product developed ensuring it works properly.</a:t>
+                        <a:rPr lang="en-US" sz="1100" dirty="0"/>
+                        <a:t>Continuously monitor and test the application for any issues or defects.</a:t>
                       </a:r>
-                    </a:p>
-                    <a:p>
-                      <a:endParaRPr lang="en-GB" sz="1100" dirty="0">
-                        <a:latin typeface="+mn-lt"/>
-                      </a:endParaRPr>
+                      <a:br>
+                        <a:rPr lang="en-US" sz="1100" dirty="0"/>
+                      </a:br>
+                      <a:br>
+                        <a:rPr lang="en-US" sz="1100" dirty="0"/>
+                      </a:br>
+                      <a:r>
+                        <a:rPr lang="en-US" sz="1100" dirty="0"/>
+                        <a:t>Update and maintain test cases and automation scripts for future releases.</a:t>
+                      </a:r>
+                      <a:endParaRPr lang="en-GB" sz="1100" dirty="0"/>
                     </a:p>
                   </a:txBody>
                   <a:tcPr/>
                 </a:tc>
                 <a:extLst>
                   <a:ext uri="{0D108BD9-81ED-4DB2-BD59-A6C34878D82A}">
-                    <a16:rowId xmlns:a16="http://schemas.microsoft.com/office/drawing/2014/main" val="5827277"/>
+                    <a16:rowId xmlns:a16="http://schemas.microsoft.com/office/drawing/2014/main" val="3263281080"/>
                   </a:ext>
                 </a:extLst>
               </a:tr>
@@ -16933,401 +17835,7 @@
     </p:spTree>
     <p:extLst>
       <p:ext uri="{BB962C8B-B14F-4D97-AF65-F5344CB8AC3E}">
-        <p14:creationId xmlns:p14="http://schemas.microsoft.com/office/powerpoint/2010/main" val="4119532590"/>
-      </p:ext>
-    </p:extLst>
-  </p:cSld>
-  <p:clrMapOvr>
-    <a:masterClrMapping/>
-  </p:clrMapOvr>
-</p:sld>
-</file>
-
-<file path=ppt/slides/slide12.xml><?xml version="1.0" encoding="utf-8"?>
-<p:sld xmlns:a="http://schemas.openxmlformats.org/drawingml/2006/main" xmlns:r="http://schemas.openxmlformats.org/officeDocument/2006/relationships" xmlns:p="http://schemas.openxmlformats.org/presentationml/2006/main">
-  <p:cSld>
-    <p:spTree>
-      <p:nvGrpSpPr>
-        <p:cNvPr id="1" name=""/>
-        <p:cNvGrpSpPr/>
-        <p:nvPr/>
-      </p:nvGrpSpPr>
-      <p:grpSpPr>
-        <a:xfrm>
-          <a:off x="0" y="0"/>
-          <a:ext cx="0" cy="0"/>
-          <a:chOff x="0" y="0"/>
-          <a:chExt cx="0" cy="0"/>
-        </a:xfrm>
-      </p:grpSpPr>
-      <p:sp>
-        <p:nvSpPr>
-          <p:cNvPr id="2" name="Title 1">
-            <a:extLst>
-              <a:ext uri="{FF2B5EF4-FFF2-40B4-BE49-F238E27FC236}">
-                <a16:creationId xmlns:a16="http://schemas.microsoft.com/office/drawing/2014/main" id="{68F0FA04-6227-9040-92A6-9514A59B8E7B}"/>
-              </a:ext>
-            </a:extLst>
-          </p:cNvPr>
-          <p:cNvSpPr>
-            <a:spLocks noGrp="1"/>
-          </p:cNvSpPr>
-          <p:nvPr>
-            <p:ph type="title"/>
-          </p:nvPr>
-        </p:nvSpPr>
-        <p:spPr/>
-        <p:txBody>
-          <a:bodyPr rtlCol="0"/>
-          <a:lstStyle/>
-          <a:p>
-            <a:pPr rtl="0"/>
-            <a:r>
-              <a:rPr lang="en-US" dirty="0"/>
-              <a:t>COMMITMENTS</a:t>
-            </a:r>
-            <a:endParaRPr lang="en-GB" dirty="0"/>
-          </a:p>
-        </p:txBody>
-      </p:sp>
-      <p:sp>
-        <p:nvSpPr>
-          <p:cNvPr id="3" name="Text Placeholder 2">
-            <a:extLst>
-              <a:ext uri="{FF2B5EF4-FFF2-40B4-BE49-F238E27FC236}">
-                <a16:creationId xmlns:a16="http://schemas.microsoft.com/office/drawing/2014/main" id="{9CD657E5-4675-E84E-840E-4F6D4868C5A9}"/>
-              </a:ext>
-            </a:extLst>
-          </p:cNvPr>
-          <p:cNvSpPr>
-            <a:spLocks noGrp="1"/>
-          </p:cNvSpPr>
-          <p:nvPr>
-            <p:ph type="body" idx="1"/>
-          </p:nvPr>
-        </p:nvSpPr>
-        <p:spPr/>
-        <p:txBody>
-          <a:bodyPr rtlCol="0"/>
-          <a:lstStyle/>
-          <a:p>
-            <a:pPr rtl="0"/>
-            <a:r>
-              <a:rPr lang="en-GB" dirty="0"/>
-              <a:t>FEATURES </a:t>
-            </a:r>
-          </a:p>
-        </p:txBody>
-      </p:sp>
-      <p:sp>
-        <p:nvSpPr>
-          <p:cNvPr id="5" name="Content Placeholder 4">
-            <a:extLst>
-              <a:ext uri="{FF2B5EF4-FFF2-40B4-BE49-F238E27FC236}">
-                <a16:creationId xmlns:a16="http://schemas.microsoft.com/office/drawing/2014/main" id="{0B4B9306-DDC0-AD4F-A9C2-739C6AEB0172}"/>
-              </a:ext>
-            </a:extLst>
-          </p:cNvPr>
-          <p:cNvSpPr>
-            <a:spLocks noGrp="1"/>
-          </p:cNvSpPr>
-          <p:nvPr>
-            <p:ph sz="half" idx="2"/>
-          </p:nvPr>
-        </p:nvSpPr>
-        <p:spPr>
-          <a:xfrm>
-            <a:off x="964024" y="2745823"/>
-            <a:ext cx="5131977" cy="2774600"/>
-          </a:xfrm>
-        </p:spPr>
-        <p:txBody>
-          <a:bodyPr rtlCol="0">
-            <a:normAutofit fontScale="85000" lnSpcReduction="20000"/>
-          </a:bodyPr>
-          <a:lstStyle/>
-          <a:p>
-            <a:pPr rtl="0"/>
-            <a:r>
-              <a:rPr lang="en-GB" dirty="0"/>
-              <a:t>Application will have cross-platform compatibility- can be used with various operating systems Windows and macOS</a:t>
-            </a:r>
-          </a:p>
-          <a:p>
-            <a:r>
-              <a:rPr lang="en-GB" dirty="0"/>
-              <a:t>The application will support a wide range of formats such as .</a:t>
-            </a:r>
-            <a:r>
-              <a:rPr lang="en-GB" dirty="0" err="1"/>
-              <a:t>png</a:t>
-            </a:r>
-            <a:r>
-              <a:rPr lang="en-GB" dirty="0"/>
-              <a:t> , .jpeg  and .gif. The application must recognise all formats and spot duplicate within a folder</a:t>
-            </a:r>
-          </a:p>
-          <a:p>
-            <a:r>
-              <a:rPr lang="en-GB" dirty="0"/>
-              <a:t>The application will have a user friendly interface that is easy to understand no matter the skillset of the user. </a:t>
-            </a:r>
-          </a:p>
-          <a:p>
-            <a:r>
-              <a:rPr lang="en-US" dirty="0"/>
-              <a:t>The team will communicate clearly and have good time-keeping skills</a:t>
-            </a:r>
-          </a:p>
-          <a:p>
-            <a:pPr rtl="0"/>
-            <a:r>
-              <a:rPr lang="en-US" dirty="0"/>
-              <a:t>Saving storage space: the application will spot duplicate files so they can be deleted, freeing up storage space</a:t>
-            </a:r>
-          </a:p>
-          <a:p>
-            <a:pPr rtl="0"/>
-            <a:r>
-              <a:rPr lang="en-US" dirty="0"/>
-              <a:t>Regular bug fixes and improvements will be made</a:t>
-            </a:r>
-          </a:p>
-          <a:p>
-            <a:endParaRPr lang="en-US" dirty="0"/>
-          </a:p>
-          <a:p>
-            <a:pPr rtl="0"/>
-            <a:endParaRPr lang="en-GB" dirty="0"/>
-          </a:p>
-          <a:p>
-            <a:pPr marL="0" indent="0" rtl="0">
-              <a:buNone/>
-            </a:pPr>
-            <a:endParaRPr lang="en-GB" dirty="0"/>
-          </a:p>
-          <a:p>
-            <a:pPr rtl="0"/>
-            <a:endParaRPr lang="en-GB" dirty="0"/>
-          </a:p>
-        </p:txBody>
-      </p:sp>
-      <p:sp>
-        <p:nvSpPr>
-          <p:cNvPr id="4" name="Text Placeholder 3">
-            <a:extLst>
-              <a:ext uri="{FF2B5EF4-FFF2-40B4-BE49-F238E27FC236}">
-                <a16:creationId xmlns:a16="http://schemas.microsoft.com/office/drawing/2014/main" id="{6AF03CC0-7DA0-ED4F-B612-580E138D588A}"/>
-              </a:ext>
-            </a:extLst>
-          </p:cNvPr>
-          <p:cNvSpPr>
-            <a:spLocks noGrp="1"/>
-          </p:cNvSpPr>
-          <p:nvPr>
-            <p:ph type="body" idx="10"/>
-          </p:nvPr>
-        </p:nvSpPr>
-        <p:spPr>
-          <a:xfrm>
-            <a:off x="6400801" y="2300984"/>
-            <a:ext cx="4764829" cy="404216"/>
-          </a:xfrm>
-        </p:spPr>
-        <p:txBody>
-          <a:bodyPr rtlCol="0"/>
-          <a:lstStyle/>
-          <a:p>
-            <a:pPr rtl="0"/>
-            <a:r>
-              <a:rPr lang="en-GB" dirty="0"/>
-              <a:t>BUSINESS OBJECTIVES </a:t>
-            </a:r>
-          </a:p>
-        </p:txBody>
-      </p:sp>
-      <p:sp>
-        <p:nvSpPr>
-          <p:cNvPr id="6" name="Content Placeholder 5">
-            <a:extLst>
-              <a:ext uri="{FF2B5EF4-FFF2-40B4-BE49-F238E27FC236}">
-                <a16:creationId xmlns:a16="http://schemas.microsoft.com/office/drawing/2014/main" id="{B7D8EEE0-6E1C-9F47-936F-25FCC2FC368C}"/>
-              </a:ext>
-            </a:extLst>
-          </p:cNvPr>
-          <p:cNvSpPr>
-            <a:spLocks noGrp="1"/>
-          </p:cNvSpPr>
-          <p:nvPr>
-            <p:ph sz="half" idx="13"/>
-          </p:nvPr>
-        </p:nvSpPr>
-        <p:spPr>
-          <a:xfrm>
-            <a:off x="6400801" y="2705200"/>
-            <a:ext cx="4264089" cy="2855846"/>
-          </a:xfrm>
-        </p:spPr>
-        <p:txBody>
-          <a:bodyPr rtlCol="0">
-            <a:normAutofit fontScale="85000" lnSpcReduction="10000"/>
-          </a:bodyPr>
-          <a:lstStyle/>
-          <a:p>
-            <a:r>
-              <a:rPr lang="en-US" dirty="0"/>
-              <a:t>Customer feedback will be implemented in the future to  help improve the application</a:t>
-            </a:r>
-          </a:p>
-          <a:p>
-            <a:pPr rtl="0"/>
-            <a:r>
-              <a:rPr lang="en-US" dirty="0"/>
-              <a:t>The project must be cost effective without sacrificing quality or functionality</a:t>
-            </a:r>
-          </a:p>
-          <a:p>
-            <a:pPr rtl="0"/>
-            <a:r>
-              <a:rPr lang="en-US" dirty="0"/>
-              <a:t>The application should comply with relevant regulations regarding safeguarding, user data and security</a:t>
-            </a:r>
-          </a:p>
-          <a:p>
-            <a:r>
-              <a:rPr lang="en-GB" dirty="0"/>
-              <a:t>There should be security measures within the application to protect the users sensitive data and the user’s system</a:t>
-            </a:r>
-          </a:p>
-          <a:p>
-            <a:r>
-              <a:rPr lang="en-GB" dirty="0"/>
-              <a:t>The application should be able to handle big workloads without any effects on the performance</a:t>
-            </a:r>
-          </a:p>
-          <a:p>
-            <a:endParaRPr lang="en-GB" dirty="0"/>
-          </a:p>
-          <a:p>
-            <a:pPr rtl="0"/>
-            <a:endParaRPr lang="en-GB" dirty="0"/>
-          </a:p>
-        </p:txBody>
-      </p:sp>
-      <p:sp>
-        <p:nvSpPr>
-          <p:cNvPr id="9" name="Slide Number Placeholder 8">
-            <a:extLst>
-              <a:ext uri="{FF2B5EF4-FFF2-40B4-BE49-F238E27FC236}">
-                <a16:creationId xmlns:a16="http://schemas.microsoft.com/office/drawing/2014/main" id="{9A5802D8-6C81-6C4F-97CF-C1F2344EE894}"/>
-              </a:ext>
-            </a:extLst>
-          </p:cNvPr>
-          <p:cNvSpPr>
-            <a:spLocks noGrp="1"/>
-          </p:cNvSpPr>
-          <p:nvPr>
-            <p:ph type="sldNum" sz="quarter" idx="16"/>
-          </p:nvPr>
-        </p:nvSpPr>
-        <p:spPr>
-          <a:xfrm>
-            <a:off x="971550" y="6332220"/>
-            <a:ext cx="523240" cy="247651"/>
-          </a:xfrm>
-        </p:spPr>
-        <p:txBody>
-          <a:bodyPr rtlCol="0"/>
-          <a:lstStyle/>
-          <a:p>
-            <a:pPr algn="l" rtl="0"/>
-            <a:fld id="{294A09A9-5501-47C1-A89A-A340965A2BE2}" type="slidenum">
-              <a:rPr lang="en-GB" smtClean="0"/>
-              <a:pPr algn="l" rtl="0"/>
-              <a:t>12</a:t>
-            </a:fld>
-            <a:endParaRPr lang="en-GB"/>
-          </a:p>
-        </p:txBody>
-      </p:sp>
-      <p:sp>
-        <p:nvSpPr>
-          <p:cNvPr id="8" name="Footer Placeholder 7">
-            <a:extLst>
-              <a:ext uri="{FF2B5EF4-FFF2-40B4-BE49-F238E27FC236}">
-                <a16:creationId xmlns:a16="http://schemas.microsoft.com/office/drawing/2014/main" id="{2A659727-BBB9-9B49-BCA1-694F74F717C4}"/>
-              </a:ext>
-            </a:extLst>
-          </p:cNvPr>
-          <p:cNvSpPr>
-            <a:spLocks noGrp="1"/>
-          </p:cNvSpPr>
-          <p:nvPr>
-            <p:ph type="ftr" sz="quarter" idx="15"/>
-          </p:nvPr>
-        </p:nvSpPr>
-        <p:spPr>
-          <a:xfrm>
-            <a:off x="1494790" y="6332220"/>
-            <a:ext cx="1497330" cy="247651"/>
-          </a:xfrm>
-        </p:spPr>
-        <p:txBody>
-          <a:bodyPr rtlCol="0"/>
-          <a:lstStyle/>
-          <a:p>
-            <a:pPr rtl="0"/>
-            <a:r>
-              <a:rPr lang="en-GB" dirty="0"/>
-              <a:t>Photo </a:t>
-            </a:r>
-            <a:r>
-              <a:rPr lang="en-GB" dirty="0" err="1"/>
-              <a:t>Deduplicator</a:t>
-            </a:r>
-            <a:endParaRPr lang="en-GB" sz="1100" dirty="0"/>
-          </a:p>
-        </p:txBody>
-      </p:sp>
-      <p:sp>
-        <p:nvSpPr>
-          <p:cNvPr id="7" name="Date Placeholder 6">
-            <a:extLst>
-              <a:ext uri="{FF2B5EF4-FFF2-40B4-BE49-F238E27FC236}">
-                <a16:creationId xmlns:a16="http://schemas.microsoft.com/office/drawing/2014/main" id="{99E44123-0AF5-4A4C-B0C7-BB7409DE8161}"/>
-              </a:ext>
-            </a:extLst>
-          </p:cNvPr>
-          <p:cNvSpPr>
-            <a:spLocks noGrp="1"/>
-          </p:cNvSpPr>
-          <p:nvPr>
-            <p:ph type="dt" sz="half" idx="14"/>
-          </p:nvPr>
-        </p:nvSpPr>
-        <p:spPr>
-          <a:xfrm>
-            <a:off x="2992120" y="6332220"/>
-            <a:ext cx="1313180" cy="247651"/>
-          </a:xfrm>
-        </p:spPr>
-        <p:txBody>
-          <a:bodyPr rtlCol="0"/>
-          <a:lstStyle/>
-          <a:p>
-            <a:pPr rtl="0"/>
-            <a:fld id="{EBA62EA1-C702-4416-8680-A16A96D7FAF5}" type="datetime3">
-              <a:rPr lang="en-GB" sz="1100" smtClean="0"/>
-              <a:t>19 June, 2024</a:t>
-            </a:fld>
-            <a:endParaRPr lang="en-GB" sz="1100"/>
-          </a:p>
-        </p:txBody>
-      </p:sp>
-    </p:spTree>
-    <p:extLst>
-      <p:ext uri="{BB962C8B-B14F-4D97-AF65-F5344CB8AC3E}">
-        <p14:creationId xmlns:p14="http://schemas.microsoft.com/office/powerpoint/2010/main" val="767675903"/>
+        <p14:creationId xmlns:p14="http://schemas.microsoft.com/office/powerpoint/2010/main" val="4057102913"/>
       </p:ext>
     </p:extLst>
   </p:cSld>
@@ -17356,6 +17864,1066 @@
       </p:grpSpPr>
       <p:sp>
         <p:nvSpPr>
+          <p:cNvPr id="2" name="Title 1">
+            <a:extLst>
+              <a:ext uri="{FF2B5EF4-FFF2-40B4-BE49-F238E27FC236}">
+                <a16:creationId xmlns:a16="http://schemas.microsoft.com/office/drawing/2014/main" id="{68F0FA04-6227-9040-92A6-9514A59B8E7B}"/>
+              </a:ext>
+            </a:extLst>
+          </p:cNvPr>
+          <p:cNvSpPr>
+            <a:spLocks noGrp="1"/>
+          </p:cNvSpPr>
+          <p:nvPr>
+            <p:ph type="title"/>
+          </p:nvPr>
+        </p:nvSpPr>
+        <p:spPr/>
+        <p:txBody>
+          <a:bodyPr rtlCol="0"/>
+          <a:lstStyle/>
+          <a:p>
+            <a:pPr rtl="0"/>
+            <a:r>
+              <a:rPr lang="en-US" dirty="0"/>
+              <a:t>COMMITMENTS</a:t>
+            </a:r>
+            <a:endParaRPr lang="en-GB" dirty="0"/>
+          </a:p>
+        </p:txBody>
+      </p:sp>
+      <p:sp>
+        <p:nvSpPr>
+          <p:cNvPr id="3" name="Text Placeholder 2">
+            <a:extLst>
+              <a:ext uri="{FF2B5EF4-FFF2-40B4-BE49-F238E27FC236}">
+                <a16:creationId xmlns:a16="http://schemas.microsoft.com/office/drawing/2014/main" id="{9CD657E5-4675-E84E-840E-4F6D4868C5A9}"/>
+              </a:ext>
+            </a:extLst>
+          </p:cNvPr>
+          <p:cNvSpPr>
+            <a:spLocks noGrp="1"/>
+          </p:cNvSpPr>
+          <p:nvPr>
+            <p:ph type="body" idx="1"/>
+          </p:nvPr>
+        </p:nvSpPr>
+        <p:spPr/>
+        <p:txBody>
+          <a:bodyPr rtlCol="0"/>
+          <a:lstStyle/>
+          <a:p>
+            <a:pPr rtl="0"/>
+            <a:r>
+              <a:rPr lang="en-GB" dirty="0"/>
+              <a:t>FEATURES </a:t>
+            </a:r>
+          </a:p>
+        </p:txBody>
+      </p:sp>
+      <p:sp>
+        <p:nvSpPr>
+          <p:cNvPr id="5" name="Content Placeholder 4">
+            <a:extLst>
+              <a:ext uri="{FF2B5EF4-FFF2-40B4-BE49-F238E27FC236}">
+                <a16:creationId xmlns:a16="http://schemas.microsoft.com/office/drawing/2014/main" id="{0B4B9306-DDC0-AD4F-A9C2-739C6AEB0172}"/>
+              </a:ext>
+            </a:extLst>
+          </p:cNvPr>
+          <p:cNvSpPr>
+            <a:spLocks noGrp="1"/>
+          </p:cNvSpPr>
+          <p:nvPr>
+            <p:ph sz="half" idx="2"/>
+          </p:nvPr>
+        </p:nvSpPr>
+        <p:spPr>
+          <a:xfrm>
+            <a:off x="964024" y="2745823"/>
+            <a:ext cx="5131977" cy="2774600"/>
+          </a:xfrm>
+        </p:spPr>
+        <p:txBody>
+          <a:bodyPr rtlCol="0">
+            <a:normAutofit lnSpcReduction="10000"/>
+          </a:bodyPr>
+          <a:lstStyle/>
+          <a:p>
+            <a:pPr rtl="0"/>
+            <a:r>
+              <a:rPr lang="en-GB" dirty="0"/>
+              <a:t>Application has cross-platform compatibility- can be used with various operating systems Windows and macOS</a:t>
+            </a:r>
+          </a:p>
+          <a:p>
+            <a:r>
+              <a:rPr lang="en-GB" dirty="0"/>
+              <a:t>The application supports a wide range of formats such as .</a:t>
+            </a:r>
+            <a:r>
+              <a:rPr lang="en-GB" dirty="0" err="1"/>
+              <a:t>png</a:t>
+            </a:r>
+            <a:r>
+              <a:rPr lang="en-GB" dirty="0"/>
+              <a:t> , .jpeg  and .gif. It recognises all formats and is able to spot duplicates within a folder</a:t>
+            </a:r>
+          </a:p>
+          <a:p>
+            <a:r>
+              <a:rPr lang="en-GB" dirty="0"/>
+              <a:t>It has a friendly interface that is easy to understand no matter the skillset of the user. </a:t>
+            </a:r>
+          </a:p>
+          <a:p>
+            <a:pPr rtl="0"/>
+            <a:r>
+              <a:rPr lang="en-US" dirty="0"/>
+              <a:t>It will end up saving storage space as duplicate files can be deleted, freeing up storage space.</a:t>
+            </a:r>
+          </a:p>
+          <a:p>
+            <a:endParaRPr lang="en-US" dirty="0"/>
+          </a:p>
+          <a:p>
+            <a:pPr rtl="0"/>
+            <a:endParaRPr lang="en-GB" dirty="0"/>
+          </a:p>
+          <a:p>
+            <a:pPr marL="0" indent="0" rtl="0">
+              <a:buNone/>
+            </a:pPr>
+            <a:endParaRPr lang="en-GB" dirty="0"/>
+          </a:p>
+          <a:p>
+            <a:pPr rtl="0"/>
+            <a:endParaRPr lang="en-GB" dirty="0"/>
+          </a:p>
+        </p:txBody>
+      </p:sp>
+      <p:sp>
+        <p:nvSpPr>
+          <p:cNvPr id="4" name="Text Placeholder 3">
+            <a:extLst>
+              <a:ext uri="{FF2B5EF4-FFF2-40B4-BE49-F238E27FC236}">
+                <a16:creationId xmlns:a16="http://schemas.microsoft.com/office/drawing/2014/main" id="{6AF03CC0-7DA0-ED4F-B612-580E138D588A}"/>
+              </a:ext>
+            </a:extLst>
+          </p:cNvPr>
+          <p:cNvSpPr>
+            <a:spLocks noGrp="1"/>
+          </p:cNvSpPr>
+          <p:nvPr>
+            <p:ph type="body" idx="10"/>
+          </p:nvPr>
+        </p:nvSpPr>
+        <p:spPr>
+          <a:xfrm>
+            <a:off x="6400801" y="2300984"/>
+            <a:ext cx="4764829" cy="404216"/>
+          </a:xfrm>
+        </p:spPr>
+        <p:txBody>
+          <a:bodyPr rtlCol="0"/>
+          <a:lstStyle/>
+          <a:p>
+            <a:pPr rtl="0"/>
+            <a:r>
+              <a:rPr lang="en-GB" dirty="0"/>
+              <a:t>BUSINESS OBJECTIVES </a:t>
+            </a:r>
+          </a:p>
+        </p:txBody>
+      </p:sp>
+      <p:sp>
+        <p:nvSpPr>
+          <p:cNvPr id="6" name="Content Placeholder 5">
+            <a:extLst>
+              <a:ext uri="{FF2B5EF4-FFF2-40B4-BE49-F238E27FC236}">
+                <a16:creationId xmlns:a16="http://schemas.microsoft.com/office/drawing/2014/main" id="{B7D8EEE0-6E1C-9F47-936F-25FCC2FC368C}"/>
+              </a:ext>
+            </a:extLst>
+          </p:cNvPr>
+          <p:cNvSpPr>
+            <a:spLocks noGrp="1"/>
+          </p:cNvSpPr>
+          <p:nvPr>
+            <p:ph sz="half" idx="13"/>
+          </p:nvPr>
+        </p:nvSpPr>
+        <p:spPr>
+          <a:xfrm>
+            <a:off x="6400801" y="2705200"/>
+            <a:ext cx="4264089" cy="2855846"/>
+          </a:xfrm>
+        </p:spPr>
+        <p:txBody>
+          <a:bodyPr rtlCol="0">
+            <a:normAutofit fontScale="92500" lnSpcReduction="10000"/>
+          </a:bodyPr>
+          <a:lstStyle/>
+          <a:p>
+            <a:pPr rtl="0"/>
+            <a:r>
+              <a:rPr lang="en-US" dirty="0"/>
+              <a:t>The project must be cost effective without sacrificing quality or functionality</a:t>
+            </a:r>
+          </a:p>
+          <a:p>
+            <a:pPr rtl="0"/>
+            <a:r>
+              <a:rPr lang="en-US" dirty="0"/>
+              <a:t>The application must comply with relevant regulations regarding safeguarding, user data and security</a:t>
+            </a:r>
+          </a:p>
+          <a:p>
+            <a:r>
+              <a:rPr lang="en-GB" dirty="0"/>
+              <a:t>There should be security measures within the application to protect the users sensitive data and the user’s system</a:t>
+            </a:r>
+          </a:p>
+          <a:p>
+            <a:r>
+              <a:rPr lang="en-GB" dirty="0"/>
+              <a:t>The application should be able to handle big workloads without any effects on the performance</a:t>
+            </a:r>
+          </a:p>
+          <a:p>
+            <a:endParaRPr lang="en-GB" dirty="0"/>
+          </a:p>
+          <a:p>
+            <a:endParaRPr lang="en-GB" dirty="0"/>
+          </a:p>
+          <a:p>
+            <a:pPr rtl="0"/>
+            <a:endParaRPr lang="en-GB" dirty="0"/>
+          </a:p>
+        </p:txBody>
+      </p:sp>
+      <p:sp>
+        <p:nvSpPr>
+          <p:cNvPr id="9" name="Slide Number Placeholder 8">
+            <a:extLst>
+              <a:ext uri="{FF2B5EF4-FFF2-40B4-BE49-F238E27FC236}">
+                <a16:creationId xmlns:a16="http://schemas.microsoft.com/office/drawing/2014/main" id="{9A5802D8-6C81-6C4F-97CF-C1F2344EE894}"/>
+              </a:ext>
+            </a:extLst>
+          </p:cNvPr>
+          <p:cNvSpPr>
+            <a:spLocks noGrp="1"/>
+          </p:cNvSpPr>
+          <p:nvPr>
+            <p:ph type="sldNum" sz="quarter" idx="16"/>
+          </p:nvPr>
+        </p:nvSpPr>
+        <p:spPr>
+          <a:xfrm>
+            <a:off x="971550" y="6332220"/>
+            <a:ext cx="523240" cy="247651"/>
+          </a:xfrm>
+        </p:spPr>
+        <p:txBody>
+          <a:bodyPr rtlCol="0"/>
+          <a:lstStyle/>
+          <a:p>
+            <a:pPr algn="l" rtl="0"/>
+            <a:fld id="{294A09A9-5501-47C1-A89A-A340965A2BE2}" type="slidenum">
+              <a:rPr lang="en-GB" smtClean="0"/>
+              <a:pPr algn="l" rtl="0"/>
+              <a:t>13</a:t>
+            </a:fld>
+            <a:endParaRPr lang="en-GB"/>
+          </a:p>
+        </p:txBody>
+      </p:sp>
+      <p:sp>
+        <p:nvSpPr>
+          <p:cNvPr id="8" name="Footer Placeholder 7">
+            <a:extLst>
+              <a:ext uri="{FF2B5EF4-FFF2-40B4-BE49-F238E27FC236}">
+                <a16:creationId xmlns:a16="http://schemas.microsoft.com/office/drawing/2014/main" id="{2A659727-BBB9-9B49-BCA1-694F74F717C4}"/>
+              </a:ext>
+            </a:extLst>
+          </p:cNvPr>
+          <p:cNvSpPr>
+            <a:spLocks noGrp="1"/>
+          </p:cNvSpPr>
+          <p:nvPr>
+            <p:ph type="ftr" sz="quarter" idx="15"/>
+          </p:nvPr>
+        </p:nvSpPr>
+        <p:spPr>
+          <a:xfrm>
+            <a:off x="1494790" y="6332220"/>
+            <a:ext cx="1497330" cy="247651"/>
+          </a:xfrm>
+        </p:spPr>
+        <p:txBody>
+          <a:bodyPr rtlCol="0"/>
+          <a:lstStyle/>
+          <a:p>
+            <a:pPr rtl="0"/>
+            <a:r>
+              <a:rPr lang="en-GB" dirty="0"/>
+              <a:t>Photo </a:t>
+            </a:r>
+            <a:r>
+              <a:rPr lang="en-GB" dirty="0" err="1"/>
+              <a:t>Deduplicator</a:t>
+            </a:r>
+            <a:endParaRPr lang="en-GB" sz="1100" dirty="0"/>
+          </a:p>
+        </p:txBody>
+      </p:sp>
+      <p:sp>
+        <p:nvSpPr>
+          <p:cNvPr id="7" name="Date Placeholder 6">
+            <a:extLst>
+              <a:ext uri="{FF2B5EF4-FFF2-40B4-BE49-F238E27FC236}">
+                <a16:creationId xmlns:a16="http://schemas.microsoft.com/office/drawing/2014/main" id="{99E44123-0AF5-4A4C-B0C7-BB7409DE8161}"/>
+              </a:ext>
+            </a:extLst>
+          </p:cNvPr>
+          <p:cNvSpPr>
+            <a:spLocks noGrp="1"/>
+          </p:cNvSpPr>
+          <p:nvPr>
+            <p:ph type="dt" sz="half" idx="14"/>
+          </p:nvPr>
+        </p:nvSpPr>
+        <p:spPr>
+          <a:xfrm>
+            <a:off x="2992120" y="6332220"/>
+            <a:ext cx="1313180" cy="247651"/>
+          </a:xfrm>
+        </p:spPr>
+        <p:txBody>
+          <a:bodyPr rtlCol="0"/>
+          <a:lstStyle/>
+          <a:p>
+            <a:pPr rtl="0"/>
+            <a:fld id="{EBA62EA1-C702-4416-8680-A16A96D7FAF5}" type="datetime3">
+              <a:rPr lang="en-GB" sz="1100" smtClean="0"/>
+              <a:t>20 June, 2024</a:t>
+            </a:fld>
+            <a:endParaRPr lang="en-GB" sz="1100"/>
+          </a:p>
+        </p:txBody>
+      </p:sp>
+    </p:spTree>
+    <p:extLst>
+      <p:ext uri="{BB962C8B-B14F-4D97-AF65-F5344CB8AC3E}">
+        <p14:creationId xmlns:p14="http://schemas.microsoft.com/office/powerpoint/2010/main" val="767675903"/>
+      </p:ext>
+    </p:extLst>
+  </p:cSld>
+  <p:clrMapOvr>
+    <a:masterClrMapping/>
+  </p:clrMapOvr>
+</p:sld>
+</file>
+
+<file path=ppt/slides/slide14.xml><?xml version="1.0" encoding="utf-8"?>
+<p:sld xmlns:a="http://schemas.openxmlformats.org/drawingml/2006/main" xmlns:r="http://schemas.openxmlformats.org/officeDocument/2006/relationships" xmlns:p="http://schemas.openxmlformats.org/presentationml/2006/main">
+  <p:cSld>
+    <p:spTree>
+      <p:nvGrpSpPr>
+        <p:cNvPr id="1" name=""/>
+        <p:cNvGrpSpPr/>
+        <p:nvPr/>
+      </p:nvGrpSpPr>
+      <p:grpSpPr>
+        <a:xfrm>
+          <a:off x="0" y="0"/>
+          <a:ext cx="0" cy="0"/>
+          <a:chOff x="0" y="0"/>
+          <a:chExt cx="0" cy="0"/>
+        </a:xfrm>
+      </p:grpSpPr>
+      <p:sp>
+        <p:nvSpPr>
+          <p:cNvPr id="2" name="Title 1">
+            <a:extLst>
+              <a:ext uri="{FF2B5EF4-FFF2-40B4-BE49-F238E27FC236}">
+                <a16:creationId xmlns:a16="http://schemas.microsoft.com/office/drawing/2014/main" id="{B03B9F2B-80CD-53FB-1F9A-F2BADD00539C}"/>
+              </a:ext>
+            </a:extLst>
+          </p:cNvPr>
+          <p:cNvSpPr>
+            <a:spLocks noGrp="1"/>
+          </p:cNvSpPr>
+          <p:nvPr>
+            <p:ph type="title"/>
+          </p:nvPr>
+        </p:nvSpPr>
+        <p:spPr>
+          <a:xfrm>
+            <a:off x="932665" y="355548"/>
+            <a:ext cx="5350448" cy="815914"/>
+          </a:xfrm>
+        </p:spPr>
+        <p:txBody>
+          <a:bodyPr>
+            <a:normAutofit/>
+          </a:bodyPr>
+          <a:lstStyle/>
+          <a:p>
+            <a:r>
+              <a:rPr lang="en-US" dirty="0"/>
+              <a:t>Future Features </a:t>
+            </a:r>
+            <a:endParaRPr lang="en-GB" dirty="0"/>
+          </a:p>
+        </p:txBody>
+      </p:sp>
+      <p:sp>
+        <p:nvSpPr>
+          <p:cNvPr id="22" name="Rectangle 1">
+            <a:extLst>
+              <a:ext uri="{FF2B5EF4-FFF2-40B4-BE49-F238E27FC236}">
+                <a16:creationId xmlns:a16="http://schemas.microsoft.com/office/drawing/2014/main" id="{92A3B2F9-7A18-BAFB-E335-A0F84F33DB00}"/>
+              </a:ext>
+            </a:extLst>
+          </p:cNvPr>
+          <p:cNvSpPr>
+            <a:spLocks noGrp="1" noChangeArrowheads="1"/>
+          </p:cNvSpPr>
+          <p:nvPr>
+            <p:ph type="body" idx="1"/>
+          </p:nvPr>
+        </p:nvSpPr>
+        <p:spPr bwMode="auto">
+          <a:xfrm>
+            <a:off x="801122" y="1472614"/>
+            <a:ext cx="3021918" cy="369332"/>
+          </a:xfrm>
+          <a:prstGeom prst="rect">
+            <a:avLst/>
+          </a:prstGeom>
+          <a:noFill/>
+          <a:ln>
+            <a:noFill/>
+          </a:ln>
+          <a:effectLst/>
+          <a:extLst>
+            <a:ext uri="{909E8E84-426E-40DD-AFC4-6F175D3DCCD1}">
+              <a14:hiddenFill xmlns:a14="http://schemas.microsoft.com/office/drawing/2010/main">
+                <a:solidFill>
+                  <a:schemeClr val="accent1"/>
+                </a:solidFill>
+              </a14:hiddenFill>
+            </a:ext>
+            <a:ext uri="{91240B29-F687-4F45-9708-019B960494DF}">
+              <a14:hiddenLine xmlns:a14="http://schemas.microsoft.com/office/drawing/2010/main" w="9525">
+                <a:solidFill>
+                  <a:schemeClr val="tx1"/>
+                </a:solidFill>
+                <a:miter lim="800000"/>
+                <a:headEnd/>
+                <a:tailEnd/>
+              </a14:hiddenLine>
+            </a:ext>
+            <a:ext uri="{AF507438-7753-43E0-B8FC-AC1667EBCBE1}">
+              <a14:hiddenEffects xmlns:a14="http://schemas.microsoft.com/office/drawing/2010/main">
+                <a:effectLst>
+                  <a:outerShdw dist="35921" dir="2700000" algn="ctr" rotWithShape="0">
+                    <a:schemeClr val="bg2"/>
+                  </a:outerShdw>
+                </a:effectLst>
+              </a14:hiddenEffects>
+            </a:ext>
+          </a:extLst>
+        </p:spPr>
+        <p:txBody>
+          <a:bodyPr vert="horz" wrap="none" lIns="91440" tIns="45720" rIns="91440" bIns="45720" numCol="1" anchor="ctr" anchorCtr="0" compatLnSpc="1">
+            <a:prstTxWarp prst="textNoShape">
+              <a:avLst/>
+            </a:prstTxWarp>
+            <a:spAutoFit/>
+          </a:bodyPr>
+          <a:lstStyle/>
+          <a:p>
+            <a:pPr marL="0" marR="0" lvl="0" indent="0" algn="l" defTabSz="914400" rtl="0" eaLnBrk="0" fontAlgn="base" latinLnBrk="0" hangingPunct="0">
+              <a:lnSpc>
+                <a:spcPct val="100000"/>
+              </a:lnSpc>
+              <a:spcBef>
+                <a:spcPct val="0"/>
+              </a:spcBef>
+              <a:spcAft>
+                <a:spcPct val="0"/>
+              </a:spcAft>
+              <a:buClrTx/>
+              <a:buSzTx/>
+              <a:tabLst/>
+            </a:pPr>
+            <a:r>
+              <a:rPr lang="en-GB" dirty="0"/>
+              <a:t>Advanced Image Algorithms</a:t>
+            </a:r>
+            <a:endParaRPr kumimoji="0" lang="en-US" altLang="en-US" b="0" i="0" u="none" strike="noStrike" cap="none" normalizeH="0" baseline="0" dirty="0">
+              <a:ln>
+                <a:noFill/>
+              </a:ln>
+              <a:solidFill>
+                <a:schemeClr val="tx1"/>
+              </a:solidFill>
+              <a:effectLst/>
+              <a:latin typeface="Arial" panose="020B0604020202020204" pitchFamily="34" charset="0"/>
+            </a:endParaRPr>
+          </a:p>
+        </p:txBody>
+      </p:sp>
+      <p:sp>
+        <p:nvSpPr>
+          <p:cNvPr id="13" name="Text Placeholder 12">
+            <a:extLst>
+              <a:ext uri="{FF2B5EF4-FFF2-40B4-BE49-F238E27FC236}">
+                <a16:creationId xmlns:a16="http://schemas.microsoft.com/office/drawing/2014/main" id="{221E0924-629F-5D3A-1E14-A2A5CD5A6F95}"/>
+              </a:ext>
+            </a:extLst>
+          </p:cNvPr>
+          <p:cNvSpPr>
+            <a:spLocks noGrp="1"/>
+          </p:cNvSpPr>
+          <p:nvPr>
+            <p:ph sz="half" idx="2"/>
+          </p:nvPr>
+        </p:nvSpPr>
+        <p:spPr>
+          <a:xfrm>
+            <a:off x="932665" y="2048770"/>
+            <a:ext cx="3036477" cy="1942138"/>
+          </a:xfrm>
+        </p:spPr>
+        <p:txBody>
+          <a:bodyPr>
+            <a:normAutofit/>
+          </a:bodyPr>
+          <a:lstStyle/>
+          <a:p>
+            <a:pPr marL="0" indent="0">
+              <a:buNone/>
+            </a:pPr>
+            <a:r>
+              <a:rPr lang="en-US" sz="1400" dirty="0"/>
+              <a:t>Add techniques like Difference Hash (</a:t>
+            </a:r>
+            <a:r>
+              <a:rPr lang="en-US" sz="1400" dirty="0" err="1"/>
+              <a:t>dHash</a:t>
+            </a:r>
+            <a:r>
+              <a:rPr lang="en-US" sz="1400" dirty="0"/>
+              <a:t>) and Wavelet Hash (</a:t>
+            </a:r>
+            <a:r>
+              <a:rPr lang="en-US" sz="1400" dirty="0" err="1"/>
+              <a:t>wHash</a:t>
+            </a:r>
+            <a:r>
+              <a:rPr lang="en-US" sz="1400" dirty="0"/>
+              <a:t>) to improve the accuracy of finding duplicate images,  especially for images that have been cropped or rotated.</a:t>
+            </a:r>
+            <a:endParaRPr lang="en-GB" sz="1400" dirty="0"/>
+          </a:p>
+        </p:txBody>
+      </p:sp>
+      <p:sp>
+        <p:nvSpPr>
+          <p:cNvPr id="24" name="Text Placeholder 23">
+            <a:extLst>
+              <a:ext uri="{FF2B5EF4-FFF2-40B4-BE49-F238E27FC236}">
+                <a16:creationId xmlns:a16="http://schemas.microsoft.com/office/drawing/2014/main" id="{75663A88-E4ED-2520-DB0D-8B5A2CE7B539}"/>
+              </a:ext>
+            </a:extLst>
+          </p:cNvPr>
+          <p:cNvSpPr>
+            <a:spLocks noGrp="1"/>
+          </p:cNvSpPr>
+          <p:nvPr>
+            <p:ph type="body" idx="10"/>
+          </p:nvPr>
+        </p:nvSpPr>
+        <p:spPr>
+          <a:xfrm>
+            <a:off x="4547828" y="1604413"/>
+            <a:ext cx="3096344" cy="404216"/>
+          </a:xfrm>
+        </p:spPr>
+        <p:txBody>
+          <a:bodyPr>
+            <a:normAutofit/>
+          </a:bodyPr>
+          <a:lstStyle/>
+          <a:p>
+            <a:r>
+              <a:rPr lang="en-GB" dirty="0"/>
+              <a:t>Batch Processing</a:t>
+            </a:r>
+          </a:p>
+        </p:txBody>
+      </p:sp>
+      <p:sp>
+        <p:nvSpPr>
+          <p:cNvPr id="30" name="Content Placeholder 29">
+            <a:extLst>
+              <a:ext uri="{FF2B5EF4-FFF2-40B4-BE49-F238E27FC236}">
+                <a16:creationId xmlns:a16="http://schemas.microsoft.com/office/drawing/2014/main" id="{FF092125-B1B6-9B15-A6ED-2D7A969A2D21}"/>
+              </a:ext>
+            </a:extLst>
+          </p:cNvPr>
+          <p:cNvSpPr>
+            <a:spLocks noGrp="1"/>
+          </p:cNvSpPr>
+          <p:nvPr>
+            <p:ph sz="half" idx="11"/>
+          </p:nvPr>
+        </p:nvSpPr>
+        <p:spPr>
+          <a:xfrm>
+            <a:off x="4547829" y="2062283"/>
+            <a:ext cx="2772308" cy="3479419"/>
+          </a:xfrm>
+        </p:spPr>
+        <p:txBody>
+          <a:bodyPr>
+            <a:normAutofit/>
+          </a:bodyPr>
+          <a:lstStyle/>
+          <a:p>
+            <a:pPr marL="0" indent="0">
+              <a:buNone/>
+            </a:pPr>
+            <a:r>
+              <a:rPr lang="en-US" sz="1400" dirty="0"/>
+              <a:t>Introduce batch processing, this would allow users to select multiple folders or drives, and the program would scan all of them at the same time to find duplicate images.</a:t>
+            </a:r>
+            <a:br>
+              <a:rPr lang="en-US" sz="1400" dirty="0"/>
+            </a:br>
+            <a:br>
+              <a:rPr lang="en-US" sz="1400" dirty="0"/>
+            </a:br>
+            <a:r>
+              <a:rPr lang="en-US" sz="1400" b="1" u="sng" dirty="0">
+                <a:solidFill>
+                  <a:schemeClr val="tx2">
+                    <a:lumMod val="60000"/>
+                    <a:lumOff val="40000"/>
+                  </a:schemeClr>
+                </a:solidFill>
+              </a:rPr>
+              <a:t>Skills Required</a:t>
+            </a:r>
+            <a:r>
+              <a:rPr lang="en-US" sz="1400" b="1" u="sng" dirty="0">
+                <a:solidFill>
+                  <a:schemeClr val="tx2">
+                    <a:lumMod val="60000"/>
+                    <a:lumOff val="40000"/>
+                  </a:schemeClr>
+                </a:solidFill>
+                <a:sym typeface="Wingdings" panose="05000000000000000000" pitchFamily="2" charset="2"/>
+              </a:rPr>
+              <a:t>: </a:t>
+            </a:r>
+            <a:br>
+              <a:rPr lang="en-US" sz="1400" b="1" u="sng" dirty="0">
+                <a:solidFill>
+                  <a:schemeClr val="tx2">
+                    <a:lumMod val="60000"/>
+                    <a:lumOff val="40000"/>
+                  </a:schemeClr>
+                </a:solidFill>
+              </a:rPr>
+            </a:br>
+            <a:r>
+              <a:rPr lang="en-US" sz="1400" dirty="0"/>
+              <a:t>Knowledge of Python directories like : </a:t>
+            </a:r>
+            <a:r>
+              <a:rPr lang="en-US" sz="1400" dirty="0" err="1"/>
+              <a:t>os.walk</a:t>
+            </a:r>
+            <a:r>
+              <a:rPr lang="en-US" sz="1400" dirty="0"/>
+              <a:t>, </a:t>
+            </a:r>
+            <a:r>
+              <a:rPr lang="en-US" sz="1400" dirty="0" err="1"/>
+              <a:t>os.listdir</a:t>
+            </a:r>
+            <a:r>
+              <a:rPr lang="en-US" sz="1400" dirty="0"/>
+              <a:t>.</a:t>
+            </a:r>
+            <a:br>
+              <a:rPr lang="en-US" sz="1400" dirty="0"/>
+            </a:br>
+            <a:r>
+              <a:rPr lang="en-US" sz="1400" dirty="0"/>
+              <a:t>Data structures like lists or queues to store and manage the file paths.</a:t>
+            </a:r>
+            <a:br>
+              <a:rPr lang="en-US" sz="1400" dirty="0"/>
+            </a:br>
+            <a:r>
+              <a:rPr lang="en-US" sz="1400" dirty="0"/>
+              <a:t>UI design to integrate choice in menu. </a:t>
+            </a:r>
+          </a:p>
+          <a:p>
+            <a:pPr marL="0" indent="0">
+              <a:buNone/>
+            </a:pPr>
+            <a:r>
+              <a:rPr lang="en-US" dirty="0"/>
+              <a:t> </a:t>
+            </a:r>
+            <a:endParaRPr lang="en-GB" dirty="0"/>
+          </a:p>
+        </p:txBody>
+      </p:sp>
+      <p:sp>
+        <p:nvSpPr>
+          <p:cNvPr id="29" name="Text Placeholder 28">
+            <a:extLst>
+              <a:ext uri="{FF2B5EF4-FFF2-40B4-BE49-F238E27FC236}">
+                <a16:creationId xmlns:a16="http://schemas.microsoft.com/office/drawing/2014/main" id="{A46C7D11-FFAB-C4F2-BCBA-5947654ABD1B}"/>
+              </a:ext>
+            </a:extLst>
+          </p:cNvPr>
+          <p:cNvSpPr>
+            <a:spLocks noGrp="1"/>
+          </p:cNvSpPr>
+          <p:nvPr>
+            <p:ph type="body" idx="12"/>
+          </p:nvPr>
+        </p:nvSpPr>
+        <p:spPr>
+          <a:xfrm>
+            <a:off x="8184232" y="1639838"/>
+            <a:ext cx="3816424" cy="404216"/>
+          </a:xfrm>
+        </p:spPr>
+        <p:txBody>
+          <a:bodyPr>
+            <a:normAutofit/>
+          </a:bodyPr>
+          <a:lstStyle/>
+          <a:p>
+            <a:r>
+              <a:rPr lang="en-GB" dirty="0"/>
+              <a:t>Customizable Filters and Exclusions</a:t>
+            </a:r>
+          </a:p>
+        </p:txBody>
+      </p:sp>
+      <p:sp>
+        <p:nvSpPr>
+          <p:cNvPr id="31" name="Content Placeholder 30">
+            <a:extLst>
+              <a:ext uri="{FF2B5EF4-FFF2-40B4-BE49-F238E27FC236}">
+                <a16:creationId xmlns:a16="http://schemas.microsoft.com/office/drawing/2014/main" id="{9D30EE78-E955-27DD-BD36-CBFCD45886D8}"/>
+              </a:ext>
+            </a:extLst>
+          </p:cNvPr>
+          <p:cNvSpPr>
+            <a:spLocks noGrp="1"/>
+          </p:cNvSpPr>
+          <p:nvPr>
+            <p:ph sz="half" idx="13"/>
+          </p:nvPr>
+        </p:nvSpPr>
+        <p:spPr>
+          <a:xfrm>
+            <a:off x="8184232" y="2096852"/>
+            <a:ext cx="3036477" cy="2664296"/>
+          </a:xfrm>
+        </p:spPr>
+        <p:txBody>
+          <a:bodyPr>
+            <a:normAutofit lnSpcReduction="10000"/>
+          </a:bodyPr>
+          <a:lstStyle/>
+          <a:p>
+            <a:pPr marL="0" indent="0">
+              <a:buNone/>
+            </a:pPr>
+            <a:r>
+              <a:rPr lang="en-US" sz="1400" dirty="0"/>
+              <a:t>This would allow users to define specific rules to include or exclude certain files from the deduplication process. </a:t>
+            </a:r>
+            <a:br>
+              <a:rPr lang="en-US" sz="1400" dirty="0"/>
+            </a:br>
+            <a:r>
+              <a:rPr lang="en-US" sz="1400" dirty="0"/>
+              <a:t>For example user could exclude file types or files based on their size or date modified.</a:t>
+            </a:r>
+          </a:p>
+          <a:p>
+            <a:pPr marL="0" indent="0">
+              <a:buNone/>
+            </a:pPr>
+            <a:r>
+              <a:rPr lang="en-US" sz="1400" b="1" u="sng" dirty="0">
+                <a:solidFill>
+                  <a:schemeClr val="tx2">
+                    <a:lumMod val="60000"/>
+                    <a:lumOff val="40000"/>
+                  </a:schemeClr>
+                </a:solidFill>
+              </a:rPr>
+              <a:t>Skills Required:</a:t>
+            </a:r>
+            <a:br>
+              <a:rPr lang="en-US" sz="1400" b="1" u="sng" dirty="0">
+                <a:solidFill>
+                  <a:schemeClr val="tx2">
+                    <a:lumMod val="60000"/>
+                    <a:lumOff val="40000"/>
+                  </a:schemeClr>
+                </a:solidFill>
+              </a:rPr>
+            </a:br>
+            <a:r>
+              <a:rPr lang="en-US" sz="1400" dirty="0"/>
+              <a:t>Knowledge of Python.</a:t>
+            </a:r>
+            <a:br>
+              <a:rPr lang="en-US" sz="1400" dirty="0"/>
+            </a:br>
+            <a:r>
+              <a:rPr lang="en-US" sz="1400" dirty="0"/>
+              <a:t>Regular expressions for pattern matching (e.g., re module in Python).</a:t>
+            </a:r>
+            <a:br>
+              <a:rPr lang="en-US" sz="1400" dirty="0"/>
+            </a:br>
+            <a:r>
+              <a:rPr lang="en-US" sz="1400" dirty="0"/>
+              <a:t>File system operations to check file size, creation date, or modification date. </a:t>
+            </a:r>
+            <a:br>
+              <a:rPr lang="en-US" sz="1400" dirty="0"/>
+            </a:br>
+            <a:r>
+              <a:rPr lang="en-US" sz="1400" dirty="0"/>
+              <a:t>UI design to integrate these filters. </a:t>
+            </a:r>
+            <a:endParaRPr lang="en-US" sz="1400" b="1" u="sng" dirty="0">
+              <a:solidFill>
+                <a:schemeClr val="tx2">
+                  <a:lumMod val="60000"/>
+                  <a:lumOff val="40000"/>
+                </a:schemeClr>
+              </a:solidFill>
+            </a:endParaRPr>
+          </a:p>
+        </p:txBody>
+      </p:sp>
+      <p:sp>
+        <p:nvSpPr>
+          <p:cNvPr id="32" name="TextBox 31">
+            <a:extLst>
+              <a:ext uri="{FF2B5EF4-FFF2-40B4-BE49-F238E27FC236}">
+                <a16:creationId xmlns:a16="http://schemas.microsoft.com/office/drawing/2014/main" id="{4C8A9D9C-7519-9C76-6597-1AE52E7C015D}"/>
+              </a:ext>
+            </a:extLst>
+          </p:cNvPr>
+          <p:cNvSpPr txBox="1"/>
+          <p:nvPr/>
+        </p:nvSpPr>
+        <p:spPr>
+          <a:xfrm flipH="1">
+            <a:off x="799722" y="3182610"/>
+            <a:ext cx="2906609" cy="954107"/>
+          </a:xfrm>
+          <a:prstGeom prst="rect">
+            <a:avLst/>
+          </a:prstGeom>
+          <a:noFill/>
+        </p:spPr>
+        <p:txBody>
+          <a:bodyPr wrap="square" rtlCol="0">
+            <a:spAutoFit/>
+          </a:bodyPr>
+          <a:lstStyle/>
+          <a:p>
+            <a:r>
+              <a:rPr lang="en-US" sz="1400" b="1" u="sng" dirty="0">
+                <a:solidFill>
+                  <a:schemeClr val="tx2">
+                    <a:lumMod val="60000"/>
+                    <a:lumOff val="40000"/>
+                  </a:schemeClr>
+                </a:solidFill>
+              </a:rPr>
+              <a:t>Skills Required :</a:t>
+            </a:r>
+          </a:p>
+          <a:p>
+            <a:r>
+              <a:rPr lang="en-US" sz="1400" dirty="0">
+                <a:solidFill>
+                  <a:schemeClr val="bg1"/>
+                </a:solidFill>
+              </a:rPr>
+              <a:t>Knowledge of image processing libraries  like OpenCV /Pillow; Algorithm development in Python.</a:t>
+            </a:r>
+            <a:endParaRPr lang="en-GB" sz="1400" dirty="0">
+              <a:solidFill>
+                <a:schemeClr val="bg1"/>
+              </a:solidFill>
+            </a:endParaRPr>
+          </a:p>
+        </p:txBody>
+      </p:sp>
+      <p:sp>
+        <p:nvSpPr>
+          <p:cNvPr id="36" name="TextBox 35">
+            <a:extLst>
+              <a:ext uri="{FF2B5EF4-FFF2-40B4-BE49-F238E27FC236}">
+                <a16:creationId xmlns:a16="http://schemas.microsoft.com/office/drawing/2014/main" id="{BA74F8CF-EC54-8358-DA8E-43E3D7CDFFB9}"/>
+              </a:ext>
+            </a:extLst>
+          </p:cNvPr>
+          <p:cNvSpPr txBox="1"/>
+          <p:nvPr/>
+        </p:nvSpPr>
+        <p:spPr>
+          <a:xfrm>
+            <a:off x="932665" y="5356379"/>
+            <a:ext cx="9886952" cy="1077218"/>
+          </a:xfrm>
+          <a:prstGeom prst="rect">
+            <a:avLst/>
+          </a:prstGeom>
+          <a:noFill/>
+        </p:spPr>
+        <p:txBody>
+          <a:bodyPr wrap="square" rtlCol="0">
+            <a:spAutoFit/>
+          </a:bodyPr>
+          <a:lstStyle/>
+          <a:p>
+            <a:r>
+              <a:rPr lang="en-US" sz="1600" dirty="0">
+                <a:solidFill>
+                  <a:schemeClr val="bg1"/>
+                </a:solidFill>
+              </a:rPr>
+              <a:t>To implement these future features our Lead Developer will need to enhance their skills in Python programming, working with file systems, and creating user interfaces. Our QA Engineer's abilities to design test cases, perform different testing methods, and handle errors will be very important to make sure the Photo </a:t>
+            </a:r>
+            <a:r>
+              <a:rPr lang="en-US" sz="1600" dirty="0" err="1">
+                <a:solidFill>
+                  <a:schemeClr val="bg1"/>
+                </a:solidFill>
+              </a:rPr>
+              <a:t>DeDuplicator</a:t>
+            </a:r>
+            <a:r>
+              <a:rPr lang="en-US" sz="1600" dirty="0">
+                <a:solidFill>
+                  <a:schemeClr val="bg1"/>
+                </a:solidFill>
+              </a:rPr>
+              <a:t> application works reliably.</a:t>
+            </a:r>
+            <a:endParaRPr lang="en-GB" sz="1600" dirty="0">
+              <a:solidFill>
+                <a:schemeClr val="bg1"/>
+              </a:solidFill>
+            </a:endParaRPr>
+          </a:p>
+        </p:txBody>
+      </p:sp>
+      <p:sp>
+        <p:nvSpPr>
+          <p:cNvPr id="37" name="Rectangle 36">
+            <a:extLst>
+              <a:ext uri="{FF2B5EF4-FFF2-40B4-BE49-F238E27FC236}">
+                <a16:creationId xmlns:a16="http://schemas.microsoft.com/office/drawing/2014/main" id="{4B2F0044-C018-0A39-1A8B-A4689503B747}"/>
+              </a:ext>
+            </a:extLst>
+          </p:cNvPr>
+          <p:cNvSpPr/>
+          <p:nvPr/>
+        </p:nvSpPr>
+        <p:spPr>
+          <a:xfrm>
+            <a:off x="831544" y="5107974"/>
+            <a:ext cx="9886952" cy="145613"/>
+          </a:xfrm>
+          <a:prstGeom prst="rect">
+            <a:avLst/>
+          </a:prstGeom>
+          <a:solidFill>
+            <a:schemeClr val="tx2">
+              <a:lumMod val="75000"/>
+            </a:schemeClr>
+          </a:solidFill>
+        </p:spPr>
+        <p:style>
+          <a:lnRef idx="2">
+            <a:schemeClr val="accent1">
+              <a:shade val="50000"/>
+            </a:schemeClr>
+          </a:lnRef>
+          <a:fillRef idx="1">
+            <a:schemeClr val="accent1"/>
+          </a:fillRef>
+          <a:effectRef idx="0">
+            <a:schemeClr val="accent1"/>
+          </a:effectRef>
+          <a:fontRef idx="minor">
+            <a:schemeClr val="lt1"/>
+          </a:fontRef>
+        </p:style>
+        <p:txBody>
+          <a:bodyPr rtlCol="0" anchor="ctr"/>
+          <a:lstStyle/>
+          <a:p>
+            <a:pPr algn="ctr"/>
+            <a:endParaRPr lang="en-GB"/>
+          </a:p>
+        </p:txBody>
+      </p:sp>
+    </p:spTree>
+    <p:extLst>
+      <p:ext uri="{BB962C8B-B14F-4D97-AF65-F5344CB8AC3E}">
+        <p14:creationId xmlns:p14="http://schemas.microsoft.com/office/powerpoint/2010/main" val="1130410845"/>
+      </p:ext>
+    </p:extLst>
+  </p:cSld>
+  <p:clrMapOvr>
+    <a:masterClrMapping/>
+  </p:clrMapOvr>
+</p:sld>
+</file>
+
+<file path=ppt/slides/slide15.xml><?xml version="1.0" encoding="utf-8"?>
+<p:sld xmlns:a="http://schemas.openxmlformats.org/drawingml/2006/main" xmlns:r="http://schemas.openxmlformats.org/officeDocument/2006/relationships" xmlns:p="http://schemas.openxmlformats.org/presentationml/2006/main">
+  <p:cSld>
+    <p:spTree>
+      <p:nvGrpSpPr>
+        <p:cNvPr id="1" name=""/>
+        <p:cNvGrpSpPr/>
+        <p:nvPr/>
+      </p:nvGrpSpPr>
+      <p:grpSpPr>
+        <a:xfrm>
+          <a:off x="0" y="0"/>
+          <a:ext cx="0" cy="0"/>
+          <a:chOff x="0" y="0"/>
+          <a:chExt cx="0" cy="0"/>
+        </a:xfrm>
+      </p:grpSpPr>
+      <p:sp>
+        <p:nvSpPr>
           <p:cNvPr id="3" name="Title 2">
             <a:extLst>
               <a:ext uri="{FF2B5EF4-FFF2-40B4-BE49-F238E27FC236}">
@@ -17418,7 +18986,7 @@
             <a:fld id="{294A09A9-5501-47C1-A89A-A340965A2BE2}" type="slidenum">
               <a:rPr lang="en-GB" smtClean="0"/>
               <a:pPr rtl="0"/>
-              <a:t>13</a:t>
+              <a:t>15</a:t>
             </a:fld>
             <a:endParaRPr lang="en-GB" dirty="0"/>
           </a:p>
@@ -17492,7 +19060,7 @@
             <a:pPr rtl="0"/>
             <a:fld id="{A7DE502B-E3CB-438D-B6DA-D89E06EA4A78}" type="datetime3">
               <a:rPr lang="en-GB" smtClean="0"/>
-              <a:t>19 June, 2024</a:t>
+              <a:t>20 June, 2024</a:t>
             </a:fld>
             <a:endParaRPr lang="en-GB" dirty="0"/>
           </a:p>
@@ -17720,7 +19288,7 @@
 </p:sld>
 </file>
 
-<file path=ppt/slides/slide14.xml><?xml version="1.0" encoding="utf-8"?>
+<file path=ppt/slides/slide16.xml><?xml version="1.0" encoding="utf-8"?>
 <p:sld xmlns:a="http://schemas.openxmlformats.org/drawingml/2006/main" xmlns:r="http://schemas.openxmlformats.org/officeDocument/2006/relationships" xmlns:p="http://schemas.openxmlformats.org/presentationml/2006/main">
   <p:cSld>
     <p:spTree>
@@ -17763,7 +19331,7 @@
               <a:rPr lang="en-GB" noProof="0" smtClean="0">
                 <a:latin typeface="+mn-lt"/>
               </a:rPr>
-              <a:t>19 June, 2024</a:t>
+              <a:t>20 June, 2024</a:t>
             </a:fld>
             <a:endParaRPr lang="en-GB" noProof="0">
               <a:latin typeface="+mn-lt"/>
@@ -17826,7 +19394,7 @@
             <a:fld id="{294A09A9-5501-47C1-A89A-A340965A2BE2}" type="slidenum">
               <a:rPr lang="en-GB" noProof="0" smtClean="0"/>
               <a:pPr rtl="0"/>
-              <a:t>14</a:t>
+              <a:t>16</a:t>
             </a:fld>
             <a:endParaRPr lang="en-GB" noProof="0">
               <a:latin typeface="+mn-lt"/>
@@ -18230,7 +19798,7 @@
 </p:sld>
 </file>
 
-<file path=ppt/slides/slide15.xml><?xml version="1.0" encoding="utf-8"?>
+<file path=ppt/slides/slide17.xml><?xml version="1.0" encoding="utf-8"?>
 <p:sld xmlns:a="http://schemas.openxmlformats.org/drawingml/2006/main" xmlns:r="http://schemas.openxmlformats.org/officeDocument/2006/relationships" xmlns:p="http://schemas.openxmlformats.org/presentationml/2006/main">
   <p:cSld>
     <p:spTree>
@@ -18273,7 +19841,7 @@
               <a:rPr lang="en-GB" noProof="0" smtClean="0">
                 <a:latin typeface="+mn-lt"/>
               </a:rPr>
-              <a:t>19 June, 2024</a:t>
+              <a:t>20 June, 2024</a:t>
             </a:fld>
             <a:endParaRPr lang="en-GB" noProof="0">
               <a:latin typeface="+mn-lt"/>
@@ -18336,7 +19904,7 @@
             <a:fld id="{294A09A9-5501-47C1-A89A-A340965A2BE2}" type="slidenum">
               <a:rPr lang="en-GB" noProof="0" smtClean="0"/>
               <a:pPr rtl="0"/>
-              <a:t>15</a:t>
+              <a:t>17</a:t>
             </a:fld>
             <a:endParaRPr lang="en-GB" noProof="0">
               <a:latin typeface="+mn-lt"/>
@@ -18344,35 +19912,6 @@
           </a:p>
         </p:txBody>
       </p:sp>
-      <p:pic>
-        <p:nvPicPr>
-          <p:cNvPr id="7" name="Picture 6" descr="A screenshot of a computer&#10;&#10;Description automatically generated">
-            <a:extLst>
-              <a:ext uri="{FF2B5EF4-FFF2-40B4-BE49-F238E27FC236}">
-                <a16:creationId xmlns:a16="http://schemas.microsoft.com/office/drawing/2014/main" id="{325ED4F8-2B95-9266-E953-79F44B46C1E5}"/>
-              </a:ext>
-            </a:extLst>
-          </p:cNvPr>
-          <p:cNvPicPr>
-            <a:picLocks noChangeAspect="1"/>
-          </p:cNvPicPr>
-          <p:nvPr/>
-        </p:nvPicPr>
-        <p:blipFill rotWithShape="1">
-          <a:blip r:embed="rId2"/>
-          <a:srcRect l="37" t="-12262" r="242" b="77288"/>
-          <a:stretch/>
-        </p:blipFill>
-        <p:spPr>
-          <a:xfrm>
-            <a:off x="6580771" y="811960"/>
-            <a:ext cx="5395232" cy="1082855"/>
-          </a:xfrm>
-          <a:prstGeom prst="rect">
-            <a:avLst/>
-          </a:prstGeom>
-        </p:spPr>
-      </p:pic>
       <p:sp>
         <p:nvSpPr>
           <p:cNvPr id="8" name="TextBox 7">
@@ -18443,6 +19982,88 @@
           <p:nvPr/>
         </p:nvPicPr>
         <p:blipFill>
+          <a:blip r:embed="rId2"/>
+          <a:stretch>
+            <a:fillRect/>
+          </a:stretch>
+        </p:blipFill>
+        <p:spPr>
+          <a:xfrm>
+            <a:off x="466275" y="551550"/>
+            <a:ext cx="3297450" cy="234900"/>
+          </a:xfrm>
+          <a:prstGeom prst="rect">
+            <a:avLst/>
+          </a:prstGeom>
+        </p:spPr>
+      </p:pic>
+      <p:sp>
+        <p:nvSpPr>
+          <p:cNvPr id="11" name="TextBox 10">
+            <a:extLst>
+              <a:ext uri="{FF2B5EF4-FFF2-40B4-BE49-F238E27FC236}">
+                <a16:creationId xmlns:a16="http://schemas.microsoft.com/office/drawing/2014/main" id="{44B4341A-8848-A571-D621-C4B8469E0C80}"/>
+              </a:ext>
+            </a:extLst>
+          </p:cNvPr>
+          <p:cNvSpPr txBox="1"/>
+          <p:nvPr/>
+        </p:nvSpPr>
+        <p:spPr>
+          <a:xfrm>
+            <a:off x="6536135" y="1287152"/>
+            <a:ext cx="5525491" cy="1384995"/>
+          </a:xfrm>
+          <a:prstGeom prst="rect">
+            <a:avLst/>
+          </a:prstGeom>
+        </p:spPr>
+        <p:style>
+          <a:lnRef idx="2">
+            <a:schemeClr val="accent5"/>
+          </a:lnRef>
+          <a:fillRef idx="1">
+            <a:schemeClr val="lt1"/>
+          </a:fillRef>
+          <a:effectRef idx="0">
+            <a:schemeClr val="accent5"/>
+          </a:effectRef>
+          <a:fontRef idx="minor">
+            <a:schemeClr val="dk1"/>
+          </a:fontRef>
+        </p:style>
+        <p:txBody>
+          <a:bodyPr rot="0" spcFirstLastPara="0" vertOverflow="overflow" horzOverflow="overflow" vert="horz" wrap="square" lIns="91440" tIns="45720" rIns="91440" bIns="45720" numCol="1" spcCol="0" rtlCol="0" fromWordArt="0" anchor="t" anchorCtr="0" forceAA="0" compatLnSpc="1">
+            <a:prstTxWarp prst="textNoShape">
+              <a:avLst/>
+            </a:prstTxWarp>
+            <a:spAutoFit/>
+          </a:bodyPr>
+          <a:lstStyle/>
+          <a:p>
+            <a:r>
+              <a:rPr lang="en-GB" sz="1400" dirty="0"/>
+              <a:t>Option '4' is the where the export function is. When inputted, the user will be taken to another menu with different options. Option '0' will take the user to a section that explains what the different options do. This being a prototype, it currently has two working options which creates a report either in a CSV file within the program or on a HTML page. Option '4' will return to the main menu.</a:t>
+            </a:r>
+            <a:endParaRPr lang="en-GB" dirty="0"/>
+          </a:p>
+        </p:txBody>
+      </p:sp>
+      <p:pic>
+        <p:nvPicPr>
+          <p:cNvPr id="12" name="Picture 11" descr="A screenshot of a computer&#10;&#10;Description automatically generated">
+            <a:extLst>
+              <a:ext uri="{FF2B5EF4-FFF2-40B4-BE49-F238E27FC236}">
+                <a16:creationId xmlns:a16="http://schemas.microsoft.com/office/drawing/2014/main" id="{99594437-210C-A1EB-999F-B2EE677252CC}"/>
+              </a:ext>
+            </a:extLst>
+          </p:cNvPr>
+          <p:cNvPicPr>
+            <a:picLocks noChangeAspect="1"/>
+          </p:cNvPicPr>
+          <p:nvPr/>
+        </p:nvPicPr>
+        <p:blipFill>
           <a:blip r:embed="rId3"/>
           <a:stretch>
             <a:fillRect/>
@@ -18450,8 +20071,38 @@
         </p:blipFill>
         <p:spPr>
           <a:xfrm>
-            <a:off x="400275" y="809550"/>
-            <a:ext cx="3297450" cy="234900"/>
+            <a:off x="114000" y="3556989"/>
+            <a:ext cx="4506000" cy="1232021"/>
+          </a:xfrm>
+          <a:prstGeom prst="rect">
+            <a:avLst/>
+          </a:prstGeom>
+        </p:spPr>
+      </p:pic>
+      <p:pic>
+        <p:nvPicPr>
+          <p:cNvPr id="14" name="Picture 13" descr="A screenshot of a computer&#10;&#10;Description automatically generated">
+            <a:extLst>
+              <a:ext uri="{FF2B5EF4-FFF2-40B4-BE49-F238E27FC236}">
+                <a16:creationId xmlns:a16="http://schemas.microsoft.com/office/drawing/2014/main" id="{D22EC82A-849B-AE48-4737-B3CD3175F8FF}"/>
+              </a:ext>
+            </a:extLst>
+          </p:cNvPr>
+          <p:cNvPicPr>
+            <a:picLocks noChangeAspect="1"/>
+          </p:cNvPicPr>
+          <p:nvPr/>
+        </p:nvPicPr>
+        <p:blipFill>
+          <a:blip r:embed="rId4"/>
+          <a:stretch>
+            <a:fillRect/>
+          </a:stretch>
+        </p:blipFill>
+        <p:spPr>
+          <a:xfrm>
+            <a:off x="5020090" y="3285600"/>
+            <a:ext cx="2151820" cy="3004800"/>
           </a:xfrm>
           <a:prstGeom prst="rect">
             <a:avLst/>
@@ -18460,10 +20111,10 @@
       </p:pic>
       <p:cxnSp>
         <p:nvCxnSpPr>
-          <p:cNvPr id="10" name="Straight Arrow Connector 9">
-            <a:extLst>
-              <a:ext uri="{FF2B5EF4-FFF2-40B4-BE49-F238E27FC236}">
-                <a16:creationId xmlns:a16="http://schemas.microsoft.com/office/drawing/2014/main" id="{6A96359C-ED26-30B1-BCA5-85A864C42A2A}"/>
+          <p:cNvPr id="15" name="Straight Arrow Connector 14">
+            <a:extLst>
+              <a:ext uri="{FF2B5EF4-FFF2-40B4-BE49-F238E27FC236}">
+                <a16:creationId xmlns:a16="http://schemas.microsoft.com/office/drawing/2014/main" id="{EC6E4F7F-214A-7E87-C4C4-B492CF9FB3B9}"/>
               </a:ext>
             </a:extLst>
           </p:cNvPr>
@@ -18471,9 +20122,9 @@
           <p:nvPr/>
         </p:nvCxnSpPr>
         <p:spPr>
-          <a:xfrm>
-            <a:off x="2980800" y="1207800"/>
-            <a:ext cx="3332400" cy="296400"/>
+          <a:xfrm flipH="1">
+            <a:off x="2908950" y="2693550"/>
+            <a:ext cx="1545600" cy="734400"/>
           </a:xfrm>
           <a:prstGeom prst="straightConnector1">
             <a:avLst/>
@@ -18497,64 +20148,12 @@
           </a:fontRef>
         </p:style>
       </p:cxnSp>
-      <p:sp>
-        <p:nvSpPr>
-          <p:cNvPr id="11" name="TextBox 10">
-            <a:extLst>
-              <a:ext uri="{FF2B5EF4-FFF2-40B4-BE49-F238E27FC236}">
-                <a16:creationId xmlns:a16="http://schemas.microsoft.com/office/drawing/2014/main" id="{44B4341A-8848-A571-D621-C4B8469E0C80}"/>
-              </a:ext>
-            </a:extLst>
-          </p:cNvPr>
-          <p:cNvSpPr txBox="1"/>
-          <p:nvPr/>
-        </p:nvSpPr>
-        <p:spPr>
-          <a:xfrm>
-            <a:off x="6404135" y="4407152"/>
-            <a:ext cx="5411491" cy="1384995"/>
-          </a:xfrm>
-          <a:prstGeom prst="rect">
-            <a:avLst/>
-          </a:prstGeom>
-        </p:spPr>
-        <p:style>
-          <a:lnRef idx="2">
-            <a:schemeClr val="accent5"/>
-          </a:lnRef>
-          <a:fillRef idx="1">
-            <a:schemeClr val="lt1"/>
-          </a:fillRef>
-          <a:effectRef idx="0">
-            <a:schemeClr val="accent5"/>
-          </a:effectRef>
-          <a:fontRef idx="minor">
-            <a:schemeClr val="dk1"/>
-          </a:fontRef>
-        </p:style>
-        <p:txBody>
-          <a:bodyPr rot="0" spcFirstLastPara="0" vertOverflow="overflow" horzOverflow="overflow" vert="horz" wrap="square" lIns="91440" tIns="45720" rIns="91440" bIns="45720" numCol="1" spcCol="0" rtlCol="0" fromWordArt="0" anchor="t" anchorCtr="0" forceAA="0" compatLnSpc="1">
-            <a:prstTxWarp prst="textNoShape">
-              <a:avLst/>
-            </a:prstTxWarp>
-            <a:spAutoFit/>
-          </a:bodyPr>
-          <a:lstStyle/>
-          <a:p>
-            <a:r>
-              <a:rPr lang="en-GB" sz="1400" dirty="0"/>
-              <a:t>Option '4' is the where the export function is. When inputted, the user will be taken to another menu with different options. Option '0' will take the user to a section that explains what the different options do. This being a prototype, it currently has only one working option which creates a report in a CSV file within the program.</a:t>
-            </a:r>
-            <a:endParaRPr lang="en-GB" dirty="0"/>
-          </a:p>
-        </p:txBody>
-      </p:sp>
       <p:pic>
         <p:nvPicPr>
-          <p:cNvPr id="12" name="Picture 11" descr="A screenshot of a computer&#10;&#10;Description automatically generated">
-            <a:extLst>
-              <a:ext uri="{FF2B5EF4-FFF2-40B4-BE49-F238E27FC236}">
-                <a16:creationId xmlns:a16="http://schemas.microsoft.com/office/drawing/2014/main" id="{99594437-210C-A1EB-999F-B2EE677252CC}"/>
+          <p:cNvPr id="2" name="Picture 1" descr="A black screen with white text&#10;&#10;Description automatically generated">
+            <a:extLst>
+              <a:ext uri="{FF2B5EF4-FFF2-40B4-BE49-F238E27FC236}">
+                <a16:creationId xmlns:a16="http://schemas.microsoft.com/office/drawing/2014/main" id="{94230D54-F7A0-6020-4060-6791D542CCFB}"/>
               </a:ext>
             </a:extLst>
           </p:cNvPr>
@@ -18563,16 +20162,15 @@
           </p:cNvPicPr>
           <p:nvPr/>
         </p:nvPicPr>
-        <p:blipFill>
-          <a:blip r:embed="rId4"/>
-          <a:stretch>
-            <a:fillRect/>
-          </a:stretch>
+        <p:blipFill rotWithShape="1">
+          <a:blip r:embed="rId5"/>
+          <a:srcRect l="240" t="574" r="63242" b="44410"/>
+          <a:stretch/>
         </p:blipFill>
         <p:spPr>
           <a:xfrm>
-            <a:off x="6312000" y="2428989"/>
-            <a:ext cx="5664000" cy="1538021"/>
+            <a:off x="4466560" y="1715968"/>
+            <a:ext cx="1947404" cy="933247"/>
           </a:xfrm>
           <a:prstGeom prst="rect">
             <a:avLst/>
@@ -18581,10 +20179,10 @@
       </p:pic>
       <p:pic>
         <p:nvPicPr>
-          <p:cNvPr id="13" name="Picture 12" descr="A screenshot of a computer&#10;&#10;Description automatically generated">
-            <a:extLst>
-              <a:ext uri="{FF2B5EF4-FFF2-40B4-BE49-F238E27FC236}">
-                <a16:creationId xmlns:a16="http://schemas.microsoft.com/office/drawing/2014/main" id="{2F6B8507-D8DB-0F97-D59C-1A8B0C31A09E}"/>
+          <p:cNvPr id="18" name="Picture 17" descr="A screenshot of a computer&#10;&#10;Description automatically generated">
+            <a:extLst>
+              <a:ext uri="{FF2B5EF4-FFF2-40B4-BE49-F238E27FC236}">
+                <a16:creationId xmlns:a16="http://schemas.microsoft.com/office/drawing/2014/main" id="{6588707F-A4F4-596F-3226-8BADC71442E1}"/>
               </a:ext>
             </a:extLst>
           </p:cNvPr>
@@ -18594,45 +20192,15 @@
           <p:nvPr/>
         </p:nvPicPr>
         <p:blipFill>
-          <a:blip r:embed="rId2"/>
+          <a:blip r:embed="rId6"/>
           <a:stretch>
             <a:fillRect/>
           </a:stretch>
         </p:blipFill>
         <p:spPr>
           <a:xfrm>
-            <a:off x="402000" y="3043960"/>
-            <a:ext cx="3486000" cy="2012080"/>
-          </a:xfrm>
-          <a:prstGeom prst="rect">
-            <a:avLst/>
-          </a:prstGeom>
-        </p:spPr>
-      </p:pic>
-      <p:pic>
-        <p:nvPicPr>
-          <p:cNvPr id="14" name="Picture 13" descr="A screenshot of a computer&#10;&#10;Description automatically generated">
-            <a:extLst>
-              <a:ext uri="{FF2B5EF4-FFF2-40B4-BE49-F238E27FC236}">
-                <a16:creationId xmlns:a16="http://schemas.microsoft.com/office/drawing/2014/main" id="{D22EC82A-849B-AE48-4737-B3CD3175F8FF}"/>
-              </a:ext>
-            </a:extLst>
-          </p:cNvPr>
-          <p:cNvPicPr>
-            <a:picLocks noChangeAspect="1"/>
-          </p:cNvPicPr>
-          <p:nvPr/>
-        </p:nvPicPr>
-        <p:blipFill>
-          <a:blip r:embed="rId5"/>
-          <a:stretch>
-            <a:fillRect/>
-          </a:stretch>
-        </p:blipFill>
-        <p:spPr>
-          <a:xfrm>
-            <a:off x="4426090" y="4077600"/>
-            <a:ext cx="1893820" cy="2602800"/>
+            <a:off x="8022000" y="3559929"/>
+            <a:ext cx="3504000" cy="2078142"/>
           </a:xfrm>
           <a:prstGeom prst="rect">
             <a:avLst/>
@@ -18641,10 +20209,10 @@
       </p:pic>
       <p:cxnSp>
         <p:nvCxnSpPr>
-          <p:cNvPr id="15" name="Straight Arrow Connector 14">
-            <a:extLst>
-              <a:ext uri="{FF2B5EF4-FFF2-40B4-BE49-F238E27FC236}">
-                <a16:creationId xmlns:a16="http://schemas.microsoft.com/office/drawing/2014/main" id="{EC6E4F7F-214A-7E87-C4C4-B492CF9FB3B9}"/>
+          <p:cNvPr id="19" name="Straight Arrow Connector 18">
+            <a:extLst>
+              <a:ext uri="{FF2B5EF4-FFF2-40B4-BE49-F238E27FC236}">
+                <a16:creationId xmlns:a16="http://schemas.microsoft.com/office/drawing/2014/main" id="{511645D5-FDAC-A2E4-55E1-B0C71DBB044E}"/>
               </a:ext>
             </a:extLst>
           </p:cNvPr>
@@ -18653,8 +20221,8 @@
         </p:nvCxnSpPr>
         <p:spPr>
           <a:xfrm>
-            <a:off x="8168550" y="2003550"/>
-            <a:ext cx="14400" cy="338400"/>
+            <a:off x="6280800" y="2689800"/>
+            <a:ext cx="1688400" cy="950400"/>
           </a:xfrm>
           <a:prstGeom prst="straightConnector1">
             <a:avLst/>
@@ -18680,10 +20248,10 @@
       </p:cxnSp>
       <p:cxnSp>
         <p:nvCxnSpPr>
-          <p:cNvPr id="16" name="Straight Arrow Connector 15">
-            <a:extLst>
-              <a:ext uri="{FF2B5EF4-FFF2-40B4-BE49-F238E27FC236}">
-                <a16:creationId xmlns:a16="http://schemas.microsoft.com/office/drawing/2014/main" id="{AFE455DE-2E05-FBA4-8928-76C3E536FAF6}"/>
+          <p:cNvPr id="20" name="Straight Arrow Connector 19">
+            <a:extLst>
+              <a:ext uri="{FF2B5EF4-FFF2-40B4-BE49-F238E27FC236}">
+                <a16:creationId xmlns:a16="http://schemas.microsoft.com/office/drawing/2014/main" id="{9F2D7B19-E41C-7182-DC20-6AE6C1A1798E}"/>
               </a:ext>
             </a:extLst>
           </p:cNvPr>
@@ -18691,9 +20259,9 @@
           <p:nvPr/>
         </p:nvCxnSpPr>
         <p:spPr>
-          <a:xfrm flipH="1">
-            <a:off x="3999825" y="2884425"/>
-            <a:ext cx="2205600" cy="518400"/>
+          <a:xfrm>
+            <a:off x="5469675" y="2670675"/>
+            <a:ext cx="50400" cy="500400"/>
           </a:xfrm>
           <a:prstGeom prst="straightConnector1">
             <a:avLst/>
@@ -18717,49 +20285,182 @@
           </a:fontRef>
         </p:style>
       </p:cxnSp>
-      <p:cxnSp>
-        <p:nvCxnSpPr>
-          <p:cNvPr id="17" name="Straight Arrow Connector 16">
-            <a:extLst>
-              <a:ext uri="{FF2B5EF4-FFF2-40B4-BE49-F238E27FC236}">
-                <a16:creationId xmlns:a16="http://schemas.microsoft.com/office/drawing/2014/main" id="{0CE15F45-2109-C8B8-2122-9B00B2A273E8}"/>
-              </a:ext>
-            </a:extLst>
-          </p:cNvPr>
-          <p:cNvCxnSpPr/>
+      <p:sp>
+        <p:nvSpPr>
+          <p:cNvPr id="21" name="TextBox 20">
+            <a:extLst>
+              <a:ext uri="{FF2B5EF4-FFF2-40B4-BE49-F238E27FC236}">
+                <a16:creationId xmlns:a16="http://schemas.microsoft.com/office/drawing/2014/main" id="{3DB6FFD5-3AC7-13DA-2BE1-23A536181D04}"/>
+              </a:ext>
+            </a:extLst>
+          </p:cNvPr>
+          <p:cNvSpPr txBox="1"/>
           <p:nvPr/>
-        </p:nvCxnSpPr>
+        </p:nvSpPr>
         <p:spPr>
           <a:xfrm>
-            <a:off x="3408300" y="5085300"/>
-            <a:ext cx="956400" cy="824400"/>
+            <a:off x="1493898" y="4917050"/>
+            <a:ext cx="1520033" cy="338554"/>
           </a:xfrm>
-          <a:prstGeom prst="straightConnector1">
+          <a:prstGeom prst="rect">
             <a:avLst/>
           </a:prstGeom>
-          <a:ln>
-            <a:tailEnd type="triangle"/>
-          </a:ln>
         </p:spPr>
         <p:style>
-          <a:lnRef idx="1">
-            <a:schemeClr val="dk1"/>
+          <a:lnRef idx="2">
+            <a:schemeClr val="accent2"/>
           </a:lnRef>
-          <a:fillRef idx="0">
-            <a:schemeClr val="dk1"/>
+          <a:fillRef idx="1">
+            <a:schemeClr val="lt1"/>
           </a:fillRef>
           <a:effectRef idx="0">
-            <a:schemeClr val="dk1"/>
+            <a:schemeClr val="accent2"/>
           </a:effectRef>
           <a:fontRef idx="minor">
-            <a:schemeClr val="tx1"/>
+            <a:schemeClr val="dk1"/>
           </a:fontRef>
         </p:style>
-      </p:cxnSp>
+        <p:txBody>
+          <a:bodyPr rot="0" spcFirstLastPara="0" vertOverflow="overflow" horzOverflow="overflow" vert="horz" wrap="square" lIns="91440" tIns="45720" rIns="91440" bIns="45720" numCol="1" spcCol="0" rtlCol="0" fromWordArt="0" anchor="t" anchorCtr="0" forceAA="0" compatLnSpc="1">
+            <a:prstTxWarp prst="textNoShape">
+              <a:avLst/>
+            </a:prstTxWarp>
+            <a:spAutoFit/>
+          </a:bodyPr>
+          <a:lstStyle/>
+          <a:p>
+            <a:r>
+              <a:rPr lang="en-US" sz="1600" dirty="0">
+                <a:solidFill>
+                  <a:srgbClr val="000000"/>
+                </a:solidFill>
+              </a:rPr>
+              <a:t>Option '0' (Info)</a:t>
+            </a:r>
+            <a:endParaRPr lang="en-US" dirty="0"/>
+          </a:p>
+        </p:txBody>
+      </p:sp>
+      <p:sp>
+        <p:nvSpPr>
+          <p:cNvPr id="22" name="TextBox 21">
+            <a:extLst>
+              <a:ext uri="{FF2B5EF4-FFF2-40B4-BE49-F238E27FC236}">
+                <a16:creationId xmlns:a16="http://schemas.microsoft.com/office/drawing/2014/main" id="{C1D1E12B-D6E2-A3DE-9FF9-BD2AAE3CAEF3}"/>
+              </a:ext>
+            </a:extLst>
+          </p:cNvPr>
+          <p:cNvSpPr txBox="1"/>
+          <p:nvPr/>
+        </p:nvSpPr>
+        <p:spPr>
+          <a:xfrm>
+            <a:off x="5111898" y="6333049"/>
+            <a:ext cx="1514033" cy="338554"/>
+          </a:xfrm>
+          <a:prstGeom prst="rect">
+            <a:avLst/>
+          </a:prstGeom>
+        </p:spPr>
+        <p:style>
+          <a:lnRef idx="2">
+            <a:schemeClr val="accent2"/>
+          </a:lnRef>
+          <a:fillRef idx="1">
+            <a:schemeClr val="lt1"/>
+          </a:fillRef>
+          <a:effectRef idx="0">
+            <a:schemeClr val="accent2"/>
+          </a:effectRef>
+          <a:fontRef idx="minor">
+            <a:schemeClr val="dk1"/>
+          </a:fontRef>
+        </p:style>
+        <p:txBody>
+          <a:bodyPr rot="0" spcFirstLastPara="0" vertOverflow="overflow" horzOverflow="overflow" vert="horz" wrap="square" lIns="91440" tIns="45720" rIns="91440" bIns="45720" numCol="1" spcCol="0" rtlCol="0" fromWordArt="0" anchor="t" anchorCtr="0" forceAA="0" compatLnSpc="1">
+            <a:prstTxWarp prst="textNoShape">
+              <a:avLst/>
+            </a:prstTxWarp>
+            <a:spAutoFit/>
+          </a:bodyPr>
+          <a:lstStyle/>
+          <a:p>
+            <a:r>
+              <a:rPr lang="en-US" sz="1600" dirty="0">
+                <a:solidFill>
+                  <a:srgbClr val="000000"/>
+                </a:solidFill>
+              </a:rPr>
+              <a:t>Option '1' (CSV)</a:t>
+            </a:r>
+            <a:endParaRPr lang="en-US" dirty="0">
+              <a:solidFill>
+                <a:srgbClr val="000000"/>
+              </a:solidFill>
+            </a:endParaRPr>
+          </a:p>
+        </p:txBody>
+      </p:sp>
+      <p:sp>
+        <p:nvSpPr>
+          <p:cNvPr id="23" name="TextBox 22">
+            <a:extLst>
+              <a:ext uri="{FF2B5EF4-FFF2-40B4-BE49-F238E27FC236}">
+                <a16:creationId xmlns:a16="http://schemas.microsoft.com/office/drawing/2014/main" id="{F63A6316-BBEC-9EFE-634E-654F948A4710}"/>
+              </a:ext>
+            </a:extLst>
+          </p:cNvPr>
+          <p:cNvSpPr txBox="1"/>
+          <p:nvPr/>
+        </p:nvSpPr>
+        <p:spPr>
+          <a:xfrm>
+            <a:off x="8711898" y="5763049"/>
+            <a:ext cx="1664033" cy="338554"/>
+          </a:xfrm>
+          <a:prstGeom prst="rect">
+            <a:avLst/>
+          </a:prstGeom>
+        </p:spPr>
+        <p:style>
+          <a:lnRef idx="2">
+            <a:schemeClr val="accent2"/>
+          </a:lnRef>
+          <a:fillRef idx="1">
+            <a:schemeClr val="lt1"/>
+          </a:fillRef>
+          <a:effectRef idx="0">
+            <a:schemeClr val="accent2"/>
+          </a:effectRef>
+          <a:fontRef idx="minor">
+            <a:schemeClr val="dk1"/>
+          </a:fontRef>
+        </p:style>
+        <p:txBody>
+          <a:bodyPr rot="0" spcFirstLastPara="0" vertOverflow="overflow" horzOverflow="overflow" vert="horz" wrap="square" lIns="91440" tIns="45720" rIns="91440" bIns="45720" numCol="1" spcCol="0" rtlCol="0" fromWordArt="0" anchor="t" anchorCtr="0" forceAA="0" compatLnSpc="1">
+            <a:prstTxWarp prst="textNoShape">
+              <a:avLst/>
+            </a:prstTxWarp>
+            <a:spAutoFit/>
+          </a:bodyPr>
+          <a:lstStyle/>
+          <a:p>
+            <a:r>
+              <a:rPr lang="en-US" sz="1600" dirty="0">
+                <a:solidFill>
+                  <a:srgbClr val="000000"/>
+                </a:solidFill>
+              </a:rPr>
+              <a:t>Option '2' (HTML)</a:t>
+            </a:r>
+            <a:endParaRPr lang="en-US" dirty="0"/>
+          </a:p>
+        </p:txBody>
+      </p:sp>
     </p:spTree>
     <p:extLst>
       <p:ext uri="{BB962C8B-B14F-4D97-AF65-F5344CB8AC3E}">
-        <p14:creationId xmlns:p14="http://schemas.microsoft.com/office/powerpoint/2010/main" val="4201964446"/>
+        <p14:creationId xmlns:p14="http://schemas.microsoft.com/office/powerpoint/2010/main" val="3764501568"/>
       </p:ext>
     </p:extLst>
   </p:cSld>
@@ -18769,7 +20470,7 @@
 </p:sld>
 </file>
 
-<file path=ppt/slides/slide16.xml><?xml version="1.0" encoding="utf-8"?>
+<file path=ppt/slides/slide18.xml><?xml version="1.0" encoding="utf-8"?>
 <p:sld xmlns:a="http://schemas.openxmlformats.org/drawingml/2006/main" xmlns:r="http://schemas.openxmlformats.org/officeDocument/2006/relationships" xmlns:p="http://schemas.openxmlformats.org/presentationml/2006/main">
   <p:cSld>
     <p:spTree>
@@ -18812,7 +20513,7 @@
               <a:rPr lang="en-GB" noProof="0" smtClean="0">
                 <a:latin typeface="+mn-lt"/>
               </a:rPr>
-              <a:t>19 June, 2024</a:t>
+              <a:t>20 June, 2024</a:t>
             </a:fld>
             <a:endParaRPr lang="en-GB" noProof="0">
               <a:latin typeface="+mn-lt"/>
@@ -18875,7 +20576,7 @@
             <a:fld id="{294A09A9-5501-47C1-A89A-A340965A2BE2}" type="slidenum">
               <a:rPr lang="en-GB" noProof="0" smtClean="0"/>
               <a:pPr rtl="0"/>
-              <a:t>16</a:t>
+              <a:t>18</a:t>
             </a:fld>
             <a:endParaRPr lang="en-GB" noProof="0">
               <a:latin typeface="+mn-lt"/>
@@ -18977,7 +20678,7 @@
 </p:sld>
 </file>
 
-<file path=ppt/slides/slide17.xml><?xml version="1.0" encoding="utf-8"?>
+<file path=ppt/slides/slide19.xml><?xml version="1.0" encoding="utf-8"?>
 <p:sld xmlns:a="http://schemas.openxmlformats.org/drawingml/2006/main" xmlns:r="http://schemas.openxmlformats.org/officeDocument/2006/relationships" xmlns:p="http://schemas.openxmlformats.org/presentationml/2006/main">
   <p:cSld>
     <p:spTree>
@@ -18996,6 +20697,413 @@
       </p:grpSpPr>
       <p:sp>
         <p:nvSpPr>
+          <p:cNvPr id="4" name="Date Placeholder 3">
+            <a:extLst>
+              <a:ext uri="{FF2B5EF4-FFF2-40B4-BE49-F238E27FC236}">
+                <a16:creationId xmlns:a16="http://schemas.microsoft.com/office/drawing/2014/main" id="{A5057F44-56E0-DBB1-047C-785EB3AE1717}"/>
+              </a:ext>
+            </a:extLst>
+          </p:cNvPr>
+          <p:cNvSpPr>
+            <a:spLocks noGrp="1"/>
+          </p:cNvSpPr>
+          <p:nvPr>
+            <p:ph type="dt" sz="half" idx="11"/>
+          </p:nvPr>
+        </p:nvSpPr>
+        <p:spPr/>
+        <p:txBody>
+          <a:bodyPr/>
+          <a:lstStyle/>
+          <a:p>
+            <a:pPr rtl="0"/>
+            <a:fld id="{1E6A16EE-7FBD-4E62-A186-69A1E1C8758D}" type="datetime3">
+              <a:rPr lang="en-GB" noProof="0" smtClean="0">
+                <a:latin typeface="+mn-lt"/>
+              </a:rPr>
+              <a:t>20 June, 2024</a:t>
+            </a:fld>
+            <a:endParaRPr lang="en-GB" noProof="0">
+              <a:latin typeface="+mn-lt"/>
+            </a:endParaRPr>
+          </a:p>
+        </p:txBody>
+      </p:sp>
+      <p:sp>
+        <p:nvSpPr>
+          <p:cNvPr id="6" name="Slide Number Placeholder 5">
+            <a:extLst>
+              <a:ext uri="{FF2B5EF4-FFF2-40B4-BE49-F238E27FC236}">
+                <a16:creationId xmlns:a16="http://schemas.microsoft.com/office/drawing/2014/main" id="{5E701F60-1AD6-87AE-F56B-1CA1E914AF7B}"/>
+              </a:ext>
+            </a:extLst>
+          </p:cNvPr>
+          <p:cNvSpPr>
+            <a:spLocks noGrp="1"/>
+          </p:cNvSpPr>
+          <p:nvPr>
+            <p:ph type="sldNum" sz="quarter" idx="13"/>
+          </p:nvPr>
+        </p:nvSpPr>
+        <p:spPr/>
+        <p:txBody>
+          <a:bodyPr/>
+          <a:lstStyle/>
+          <a:p>
+            <a:pPr rtl="0"/>
+            <a:fld id="{294A09A9-5501-47C1-A89A-A340965A2BE2}" type="slidenum">
+              <a:rPr lang="en-GB" noProof="0" smtClean="0"/>
+              <a:pPr rtl="0"/>
+              <a:t>19</a:t>
+            </a:fld>
+            <a:endParaRPr lang="en-GB" noProof="0">
+              <a:latin typeface="+mn-lt"/>
+            </a:endParaRPr>
+          </a:p>
+        </p:txBody>
+      </p:sp>
+      <p:pic>
+        <p:nvPicPr>
+          <p:cNvPr id="8" name="Picture 7">
+            <a:extLst>
+              <a:ext uri="{FF2B5EF4-FFF2-40B4-BE49-F238E27FC236}">
+                <a16:creationId xmlns:a16="http://schemas.microsoft.com/office/drawing/2014/main" id="{1C65469D-F3A3-4DF0-C495-EB3150DADDF5}"/>
+              </a:ext>
+            </a:extLst>
+          </p:cNvPr>
+          <p:cNvPicPr>
+            <a:picLocks noChangeAspect="1"/>
+          </p:cNvPicPr>
+          <p:nvPr/>
+        </p:nvPicPr>
+        <p:blipFill>
+          <a:blip r:embed="rId2">
+            <a:extLst>
+              <a:ext uri="{28A0092B-C50C-407E-A947-70E740481C1C}">
+                <a14:useLocalDpi xmlns:a14="http://schemas.microsoft.com/office/drawing/2010/main" val="0"/>
+              </a:ext>
+            </a:extLst>
+          </a:blip>
+          <a:stretch>
+            <a:fillRect/>
+          </a:stretch>
+        </p:blipFill>
+        <p:spPr>
+          <a:xfrm>
+            <a:off x="5597546" y="0"/>
+            <a:ext cx="6138809" cy="6858000"/>
+          </a:xfrm>
+          <a:prstGeom prst="rect">
+            <a:avLst/>
+          </a:prstGeom>
+        </p:spPr>
+      </p:pic>
+      <p:sp>
+        <p:nvSpPr>
+          <p:cNvPr id="9" name="Title 1">
+            <a:extLst>
+              <a:ext uri="{FF2B5EF4-FFF2-40B4-BE49-F238E27FC236}">
+                <a16:creationId xmlns:a16="http://schemas.microsoft.com/office/drawing/2014/main" id="{1DB44AD7-7A3E-2553-53CD-C7D889E7B480}"/>
+              </a:ext>
+            </a:extLst>
+          </p:cNvPr>
+          <p:cNvSpPr>
+            <a:spLocks noGrp="1"/>
+          </p:cNvSpPr>
+          <p:nvPr>
+            <p:ph type="title"/>
+          </p:nvPr>
+        </p:nvSpPr>
+        <p:spPr>
+          <a:xfrm>
+            <a:off x="335360" y="2996952"/>
+            <a:ext cx="9284877" cy="610863"/>
+          </a:xfrm>
+        </p:spPr>
+        <p:txBody>
+          <a:bodyPr rtlCol="0">
+            <a:normAutofit/>
+          </a:bodyPr>
+          <a:lstStyle/>
+          <a:p>
+            <a:pPr rtl="0"/>
+            <a:r>
+              <a:rPr lang="en-US" sz="2400" b="1" dirty="0"/>
+              <a:t>PYTHON CODE IMPLEMENTATION</a:t>
+            </a:r>
+            <a:endParaRPr lang="en-GB" sz="2400" b="1" dirty="0"/>
+          </a:p>
+        </p:txBody>
+      </p:sp>
+      <p:sp>
+        <p:nvSpPr>
+          <p:cNvPr id="10" name="Footer Placeholder 4">
+            <a:extLst>
+              <a:ext uri="{FF2B5EF4-FFF2-40B4-BE49-F238E27FC236}">
+                <a16:creationId xmlns:a16="http://schemas.microsoft.com/office/drawing/2014/main" id="{2B11FA62-ACE4-7227-9D07-921A4C1CC407}"/>
+              </a:ext>
+            </a:extLst>
+          </p:cNvPr>
+          <p:cNvSpPr>
+            <a:spLocks noGrp="1"/>
+          </p:cNvSpPr>
+          <p:nvPr>
+            <p:ph type="ftr" sz="quarter" idx="12"/>
+          </p:nvPr>
+        </p:nvSpPr>
+        <p:spPr>
+          <a:xfrm>
+            <a:off x="1436370" y="6353174"/>
+            <a:ext cx="1497330" cy="247651"/>
+          </a:xfrm>
+        </p:spPr>
+        <p:txBody>
+          <a:bodyPr rtlCol="0"/>
+          <a:lstStyle/>
+          <a:p>
+            <a:pPr rtl="0"/>
+            <a:r>
+              <a:rPr lang="en-GB" dirty="0"/>
+              <a:t>Photo </a:t>
+            </a:r>
+            <a:r>
+              <a:rPr lang="en-GB" dirty="0" err="1"/>
+              <a:t>Deduplicator</a:t>
+            </a:r>
+            <a:endParaRPr lang="en-GB" sz="1100" dirty="0"/>
+          </a:p>
+        </p:txBody>
+      </p:sp>
+    </p:spTree>
+    <p:extLst>
+      <p:ext uri="{BB962C8B-B14F-4D97-AF65-F5344CB8AC3E}">
+        <p14:creationId xmlns:p14="http://schemas.microsoft.com/office/powerpoint/2010/main" val="1858407609"/>
+      </p:ext>
+    </p:extLst>
+  </p:cSld>
+  <p:clrMapOvr>
+    <a:masterClrMapping/>
+  </p:clrMapOvr>
+</p:sld>
+</file>
+
+<file path=ppt/slides/slide2.xml><?xml version="1.0" encoding="utf-8"?>
+<p:sld xmlns:a="http://schemas.openxmlformats.org/drawingml/2006/main" xmlns:r="http://schemas.openxmlformats.org/officeDocument/2006/relationships" xmlns:p="http://schemas.openxmlformats.org/presentationml/2006/main">
+  <p:cSld>
+    <p:spTree>
+      <p:nvGrpSpPr>
+        <p:cNvPr id="1" name=""/>
+        <p:cNvGrpSpPr/>
+        <p:nvPr/>
+      </p:nvGrpSpPr>
+      <p:grpSpPr>
+        <a:xfrm>
+          <a:off x="0" y="0"/>
+          <a:ext cx="0" cy="0"/>
+          <a:chOff x="0" y="0"/>
+          <a:chExt cx="0" cy="0"/>
+        </a:xfrm>
+      </p:grpSpPr>
+      <p:sp>
+        <p:nvSpPr>
+          <p:cNvPr id="2" name="Title 1">
+            <a:extLst>
+              <a:ext uri="{FF2B5EF4-FFF2-40B4-BE49-F238E27FC236}">
+                <a16:creationId xmlns:a16="http://schemas.microsoft.com/office/drawing/2014/main" id="{737728DC-195E-4A4E-AEBA-5E0D1DB03B76}"/>
+              </a:ext>
+            </a:extLst>
+          </p:cNvPr>
+          <p:cNvSpPr>
+            <a:spLocks noGrp="1"/>
+          </p:cNvSpPr>
+          <p:nvPr>
+            <p:ph type="title"/>
+          </p:nvPr>
+        </p:nvSpPr>
+        <p:spPr>
+          <a:xfrm>
+            <a:off x="6672064" y="3517851"/>
+            <a:ext cx="4941477" cy="610863"/>
+          </a:xfrm>
+        </p:spPr>
+        <p:txBody>
+          <a:bodyPr rtlCol="0">
+            <a:noAutofit/>
+          </a:bodyPr>
+          <a:lstStyle/>
+          <a:p>
+            <a:r>
+              <a:rPr lang="en-US" sz="2800" b="1" i="0" dirty="0">
+                <a:solidFill>
+                  <a:schemeClr val="accent1">
+                    <a:lumMod val="75000"/>
+                  </a:schemeClr>
+                </a:solidFill>
+                <a:effectLst/>
+                <a:latin typeface="Franklin Gothic Book (Body)"/>
+              </a:rPr>
+              <a:t>Why don’t programmers like nature?</a:t>
+            </a:r>
+            <a:br>
+              <a:rPr lang="en-US" sz="2800" b="1" i="0" dirty="0">
+                <a:solidFill>
+                  <a:schemeClr val="accent1">
+                    <a:lumMod val="75000"/>
+                  </a:schemeClr>
+                </a:solidFill>
+                <a:effectLst/>
+                <a:latin typeface="Franklin Gothic Book (Body)"/>
+              </a:rPr>
+            </a:br>
+            <a:r>
+              <a:rPr lang="en-US" sz="2800" b="1" i="0" dirty="0">
+                <a:solidFill>
+                  <a:schemeClr val="accent1">
+                    <a:lumMod val="75000"/>
+                  </a:schemeClr>
+                </a:solidFill>
+                <a:effectLst/>
+                <a:latin typeface="Franklin Gothic Book (Body)"/>
+              </a:rPr>
+              <a:t> It has too many bugs.</a:t>
+            </a:r>
+            <a:br>
+              <a:rPr lang="en-US" sz="2800" b="0" i="0" dirty="0">
+                <a:effectLst/>
+                <a:latin typeface="Franklin Gothic Book (Body)"/>
+              </a:rPr>
+            </a:br>
+            <a:br>
+              <a:rPr lang="en-GB" sz="2800" dirty="0">
+                <a:latin typeface="Franklin Gothic Book (Body)"/>
+              </a:rPr>
+            </a:br>
+            <a:endParaRPr lang="en-GB" sz="2800" dirty="0">
+              <a:latin typeface="Franklin Gothic Book (Body)"/>
+            </a:endParaRPr>
+          </a:p>
+        </p:txBody>
+      </p:sp>
+      <p:sp>
+        <p:nvSpPr>
+          <p:cNvPr id="6" name="TextBox 5">
+            <a:extLst>
+              <a:ext uri="{FF2B5EF4-FFF2-40B4-BE49-F238E27FC236}">
+                <a16:creationId xmlns:a16="http://schemas.microsoft.com/office/drawing/2014/main" id="{07935048-C98A-0418-A202-B64002871B8E}"/>
+              </a:ext>
+            </a:extLst>
+          </p:cNvPr>
+          <p:cNvSpPr txBox="1"/>
+          <p:nvPr/>
+        </p:nvSpPr>
+        <p:spPr>
+          <a:xfrm>
+            <a:off x="1587771" y="2132856"/>
+            <a:ext cx="4536504" cy="1384995"/>
+          </a:xfrm>
+          <a:prstGeom prst="rect">
+            <a:avLst/>
+          </a:prstGeom>
+          <a:noFill/>
+        </p:spPr>
+        <p:txBody>
+          <a:bodyPr wrap="square">
+            <a:spAutoFit/>
+          </a:bodyPr>
+          <a:lstStyle/>
+          <a:p>
+            <a:pPr algn="l"/>
+            <a:r>
+              <a:rPr lang="en-US" sz="2800" b="1" i="0" dirty="0">
+                <a:solidFill>
+                  <a:schemeClr val="tx2">
+                    <a:lumMod val="75000"/>
+                  </a:schemeClr>
+                </a:solidFill>
+                <a:effectLst/>
+                <a:latin typeface="Franklin Gothic Book (Body)"/>
+              </a:rPr>
+              <a:t>An SQL query goes into a bar, walks up to two tables and asks: “Can I join you?</a:t>
+            </a:r>
+          </a:p>
+        </p:txBody>
+      </p:sp>
+      <p:sp>
+        <p:nvSpPr>
+          <p:cNvPr id="34" name="TextBox 33">
+            <a:extLst>
+              <a:ext uri="{FF2B5EF4-FFF2-40B4-BE49-F238E27FC236}">
+                <a16:creationId xmlns:a16="http://schemas.microsoft.com/office/drawing/2014/main" id="{4DE4293A-EB22-6C93-2A38-466F6A98A772}"/>
+              </a:ext>
+            </a:extLst>
+          </p:cNvPr>
+          <p:cNvSpPr txBox="1"/>
+          <p:nvPr/>
+        </p:nvSpPr>
+        <p:spPr>
+          <a:xfrm>
+            <a:off x="3791744" y="4509120"/>
+            <a:ext cx="5184576" cy="954107"/>
+          </a:xfrm>
+          <a:prstGeom prst="rect">
+            <a:avLst/>
+          </a:prstGeom>
+          <a:noFill/>
+        </p:spPr>
+        <p:txBody>
+          <a:bodyPr wrap="square">
+            <a:spAutoFit/>
+          </a:bodyPr>
+          <a:lstStyle/>
+          <a:p>
+            <a:pPr algn="l"/>
+            <a:r>
+              <a:rPr lang="en-US" sz="2800" b="1" i="0" dirty="0">
+                <a:solidFill>
+                  <a:schemeClr val="accent1">
+                    <a:lumMod val="50000"/>
+                  </a:schemeClr>
+                </a:solidFill>
+                <a:effectLst/>
+                <a:latin typeface="Franklin Gothic Book (Body)"/>
+              </a:rPr>
+              <a:t>My programmer friend said I have a high IQ. He said it's 404.</a:t>
+            </a:r>
+          </a:p>
+        </p:txBody>
+      </p:sp>
+    </p:spTree>
+    <p:extLst>
+      <p:ext uri="{BB962C8B-B14F-4D97-AF65-F5344CB8AC3E}">
+        <p14:creationId xmlns:p14="http://schemas.microsoft.com/office/powerpoint/2010/main" val="4206035864"/>
+      </p:ext>
+    </p:extLst>
+  </p:cSld>
+  <p:clrMapOvr>
+    <a:masterClrMapping/>
+  </p:clrMapOvr>
+</p:sld>
+</file>
+
+<file path=ppt/slides/slide20.xml><?xml version="1.0" encoding="utf-8"?>
+<p:sld xmlns:a="http://schemas.openxmlformats.org/drawingml/2006/main" xmlns:r="http://schemas.openxmlformats.org/officeDocument/2006/relationships" xmlns:p="http://schemas.openxmlformats.org/presentationml/2006/main">
+  <p:cSld>
+    <p:spTree>
+      <p:nvGrpSpPr>
+        <p:cNvPr id="1" name=""/>
+        <p:cNvGrpSpPr/>
+        <p:nvPr/>
+      </p:nvGrpSpPr>
+      <p:grpSpPr>
+        <a:xfrm>
+          <a:off x="0" y="0"/>
+          <a:ext cx="0" cy="0"/>
+          <a:chOff x="0" y="0"/>
+          <a:chExt cx="0" cy="0"/>
+        </a:xfrm>
+      </p:grpSpPr>
+      <p:sp>
+        <p:nvSpPr>
           <p:cNvPr id="2" name="Title 1">
             <a:extLst>
               <a:ext uri="{FF2B5EF4-FFF2-40B4-BE49-F238E27FC236}">
@@ -19060,7 +21168,7 @@
             <a:fld id="{294A09A9-5501-47C1-A89A-A340965A2BE2}" type="slidenum">
               <a:rPr lang="en-GB" smtClean="0"/>
               <a:pPr rtl="0"/>
-              <a:t>17</a:t>
+              <a:t>20</a:t>
             </a:fld>
             <a:endParaRPr lang="en-GB"/>
           </a:p>
@@ -19129,7 +21237,7 @@
             <a:pPr rtl="0"/>
             <a:fld id="{0BEA1930-59B8-4B23-B9BD-22C0E3AD440C}" type="datetime3">
               <a:rPr lang="en-GB" smtClean="0"/>
-              <a:t>19 June, 2024</a:t>
+              <a:t>20 June, 2024</a:t>
             </a:fld>
             <a:endParaRPr lang="en-GB"/>
           </a:p>
@@ -19178,7 +21286,7 @@
 </p:sld>
 </file>
 
-<file path=ppt/slides/slide18.xml><?xml version="1.0" encoding="utf-8"?>
+<file path=ppt/slides/slide21.xml><?xml version="1.0" encoding="utf-8"?>
 <p:sld xmlns:a="http://schemas.openxmlformats.org/drawingml/2006/main" xmlns:r="http://schemas.openxmlformats.org/officeDocument/2006/relationships" xmlns:p="http://schemas.openxmlformats.org/presentationml/2006/main">
   <p:cSld>
     <p:spTree>
@@ -19261,7 +21369,7 @@
             <a:fld id="{294A09A9-5501-47C1-A89A-A340965A2BE2}" type="slidenum">
               <a:rPr lang="en-GB" smtClean="0"/>
               <a:pPr rtl="0"/>
-              <a:t>18</a:t>
+              <a:t>21</a:t>
             </a:fld>
             <a:endParaRPr lang="en-GB" dirty="0"/>
           </a:p>
@@ -19330,7 +21438,7 @@
             <a:pPr rtl="0"/>
             <a:fld id="{0BEA1930-59B8-4B23-B9BD-22C0E3AD440C}" type="datetime3">
               <a:rPr lang="en-GB" smtClean="0"/>
-              <a:t>19 June, 2024</a:t>
+              <a:t>20 June, 2024</a:t>
             </a:fld>
             <a:endParaRPr lang="en-GB"/>
           </a:p>
@@ -19379,7 +21487,7 @@
 </p:sld>
 </file>
 
-<file path=ppt/slides/slide19.xml><?xml version="1.0" encoding="utf-8"?>
+<file path=ppt/slides/slide22.xml><?xml version="1.0" encoding="utf-8"?>
 <p:sld xmlns:a="http://schemas.openxmlformats.org/drawingml/2006/main" xmlns:r="http://schemas.openxmlformats.org/officeDocument/2006/relationships" xmlns:p="http://schemas.openxmlformats.org/presentationml/2006/main">
   <p:cSld>
     <p:spTree>
@@ -19462,7 +21570,7 @@
             <a:fld id="{294A09A9-5501-47C1-A89A-A340965A2BE2}" type="slidenum">
               <a:rPr lang="en-GB" smtClean="0"/>
               <a:pPr rtl="0"/>
-              <a:t>19</a:t>
+              <a:t>22</a:t>
             </a:fld>
             <a:endParaRPr lang="en-GB" dirty="0"/>
           </a:p>
@@ -19531,7 +21639,7 @@
             <a:pPr rtl="0"/>
             <a:fld id="{0BEA1930-59B8-4B23-B9BD-22C0E3AD440C}" type="datetime3">
               <a:rPr lang="en-GB" smtClean="0"/>
-              <a:t>19 June, 2024</a:t>
+              <a:t>20 June, 2024</a:t>
             </a:fld>
             <a:endParaRPr lang="en-GB"/>
           </a:p>
@@ -19580,7 +21688,7 @@
 </p:sld>
 </file>
 
-<file path=ppt/slides/slide2.xml><?xml version="1.0" encoding="utf-8"?>
+<file path=ppt/slides/slide23.xml><?xml version="1.0" encoding="utf-8"?>
 <p:sld xmlns:a="http://schemas.openxmlformats.org/drawingml/2006/main" xmlns:r="http://schemas.openxmlformats.org/officeDocument/2006/relationships" xmlns:p="http://schemas.openxmlformats.org/presentationml/2006/main">
   <p:cSld>
     <p:spTree>
@@ -19602,112 +21710,6 @@
           <p:cNvPr id="2" name="Title 1">
             <a:extLst>
               <a:ext uri="{FF2B5EF4-FFF2-40B4-BE49-F238E27FC236}">
-                <a16:creationId xmlns:a16="http://schemas.microsoft.com/office/drawing/2014/main" id="{737728DC-195E-4A4E-AEBA-5E0D1DB03B76}"/>
-              </a:ext>
-            </a:extLst>
-          </p:cNvPr>
-          <p:cNvSpPr>
-            <a:spLocks noGrp="1"/>
-          </p:cNvSpPr>
-          <p:nvPr>
-            <p:ph type="title"/>
-          </p:nvPr>
-        </p:nvSpPr>
-        <p:spPr>
-          <a:xfrm>
-            <a:off x="911424" y="2132856"/>
-            <a:ext cx="7992888" cy="3289971"/>
-          </a:xfrm>
-        </p:spPr>
-        <p:txBody>
-          <a:bodyPr rtlCol="0">
-            <a:normAutofit/>
-          </a:bodyPr>
-          <a:lstStyle/>
-          <a:p>
-            <a:r>
-              <a:rPr lang="en-US" sz="3600" b="0" i="0" dirty="0">
-                <a:effectLst/>
-              </a:rPr>
-              <a:t>“</a:t>
-            </a:r>
-            <a:r>
-              <a:rPr lang="en-US" sz="3600" b="0" i="1" dirty="0">
-                <a:effectLst/>
-              </a:rPr>
-              <a:t>The first rule of management is delegation. Don’t try and do everything yourself because you can’t.</a:t>
-            </a:r>
-            <a:r>
-              <a:rPr lang="en-US" sz="3600" b="0" i="0" dirty="0">
-                <a:effectLst/>
-              </a:rPr>
-              <a:t>”</a:t>
-            </a:r>
-            <a:br>
-              <a:rPr lang="en-US" b="0" i="0" dirty="0">
-                <a:effectLst/>
-                <a:latin typeface="Inter"/>
-              </a:rPr>
-            </a:br>
-            <a:r>
-              <a:rPr lang="en-US" b="0" i="0" dirty="0">
-                <a:effectLst/>
-                <a:latin typeface="Inter"/>
-              </a:rPr>
-              <a:t>  						</a:t>
-            </a:r>
-            <a:r>
-              <a:rPr lang="en-US" sz="1400" b="0" i="0" dirty="0">
-                <a:effectLst/>
-              </a:rPr>
-              <a:t>— Anthea Turner</a:t>
-            </a:r>
-            <a:br>
-              <a:rPr lang="en-GB" dirty="0">
-                <a:latin typeface="+mj-lt"/>
-              </a:rPr>
-            </a:br>
-            <a:endParaRPr lang="en-GB" dirty="0">
-              <a:latin typeface="+mj-lt"/>
-            </a:endParaRPr>
-          </a:p>
-        </p:txBody>
-      </p:sp>
-    </p:spTree>
-    <p:extLst>
-      <p:ext uri="{BB962C8B-B14F-4D97-AF65-F5344CB8AC3E}">
-        <p14:creationId xmlns:p14="http://schemas.microsoft.com/office/powerpoint/2010/main" val="4206035864"/>
-      </p:ext>
-    </p:extLst>
-  </p:cSld>
-  <p:clrMapOvr>
-    <a:masterClrMapping/>
-  </p:clrMapOvr>
-</p:sld>
-</file>
-
-<file path=ppt/slides/slide20.xml><?xml version="1.0" encoding="utf-8"?>
-<p:sld xmlns:a="http://schemas.openxmlformats.org/drawingml/2006/main" xmlns:r="http://schemas.openxmlformats.org/officeDocument/2006/relationships" xmlns:p="http://schemas.openxmlformats.org/presentationml/2006/main">
-  <p:cSld>
-    <p:spTree>
-      <p:nvGrpSpPr>
-        <p:cNvPr id="1" name=""/>
-        <p:cNvGrpSpPr/>
-        <p:nvPr/>
-      </p:nvGrpSpPr>
-      <p:grpSpPr>
-        <a:xfrm>
-          <a:off x="0" y="0"/>
-          <a:ext cx="0" cy="0"/>
-          <a:chOff x="0" y="0"/>
-          <a:chExt cx="0" cy="0"/>
-        </a:xfrm>
-      </p:grpSpPr>
-      <p:sp>
-        <p:nvSpPr>
-          <p:cNvPr id="2" name="Title 1">
-            <a:extLst>
-              <a:ext uri="{FF2B5EF4-FFF2-40B4-BE49-F238E27FC236}">
                 <a16:creationId xmlns:a16="http://schemas.microsoft.com/office/drawing/2014/main" id="{665CFF5F-6DFB-0D49-B8B1-661F7E7888AF}"/>
               </a:ext>
             </a:extLst>
@@ -19769,7 +21771,7 @@
             <a:fld id="{294A09A9-5501-47C1-A89A-A340965A2BE2}" type="slidenum">
               <a:rPr lang="en-GB" smtClean="0"/>
               <a:pPr rtl="0"/>
-              <a:t>20</a:t>
+              <a:t>23</a:t>
             </a:fld>
             <a:endParaRPr lang="en-GB" dirty="0"/>
           </a:p>
@@ -19838,7 +21840,7 @@
             <a:pPr rtl="0"/>
             <a:fld id="{0BEA1930-59B8-4B23-B9BD-22C0E3AD440C}" type="datetime3">
               <a:rPr lang="en-GB" smtClean="0"/>
-              <a:t>19 June, 2024</a:t>
+              <a:t>20 June, 2024</a:t>
             </a:fld>
             <a:endParaRPr lang="en-GB"/>
           </a:p>
@@ -19887,7 +21889,7 @@
 </p:sld>
 </file>
 
-<file path=ppt/slides/slide21.xml><?xml version="1.0" encoding="utf-8"?>
+<file path=ppt/slides/slide24.xml><?xml version="1.0" encoding="utf-8"?>
 <p:sld xmlns:a="http://schemas.openxmlformats.org/drawingml/2006/main" xmlns:r="http://schemas.openxmlformats.org/officeDocument/2006/relationships" xmlns:p="http://schemas.openxmlformats.org/presentationml/2006/main">
   <p:cSld>
     <p:spTree>
@@ -19970,7 +21972,7 @@
             <a:fld id="{294A09A9-5501-47C1-A89A-A340965A2BE2}" type="slidenum">
               <a:rPr lang="en-GB" smtClean="0"/>
               <a:pPr rtl="0"/>
-              <a:t>21</a:t>
+              <a:t>24</a:t>
             </a:fld>
             <a:endParaRPr lang="en-GB"/>
           </a:p>
@@ -20039,7 +22041,7 @@
             <a:pPr rtl="0"/>
             <a:fld id="{0BEA1930-59B8-4B23-B9BD-22C0E3AD440C}" type="datetime3">
               <a:rPr lang="en-GB" smtClean="0"/>
-              <a:t>19 June, 2024</a:t>
+              <a:t>20 June, 2024</a:t>
             </a:fld>
             <a:endParaRPr lang="en-GB"/>
           </a:p>
@@ -20088,7 +22090,7 @@
 </p:sld>
 </file>
 
-<file path=ppt/slides/slide22.xml><?xml version="1.0" encoding="utf-8"?>
+<file path=ppt/slides/slide25.xml><?xml version="1.0" encoding="utf-8"?>
 <p:sld xmlns:a="http://schemas.openxmlformats.org/drawingml/2006/main" xmlns:r="http://schemas.openxmlformats.org/officeDocument/2006/relationships" xmlns:p="http://schemas.openxmlformats.org/presentationml/2006/main">
   <p:cSld>
     <p:spTree>
@@ -20107,10 +22109,10 @@
       </p:grpSpPr>
       <p:sp>
         <p:nvSpPr>
-          <p:cNvPr id="4" name="Date Placeholder 3">
-            <a:extLst>
-              <a:ext uri="{FF2B5EF4-FFF2-40B4-BE49-F238E27FC236}">
-                <a16:creationId xmlns:a16="http://schemas.microsoft.com/office/drawing/2014/main" id="{A5057F44-56E0-DBB1-047C-785EB3AE1717}"/>
+          <p:cNvPr id="3" name="Title 2">
+            <a:extLst>
+              <a:ext uri="{FF2B5EF4-FFF2-40B4-BE49-F238E27FC236}">
+                <a16:creationId xmlns:a16="http://schemas.microsoft.com/office/drawing/2014/main" id="{6339315B-8AAE-A946-ABBF-894F2E4B1338}"/>
               </a:ext>
             </a:extLst>
           </p:cNvPr>
@@ -20118,221 +22120,12 @@
             <a:spLocks noGrp="1"/>
           </p:cNvSpPr>
           <p:nvPr>
-            <p:ph type="dt" sz="half" idx="11"/>
-          </p:nvPr>
-        </p:nvSpPr>
-        <p:spPr/>
-        <p:txBody>
-          <a:bodyPr/>
-          <a:lstStyle/>
-          <a:p>
-            <a:pPr rtl="0"/>
-            <a:fld id="{1E6A16EE-7FBD-4E62-A186-69A1E1C8758D}" type="datetime3">
-              <a:rPr lang="en-GB" noProof="0" smtClean="0">
-                <a:latin typeface="+mn-lt"/>
-              </a:rPr>
-              <a:t>19 June, 2024</a:t>
-            </a:fld>
-            <a:endParaRPr lang="en-GB" noProof="0">
-              <a:latin typeface="+mn-lt"/>
-            </a:endParaRPr>
-          </a:p>
-        </p:txBody>
-      </p:sp>
-      <p:sp>
-        <p:nvSpPr>
-          <p:cNvPr id="6" name="Slide Number Placeholder 5">
-            <a:extLst>
-              <a:ext uri="{FF2B5EF4-FFF2-40B4-BE49-F238E27FC236}">
-                <a16:creationId xmlns:a16="http://schemas.microsoft.com/office/drawing/2014/main" id="{5E701F60-1AD6-87AE-F56B-1CA1E914AF7B}"/>
-              </a:ext>
-            </a:extLst>
-          </p:cNvPr>
-          <p:cNvSpPr>
-            <a:spLocks noGrp="1"/>
-          </p:cNvSpPr>
-          <p:nvPr>
-            <p:ph type="sldNum" sz="quarter" idx="13"/>
-          </p:nvPr>
-        </p:nvSpPr>
-        <p:spPr/>
-        <p:txBody>
-          <a:bodyPr/>
-          <a:lstStyle/>
-          <a:p>
-            <a:pPr rtl="0"/>
-            <a:fld id="{294A09A9-5501-47C1-A89A-A340965A2BE2}" type="slidenum">
-              <a:rPr lang="en-GB" noProof="0" smtClean="0"/>
-              <a:pPr rtl="0"/>
-              <a:t>22</a:t>
-            </a:fld>
-            <a:endParaRPr lang="en-GB" noProof="0">
-              <a:latin typeface="+mn-lt"/>
-            </a:endParaRPr>
-          </a:p>
-        </p:txBody>
-      </p:sp>
-      <p:pic>
-        <p:nvPicPr>
-          <p:cNvPr id="8" name="Picture 7">
-            <a:extLst>
-              <a:ext uri="{FF2B5EF4-FFF2-40B4-BE49-F238E27FC236}">
-                <a16:creationId xmlns:a16="http://schemas.microsoft.com/office/drawing/2014/main" id="{1C65469D-F3A3-4DF0-C495-EB3150DADDF5}"/>
-              </a:ext>
-            </a:extLst>
-          </p:cNvPr>
-          <p:cNvPicPr>
-            <a:picLocks noChangeAspect="1"/>
-          </p:cNvPicPr>
-          <p:nvPr/>
-        </p:nvPicPr>
-        <p:blipFill>
-          <a:blip r:embed="rId2">
-            <a:extLst>
-              <a:ext uri="{28A0092B-C50C-407E-A947-70E740481C1C}">
-                <a14:useLocalDpi xmlns:a14="http://schemas.microsoft.com/office/drawing/2010/main" val="0"/>
-              </a:ext>
-            </a:extLst>
-          </a:blip>
-          <a:stretch>
-            <a:fillRect/>
-          </a:stretch>
-        </p:blipFill>
+            <p:ph type="title"/>
+          </p:nvPr>
+        </p:nvSpPr>
         <p:spPr>
           <a:xfrm>
-            <a:off x="5597546" y="0"/>
-            <a:ext cx="6138809" cy="6858000"/>
-          </a:xfrm>
-          <a:prstGeom prst="rect">
-            <a:avLst/>
-          </a:prstGeom>
-        </p:spPr>
-      </p:pic>
-      <p:sp>
-        <p:nvSpPr>
-          <p:cNvPr id="9" name="Title 1">
-            <a:extLst>
-              <a:ext uri="{FF2B5EF4-FFF2-40B4-BE49-F238E27FC236}">
-                <a16:creationId xmlns:a16="http://schemas.microsoft.com/office/drawing/2014/main" id="{1DB44AD7-7A3E-2553-53CD-C7D889E7B480}"/>
-              </a:ext>
-            </a:extLst>
-          </p:cNvPr>
-          <p:cNvSpPr>
-            <a:spLocks noGrp="1"/>
-          </p:cNvSpPr>
-          <p:nvPr>
-            <p:ph type="title"/>
-          </p:nvPr>
-        </p:nvSpPr>
-        <p:spPr>
-          <a:xfrm>
-            <a:off x="335360" y="2996952"/>
-            <a:ext cx="9284877" cy="610863"/>
-          </a:xfrm>
-        </p:spPr>
-        <p:txBody>
-          <a:bodyPr rtlCol="0">
-            <a:normAutofit/>
-          </a:bodyPr>
-          <a:lstStyle/>
-          <a:p>
-            <a:pPr rtl="0"/>
-            <a:r>
-              <a:rPr lang="en-US" sz="2400" b="1" dirty="0"/>
-              <a:t>PYTHON CODE IMPLEMENTATION</a:t>
-            </a:r>
-            <a:endParaRPr lang="en-GB" sz="2400" b="1" dirty="0"/>
-          </a:p>
-        </p:txBody>
-      </p:sp>
-      <p:sp>
-        <p:nvSpPr>
-          <p:cNvPr id="10" name="Footer Placeholder 4">
-            <a:extLst>
-              <a:ext uri="{FF2B5EF4-FFF2-40B4-BE49-F238E27FC236}">
-                <a16:creationId xmlns:a16="http://schemas.microsoft.com/office/drawing/2014/main" id="{2B11FA62-ACE4-7227-9D07-921A4C1CC407}"/>
-              </a:ext>
-            </a:extLst>
-          </p:cNvPr>
-          <p:cNvSpPr>
-            <a:spLocks noGrp="1"/>
-          </p:cNvSpPr>
-          <p:nvPr>
-            <p:ph type="ftr" sz="quarter" idx="12"/>
-          </p:nvPr>
-        </p:nvSpPr>
-        <p:spPr>
-          <a:xfrm>
-            <a:off x="1436370" y="6353174"/>
-            <a:ext cx="1497330" cy="247651"/>
-          </a:xfrm>
-        </p:spPr>
-        <p:txBody>
-          <a:bodyPr rtlCol="0"/>
-          <a:lstStyle/>
-          <a:p>
-            <a:pPr rtl="0"/>
-            <a:r>
-              <a:rPr lang="en-GB" dirty="0"/>
-              <a:t>Photo </a:t>
-            </a:r>
-            <a:r>
-              <a:rPr lang="en-GB" dirty="0" err="1"/>
-              <a:t>Deduplicator</a:t>
-            </a:r>
-            <a:endParaRPr lang="en-GB" sz="1100" dirty="0"/>
-          </a:p>
-        </p:txBody>
-      </p:sp>
-    </p:spTree>
-    <p:extLst>
-      <p:ext uri="{BB962C8B-B14F-4D97-AF65-F5344CB8AC3E}">
-        <p14:creationId xmlns:p14="http://schemas.microsoft.com/office/powerpoint/2010/main" val="1858407609"/>
-      </p:ext>
-    </p:extLst>
-  </p:cSld>
-  <p:clrMapOvr>
-    <a:masterClrMapping/>
-  </p:clrMapOvr>
-</p:sld>
-</file>
-
-<file path=ppt/slides/slide23.xml><?xml version="1.0" encoding="utf-8"?>
-<p:sld xmlns:a="http://schemas.openxmlformats.org/drawingml/2006/main" xmlns:r="http://schemas.openxmlformats.org/officeDocument/2006/relationships" xmlns:p="http://schemas.openxmlformats.org/presentationml/2006/main">
-  <p:cSld>
-    <p:spTree>
-      <p:nvGrpSpPr>
-        <p:cNvPr id="1" name=""/>
-        <p:cNvGrpSpPr/>
-        <p:nvPr/>
-      </p:nvGrpSpPr>
-      <p:grpSpPr>
-        <a:xfrm>
-          <a:off x="0" y="0"/>
-          <a:ext cx="0" cy="0"/>
-          <a:chOff x="0" y="0"/>
-          <a:chExt cx="0" cy="0"/>
-        </a:xfrm>
-      </p:grpSpPr>
-      <p:sp>
-        <p:nvSpPr>
-          <p:cNvPr id="3" name="Title 2">
-            <a:extLst>
-              <a:ext uri="{FF2B5EF4-FFF2-40B4-BE49-F238E27FC236}">
-                <a16:creationId xmlns:a16="http://schemas.microsoft.com/office/drawing/2014/main" id="{6339315B-8AAE-A946-ABBF-894F2E4B1338}"/>
-              </a:ext>
-            </a:extLst>
-          </p:cNvPr>
-          <p:cNvSpPr>
-            <a:spLocks noGrp="1"/>
-          </p:cNvSpPr>
-          <p:nvPr>
-            <p:ph type="title"/>
-          </p:nvPr>
-        </p:nvSpPr>
-        <p:spPr>
-          <a:xfrm>
-            <a:off x="911424" y="332656"/>
+            <a:off x="191344" y="98239"/>
             <a:ext cx="8081654" cy="610863"/>
           </a:xfrm>
         </p:spPr>
@@ -20345,81 +22138,6 @@
               <a:rPr lang="en-GB" dirty="0"/>
               <a:t>TESTING</a:t>
             </a:r>
-          </a:p>
-        </p:txBody>
-      </p:sp>
-      <p:sp>
-        <p:nvSpPr>
-          <p:cNvPr id="6" name="Slide Number Placeholder 5">
-            <a:extLst>
-              <a:ext uri="{FF2B5EF4-FFF2-40B4-BE49-F238E27FC236}">
-                <a16:creationId xmlns:a16="http://schemas.microsoft.com/office/drawing/2014/main" id="{54AEFD4E-3C68-714D-803E-EF85A323B95F}"/>
-              </a:ext>
-            </a:extLst>
-          </p:cNvPr>
-          <p:cNvSpPr>
-            <a:spLocks noGrp="1"/>
-          </p:cNvSpPr>
-          <p:nvPr>
-            <p:ph type="sldNum" sz="quarter" idx="13"/>
-          </p:nvPr>
-        </p:nvSpPr>
-        <p:spPr>
-          <a:xfrm>
-            <a:off x="191344" y="6381328"/>
-            <a:ext cx="523240" cy="247651"/>
-          </a:xfrm>
-        </p:spPr>
-        <p:txBody>
-          <a:bodyPr rtlCol="0"/>
-          <a:lstStyle/>
-          <a:p>
-            <a:pPr rtl="0"/>
-            <a:fld id="{294A09A9-5501-47C1-A89A-A340965A2BE2}" type="slidenum">
-              <a:rPr lang="en-GB" smtClean="0"/>
-              <a:pPr rtl="0"/>
-              <a:t>23</a:t>
-            </a:fld>
-            <a:endParaRPr lang="en-GB" dirty="0"/>
-          </a:p>
-        </p:txBody>
-      </p:sp>
-      <p:sp>
-        <p:nvSpPr>
-          <p:cNvPr id="5" name="Footer Placeholder 4">
-            <a:extLst>
-              <a:ext uri="{FF2B5EF4-FFF2-40B4-BE49-F238E27FC236}">
-                <a16:creationId xmlns:a16="http://schemas.microsoft.com/office/drawing/2014/main" id="{234E9584-EA07-9B45-9700-4AD3524B82A0}"/>
-              </a:ext>
-            </a:extLst>
-          </p:cNvPr>
-          <p:cNvSpPr>
-            <a:spLocks noGrp="1"/>
-          </p:cNvSpPr>
-          <p:nvPr>
-            <p:ph type="ftr" sz="quarter" idx="12"/>
-          </p:nvPr>
-        </p:nvSpPr>
-        <p:spPr>
-          <a:xfrm>
-            <a:off x="479376" y="6381328"/>
-            <a:ext cx="1497330" cy="247651"/>
-          </a:xfrm>
-        </p:spPr>
-        <p:txBody>
-          <a:bodyPr rtlCol="0"/>
-          <a:lstStyle/>
-          <a:p>
-            <a:pPr rtl="0"/>
-            <a:r>
-              <a:rPr lang="en-GB" dirty="0"/>
-              <a:t>Photo </a:t>
-            </a:r>
-            <a:r>
-              <a:rPr lang="en-GB" dirty="0" err="1"/>
-              <a:t>Deduplicator</a:t>
-            </a:r>
-            <a:endParaRPr lang="en-GB" sz="1100" dirty="0"/>
           </a:p>
         </p:txBody>
       </p:sp>
@@ -20452,7 +22170,7 @@
             <a:pPr rtl="0"/>
             <a:fld id="{A7DE502B-E3CB-438D-B6DA-D89E06EA4A78}" type="datetime3">
               <a:rPr lang="en-GB" smtClean="0"/>
-              <a:t>19 June, 2024</a:t>
+              <a:t>20 June, 2024</a:t>
             </a:fld>
             <a:endParaRPr lang="en-GB" dirty="0"/>
           </a:p>
@@ -20473,14 +22191,14 @@
           <p:nvPr>
             <p:extLst>
               <p:ext uri="{D42A27DB-BD31-4B8C-83A1-F6EECF244321}">
-                <p14:modId xmlns:p14="http://schemas.microsoft.com/office/powerpoint/2010/main" val="3088007010"/>
+                <p14:modId xmlns:p14="http://schemas.microsoft.com/office/powerpoint/2010/main" val="724444367"/>
               </p:ext>
             </p:extLst>
           </p:nvPr>
         </p:nvGraphicFramePr>
         <p:xfrm>
-          <a:off x="911424" y="980728"/>
-          <a:ext cx="10513170" cy="5121482"/>
+          <a:off x="191344" y="709102"/>
+          <a:ext cx="11521283" cy="6002820"/>
         </p:xfrm>
         <a:graphic>
           <a:graphicData uri="http://schemas.openxmlformats.org/drawingml/2006/table">
@@ -20489,42 +22207,42 @@
                 <a:tableStyleId>{5C22544A-7EE6-4342-B048-85BDC9FD1C3A}</a:tableStyleId>
               </a:tblPr>
               <a:tblGrid>
-                <a:gridCol w="1752195">
+                <a:gridCol w="1920214">
                   <a:extLst>
                     <a:ext uri="{9D8B030D-6E8A-4147-A177-3AD203B41FA5}">
                       <a16:colId xmlns:a16="http://schemas.microsoft.com/office/drawing/2014/main" val="1901585172"/>
                     </a:ext>
                   </a:extLst>
                 </a:gridCol>
-                <a:gridCol w="1752195">
+                <a:gridCol w="1920214">
                   <a:extLst>
                     <a:ext uri="{9D8B030D-6E8A-4147-A177-3AD203B41FA5}">
                       <a16:colId xmlns:a16="http://schemas.microsoft.com/office/drawing/2014/main" val="2360682688"/>
                     </a:ext>
                   </a:extLst>
                 </a:gridCol>
-                <a:gridCol w="1752195">
+                <a:gridCol w="1920214">
                   <a:extLst>
                     <a:ext uri="{9D8B030D-6E8A-4147-A177-3AD203B41FA5}">
                       <a16:colId xmlns:a16="http://schemas.microsoft.com/office/drawing/2014/main" val="2421449047"/>
                     </a:ext>
                   </a:extLst>
                 </a:gridCol>
-                <a:gridCol w="1752195">
+                <a:gridCol w="1968825">
                   <a:extLst>
                     <a:ext uri="{9D8B030D-6E8A-4147-A177-3AD203B41FA5}">
                       <a16:colId xmlns:a16="http://schemas.microsoft.com/office/drawing/2014/main" val="3037090195"/>
                     </a:ext>
                   </a:extLst>
                 </a:gridCol>
-                <a:gridCol w="1752195">
+                <a:gridCol w="1871602">
                   <a:extLst>
                     <a:ext uri="{9D8B030D-6E8A-4147-A177-3AD203B41FA5}">
                       <a16:colId xmlns:a16="http://schemas.microsoft.com/office/drawing/2014/main" val="2030968417"/>
                     </a:ext>
                   </a:extLst>
                 </a:gridCol>
-                <a:gridCol w="1752195">
+                <a:gridCol w="1920214">
                   <a:extLst>
                     <a:ext uri="{9D8B030D-6E8A-4147-A177-3AD203B41FA5}">
                       <a16:colId xmlns:a16="http://schemas.microsoft.com/office/drawing/2014/main" val="3425255958"/>
@@ -20532,7 +22250,7 @@
                   </a:extLst>
                 </a:gridCol>
               </a:tblGrid>
-              <a:tr h="549061">
+              <a:tr h="600042">
                 <a:tc>
                   <a:txBody>
                     <a:bodyPr/>
@@ -20722,7 +22440,7 @@
                   </a:ext>
                 </a:extLst>
               </a:tr>
-              <a:tr h="549061">
+              <a:tr h="699513">
                 <a:tc>
                   <a:txBody>
                     <a:bodyPr/>
@@ -20798,7 +22516,7 @@
                     <a:bodyPr/>
                     <a:lstStyle/>
                     <a:p>
-                      <a:endParaRPr lang="en-GB"/>
+                      <a:endParaRPr lang="en-GB" dirty="0"/>
                     </a:p>
                   </a:txBody>
                   <a:tcPr/>
@@ -20809,7 +22527,7 @@
                   </a:ext>
                 </a:extLst>
               </a:tr>
-              <a:tr h="549061">
+              <a:tr h="699513">
                 <a:tc>
                   <a:txBody>
                     <a:bodyPr/>
@@ -20851,7 +22569,7 @@
                     <a:p>
                       <a:r>
                         <a:rPr lang="en-US" sz="1200" dirty="0"/>
-                        <a:t>Test De-Duplication functionality with images in python </a:t>
+                        <a:t>Test De-Duplication functionality with images</a:t>
                       </a:r>
                       <a:endParaRPr lang="en-GB" sz="1200" dirty="0"/>
                     </a:p>
@@ -20916,7 +22634,7 @@
                   </a:ext>
                 </a:extLst>
               </a:tr>
-              <a:tr h="549061">
+              <a:tr h="699513">
                 <a:tc>
                   <a:txBody>
                     <a:bodyPr/>
@@ -20986,7 +22704,7 @@
                     <a:p>
                       <a:r>
                         <a:rPr lang="en-US" sz="1200" dirty="0"/>
-                        <a:t>Display error message ‘path not found’ </a:t>
+                        <a:t>Display error message ‘Path not found’ </a:t>
                       </a:r>
                       <a:endParaRPr lang="en-GB" sz="1200" dirty="0"/>
                     </a:p>
@@ -21000,7 +22718,7 @@
                     <a:p>
                       <a:r>
                         <a:rPr lang="en-US" sz="1200" dirty="0"/>
-                        <a:t>PASS</a:t>
+                        <a:t>FAIL</a:t>
                       </a:r>
                       <a:endParaRPr lang="en-GB" sz="1200" dirty="0"/>
                     </a:p>
@@ -21012,7 +22730,11 @@
                     <a:bodyPr/>
                     <a:lstStyle/>
                     <a:p>
-                      <a:endParaRPr lang="en-GB"/>
+                      <a:r>
+                        <a:rPr lang="en-US" sz="1200" dirty="0"/>
+                        <a:t>Select folder location instead of typing it</a:t>
+                      </a:r>
+                      <a:endParaRPr lang="en-GB" sz="1200" dirty="0"/>
                     </a:p>
                   </a:txBody>
                   <a:tcPr/>
@@ -21023,7 +22745,7 @@
                   </a:ext>
                 </a:extLst>
               </a:tr>
-              <a:tr h="549061">
+              <a:tr h="699513">
                 <a:tc>
                   <a:txBody>
                     <a:bodyPr/>
@@ -21130,7 +22852,7 @@
                   </a:ext>
                 </a:extLst>
               </a:tr>
-              <a:tr h="549061">
+              <a:tr h="899373">
                 <a:tc>
                   <a:txBody>
                     <a:bodyPr/>
@@ -21226,7 +22948,7 @@
                     <a:bodyPr/>
                     <a:lstStyle/>
                     <a:p>
-                      <a:endParaRPr lang="en-GB"/>
+                      <a:endParaRPr lang="en-GB" dirty="0"/>
                     </a:p>
                   </a:txBody>
                   <a:tcPr/>
@@ -21237,7 +22959,7 @@
                   </a:ext>
                 </a:extLst>
               </a:tr>
-              <a:tr h="549061">
+              <a:tr h="699513">
                 <a:tc>
                   <a:txBody>
                     <a:bodyPr/>
@@ -21333,7 +23055,7 @@
                     <a:bodyPr/>
                     <a:lstStyle/>
                     <a:p>
-                      <a:endParaRPr lang="en-GB"/>
+                      <a:endParaRPr lang="en-GB" sz="1200" dirty="0"/>
                     </a:p>
                   </a:txBody>
                   <a:tcPr/>
@@ -21344,7 +23066,7 @@
                   </a:ext>
                 </a:extLst>
               </a:tr>
-              <a:tr h="549061">
+              <a:tr h="977271">
                 <a:tc>
                   <a:txBody>
                     <a:bodyPr/>
@@ -21384,7 +23106,17 @@
                     <a:bodyPr/>
                     <a:lstStyle/>
                     <a:p>
-                      <a:endParaRPr lang="en-GB" dirty="0"/>
+                      <a:r>
+                        <a:rPr lang="en-GB" sz="1200" dirty="0">
+                          <a:latin typeface="Franklin Gothic Book (Body)"/>
+                        </a:rPr>
+                        <a:t>Test De-Duplication functionality with images that are similar but differ in size. </a:t>
+                      </a:r>
+                    </a:p>
+                    <a:p>
+                      <a:endParaRPr lang="en-GB" sz="1200" dirty="0">
+                        <a:latin typeface="Franklin Gothic Book (Body)"/>
+                      </a:endParaRPr>
                     </a:p>
                   </a:txBody>
                   <a:tcPr/>
@@ -21394,7 +23126,40 @@
                     <a:bodyPr/>
                     <a:lstStyle/>
                     <a:p>
-                      <a:endParaRPr lang="en-GB" dirty="0"/>
+                      <a:pPr marL="0" marR="0" lvl="0" indent="0" algn="l" defTabSz="914400" rtl="0" eaLnBrk="1" fontAlgn="auto" latinLnBrk="0" hangingPunct="1">
+                        <a:lnSpc>
+                          <a:spcPct val="100000"/>
+                        </a:lnSpc>
+                        <a:spcBef>
+                          <a:spcPts val="0"/>
+                        </a:spcBef>
+                        <a:spcAft>
+                          <a:spcPts val="0"/>
+                        </a:spcAft>
+                        <a:buClrTx/>
+                        <a:buSzTx/>
+                        <a:buFontTx/>
+                        <a:buNone/>
+                        <a:tabLst/>
+                        <a:defRPr/>
+                      </a:pPr>
+                      <a:r>
+                        <a:rPr lang="en-US" sz="1200" dirty="0">
+                          <a:latin typeface="Franklin Gothic Book (Body)"/>
+                        </a:rPr>
+                        <a:t>Add folder path that holds </a:t>
+                      </a:r>
+                      <a:r>
+                        <a:rPr lang="en-GB" sz="1200" dirty="0">
+                          <a:latin typeface="Franklin Gothic Book (Body)"/>
+                        </a:rPr>
+                        <a:t>similar looking photos but different formats and sizes  </a:t>
+                      </a:r>
+                    </a:p>
+                    <a:p>
+                      <a:endParaRPr lang="en-GB" sz="1200" dirty="0">
+                        <a:latin typeface="Franklin Gothic Book (Body)"/>
+                      </a:endParaRPr>
                     </a:p>
                   </a:txBody>
                   <a:tcPr/>
@@ -21404,7 +23169,37 @@
                     <a:bodyPr/>
                     <a:lstStyle/>
                     <a:p>
-                      <a:endParaRPr lang="en-GB" dirty="0"/>
+                      <a:pPr marL="0" marR="0" lvl="0" indent="0" algn="l" defTabSz="914400" rtl="0" eaLnBrk="1" fontAlgn="auto" latinLnBrk="0" hangingPunct="1">
+                        <a:lnSpc>
+                          <a:spcPct val="100000"/>
+                        </a:lnSpc>
+                        <a:spcBef>
+                          <a:spcPts val="0"/>
+                        </a:spcBef>
+                        <a:spcAft>
+                          <a:spcPts val="0"/>
+                        </a:spcAft>
+                        <a:buClrTx/>
+                        <a:buSzTx/>
+                        <a:buFontTx/>
+                        <a:buNone/>
+                        <a:tabLst/>
+                        <a:defRPr/>
+                      </a:pPr>
+                      <a:r>
+                        <a:rPr lang="en-US" sz="1200" dirty="0">
+                          <a:latin typeface="Franklin Gothic Book (Body)"/>
+                        </a:rPr>
+                        <a:t>Display a list of duplicates found. </a:t>
+                      </a:r>
+                      <a:endParaRPr lang="en-GB" sz="1200" dirty="0">
+                        <a:latin typeface="Franklin Gothic Book (Body)"/>
+                      </a:endParaRPr>
+                    </a:p>
+                    <a:p>
+                      <a:endParaRPr lang="en-GB" dirty="0">
+                        <a:latin typeface="Franklin Gothic Book (Body)"/>
+                      </a:endParaRPr>
                     </a:p>
                   </a:txBody>
                   <a:tcPr/>
@@ -21414,7 +23209,15 @@
                     <a:bodyPr/>
                     <a:lstStyle/>
                     <a:p>
-                      <a:endParaRPr lang="en-GB"/>
+                      <a:r>
+                        <a:rPr lang="en-US" sz="1200" dirty="0">
+                          <a:latin typeface="Franklin Gothic Book (Body)"/>
+                        </a:rPr>
+                        <a:t>FAIL</a:t>
+                      </a:r>
+                      <a:endParaRPr lang="en-GB" sz="1200" dirty="0">
+                        <a:latin typeface="Franklin Gothic Book (Body)"/>
+                      </a:endParaRPr>
                     </a:p>
                   </a:txBody>
                   <a:tcPr/>
@@ -21424,7 +23227,11 @@
                     <a:bodyPr/>
                     <a:lstStyle/>
                     <a:p>
-                      <a:endParaRPr lang="en-GB" dirty="0"/>
+                      <a:r>
+                        <a:rPr lang="en-US" sz="1200" dirty="0"/>
+                        <a:t>Implement in future updates as mentioned in “Future Features”</a:t>
+                      </a:r>
+                      <a:endParaRPr lang="en-GB" sz="1200" dirty="0"/>
                     </a:p>
                   </a:txBody>
                   <a:tcPr/>
@@ -21452,7 +23259,7 @@
 </p:sld>
 </file>
 
-<file path=ppt/slides/slide24.xml><?xml version="1.0" encoding="utf-8"?>
+<file path=ppt/slides/slide26.xml><?xml version="1.0" encoding="utf-8"?>
 <p:sld xmlns:a="http://schemas.openxmlformats.org/drawingml/2006/main" xmlns:r="http://schemas.openxmlformats.org/officeDocument/2006/relationships" xmlns:p="http://schemas.openxmlformats.org/presentationml/2006/main">
   <p:cSld>
     <p:spTree>
@@ -21572,13 +23379,10 @@
       </p:sp>
       <p:pic>
         <p:nvPicPr>
-          <p:cNvPr id="13" name="Picture Placeholder 12" descr="Portrait of a team member">
-            <a:extLst>
-              <a:ext uri="{FF2B5EF4-FFF2-40B4-BE49-F238E27FC236}">
-                <a16:creationId xmlns:a16="http://schemas.microsoft.com/office/drawing/2014/main" id="{EC944911-7CDD-41CC-A7F0-5B0CF85D545C}"/>
-              </a:ext>
-              <a:ext uri="{C183D7F6-B498-43B3-948B-1728B52AA6E4}">
-                <adec:decorative xmlns:adec="http://schemas.microsoft.com/office/drawing/2017/decorative" val="0"/>
+          <p:cNvPr id="8" name="Picture Placeholder 7">
+            <a:extLst>
+              <a:ext uri="{FF2B5EF4-FFF2-40B4-BE49-F238E27FC236}">
+                <a16:creationId xmlns:a16="http://schemas.microsoft.com/office/drawing/2014/main" id="{5DAC8A6A-660A-A9CE-0558-D70D17DF83B3}"/>
               </a:ext>
             </a:extLst>
           </p:cNvPr>
@@ -21597,7 +23401,7 @@
               </a:ext>
             </a:extLst>
           </a:blip>
-          <a:srcRect/>
+          <a:srcRect l="24479" r="24479"/>
           <a:stretch>
             <a:fillRect/>
           </a:stretch>
@@ -21949,12 +23753,8 @@
           <a:lstStyle/>
           <a:p>
             <a:r>
-              <a:rPr lang="en-GB" dirty="0"/>
-              <a:t>We will show and demonstrate our protype and code </a:t>
-            </a:r>
-            <a:r>
               <a:rPr lang="en-US" dirty="0"/>
-              <a:t>while explaining the good coding practices used. </a:t>
+              <a:t>We will demonstrate the prototype to illustrate its functionality and show you the code for it. </a:t>
             </a:r>
             <a:endParaRPr lang="en-GB" dirty="0"/>
           </a:p>
@@ -21989,7 +23789,7 @@
             <a:pPr rtl="0"/>
             <a:r>
               <a:rPr lang="en-GB" dirty="0"/>
-              <a:t>05. Testing &amp; Deployment</a:t>
+              <a:t>05. Testing</a:t>
             </a:r>
           </a:p>
         </p:txBody>
@@ -22024,7 +23824,7 @@
           <a:p>
             <a:r>
               <a:rPr lang="en-US" dirty="0"/>
-              <a:t>We will show create an an appropriate test environment to carry out tests and carry them out, recording all data in a test table. Then we will explain how this project can be deployed.</a:t>
+              <a:t>We will discuss our test table and what tests have passed and what needed a little more work. </a:t>
             </a:r>
             <a:endParaRPr lang="en-GB" dirty="0"/>
           </a:p>
@@ -22130,7 +23930,7 @@
             <a:pPr rtl="0"/>
             <a:fld id="{42324F96-667B-47DB-96A2-18E9D99D7C82}" type="datetime3">
               <a:rPr lang="en-GB" smtClean="0"/>
-              <a:t>19 June, 2024</a:t>
+              <a:t>20 June, 2024</a:t>
             </a:fld>
             <a:endParaRPr lang="en-GB"/>
           </a:p>
@@ -22468,7 +24268,7 @@
             <a:pPr rtl="0"/>
             <a:fld id="{7E95D1A8-F167-412C-8772-4FDCBEEA9C1E}" type="datetime3">
               <a:rPr lang="en-GB" smtClean="0"/>
-              <a:t>19 June, 2024</a:t>
+              <a:t>20 June, 2024</a:t>
             </a:fld>
             <a:endParaRPr lang="en-GB" dirty="0"/>
           </a:p>
@@ -23621,7 +25421,7 @@
             <a:pPr rtl="0"/>
             <a:fld id="{7E95D1A8-F167-412C-8772-4FDCBEEA9C1E}" type="datetime3">
               <a:rPr lang="en-GB" smtClean="0"/>
-              <a:t>19 June, 2024</a:t>
+              <a:t>20 June, 2024</a:t>
             </a:fld>
             <a:endParaRPr lang="en-GB"/>
           </a:p>
@@ -24132,7 +25932,7 @@
             <a:pPr rtl="0"/>
             <a:fld id="{84E8D500-77B0-4D94-A214-E28C82D4040E}" type="datetime3">
               <a:rPr lang="en-GB" smtClean="0"/>
-              <a:t>19 June, 2024</a:t>
+              <a:t>20 June, 2024</a:t>
             </a:fld>
             <a:endParaRPr lang="en-GB"/>
           </a:p>
@@ -24157,7 +25957,7 @@
         <p:spPr>
           <a:xfrm>
             <a:off x="6951254" y="2042589"/>
-            <a:ext cx="2129245" cy="205837"/>
+            <a:ext cx="2889162" cy="234283"/>
           </a:xfrm>
         </p:spPr>
         <p:txBody>
@@ -24166,7 +25966,7 @@
           <a:p>
             <a:r>
               <a:rPr lang="en-GB" dirty="0"/>
-              <a:t>QA Engineer</a:t>
+              <a:t>Quality Assurance Engineer</a:t>
             </a:r>
           </a:p>
         </p:txBody>
@@ -24530,7 +26330,7 @@
             <a:pPr rtl="0"/>
             <a:fld id="{84E8D500-77B0-4D94-A214-E28C82D4040E}" type="datetime3">
               <a:rPr lang="en-GB" smtClean="0"/>
-              <a:t>19 June, 2024</a:t>
+              <a:t>20 June, 2024</a:t>
             </a:fld>
             <a:endParaRPr lang="en-GB"/>
           </a:p>
@@ -25145,7 +26945,7 @@
             <a:pPr rtl="0"/>
             <a:fld id="{84E8D500-77B0-4D94-A214-E28C82D4040E}" type="datetime3">
               <a:rPr lang="en-GB" smtClean="0"/>
-              <a:t>19 June, 2024</a:t>
+              <a:t>20 June, 2024</a:t>
             </a:fld>
             <a:endParaRPr lang="en-GB"/>
           </a:p>
@@ -26374,6 +28174,15 @@
 </file>
 
 <file path=customXml/item1.xml><?xml version="1.0" encoding="utf-8"?>
+<p:properties xmlns:p="http://schemas.microsoft.com/office/2006/metadata/properties" xmlns:xsi="http://www.w3.org/2001/XMLSchema-instance" xmlns:pc="http://schemas.microsoft.com/office/infopath/2007/PartnerControls">
+  <documentManagement>
+    <Status xmlns="71af3243-3dd4-4a8d-8c0d-dd76da1f02a5">Not started</Status>
+    <MediaServiceKeyPoints xmlns="71af3243-3dd4-4a8d-8c0d-dd76da1f02a5" xsi:nil="true"/>
+  </documentManagement>
+</p:properties>
+</file>
+
+<file path=customXml/item2.xml><?xml version="1.0" encoding="utf-8"?>
 <ct:contentTypeSchema xmlns:ct="http://schemas.microsoft.com/office/2006/metadata/contentType" xmlns:ma="http://schemas.microsoft.com/office/2006/metadata/properties/metaAttributes" ct:_="" ma:_="" ma:contentTypeName="Document" ma:contentTypeID="0x01010079F111ED35F8CC479449609E8A0923A6" ma:contentTypeVersion="12" ma:contentTypeDescription="Create a new document." ma:contentTypeScope="" ma:versionID="426e97fa315356fffbdcd9876fe988c2">
   <xsd:schema xmlns:xsd="http://www.w3.org/2001/XMLSchema" xmlns:xs="http://www.w3.org/2001/XMLSchema" xmlns:p="http://schemas.microsoft.com/office/2006/metadata/properties" xmlns:ns2="71af3243-3dd4-4a8d-8c0d-dd76da1f02a5" xmlns:ns3="16c05727-aa75-4e4a-9b5f-8a80a1165891" targetNamespace="http://schemas.microsoft.com/office/2006/metadata/properties" ma:root="true" ma:fieldsID="14b8f0def80e6d70ce3def20c90759ae" ns2:_="" ns3:_="">
     <xsd:import namespace="71af3243-3dd4-4a8d-8c0d-dd76da1f02a5"/>
@@ -26594,15 +28403,6 @@
 </ct:contentTypeSchema>
 </file>
 
-<file path=customXml/item2.xml><?xml version="1.0" encoding="utf-8"?>
-<p:properties xmlns:p="http://schemas.microsoft.com/office/2006/metadata/properties" xmlns:xsi="http://www.w3.org/2001/XMLSchema-instance" xmlns:pc="http://schemas.microsoft.com/office/infopath/2007/PartnerControls">
-  <documentManagement>
-    <Status xmlns="71af3243-3dd4-4a8d-8c0d-dd76da1f02a5">Not started</Status>
-    <MediaServiceKeyPoints xmlns="71af3243-3dd4-4a8d-8c0d-dd76da1f02a5" xsi:nil="true"/>
-  </documentManagement>
-</p:properties>
-</file>
-
 <file path=customXml/item3.xml><?xml version="1.0" encoding="utf-8"?>
 <?mso-contentType ?>
 <FormTemplates xmlns="http://schemas.microsoft.com/sharepoint/v3/contenttype/forms">
@@ -26613,6 +28413,16 @@
 </file>
 
 <file path=customXml/itemProps1.xml><?xml version="1.0" encoding="utf-8"?>
+<ds:datastoreItem xmlns:ds="http://schemas.openxmlformats.org/officeDocument/2006/customXml" ds:itemID="{09EC1AB0-9704-404D-B6D3-819D938AC55B}">
+  <ds:schemaRefs>
+    <ds:schemaRef ds:uri="http://schemas.microsoft.com/office/2006/metadata/properties"/>
+    <ds:schemaRef ds:uri="http://schemas.microsoft.com/office/infopath/2007/PartnerControls"/>
+    <ds:schemaRef ds:uri="71af3243-3dd4-4a8d-8c0d-dd76da1f02a5"/>
+  </ds:schemaRefs>
+</ds:datastoreItem>
+</file>
+
+<file path=customXml/itemProps2.xml><?xml version="1.0" encoding="utf-8"?>
 <ds:datastoreItem xmlns:ds="http://schemas.openxmlformats.org/officeDocument/2006/customXml" ds:itemID="{94F21D10-BD83-491A-AAA6-945C2DB1EB01}">
   <ds:schemaRefs>
     <ds:schemaRef ds:uri="http://schemas.microsoft.com/office/2006/metadata/contentType"/>
@@ -26631,16 +28441,6 @@
 </ds:datastoreItem>
 </file>
 
-<file path=customXml/itemProps2.xml><?xml version="1.0" encoding="utf-8"?>
-<ds:datastoreItem xmlns:ds="http://schemas.openxmlformats.org/officeDocument/2006/customXml" ds:itemID="{09EC1AB0-9704-404D-B6D3-819D938AC55B}">
-  <ds:schemaRefs>
-    <ds:schemaRef ds:uri="http://schemas.microsoft.com/office/2006/metadata/properties"/>
-    <ds:schemaRef ds:uri="http://schemas.microsoft.com/office/infopath/2007/PartnerControls"/>
-    <ds:schemaRef ds:uri="71af3243-3dd4-4a8d-8c0d-dd76da1f02a5"/>
-  </ds:schemaRefs>
-</ds:datastoreItem>
-</file>
-
 <file path=customXml/itemProps3.xml><?xml version="1.0" encoding="utf-8"?>
 <ds:datastoreItem xmlns:ds="http://schemas.openxmlformats.org/officeDocument/2006/customXml" ds:itemID="{1D20B6E4-879E-4E6C-BDE7-261540CD3765}">
   <ds:schemaRefs>
